--- a/presentation.pptx
+++ b/presentation.pptx
@@ -5,7 +5,7 @@
     <p:sldMasterId id="2147483683" r:id="rId1"/>
   </p:sldMasterIdLst>
   <p:notesMasterIdLst>
-    <p:notesMasterId r:id="rId19"/>
+    <p:notesMasterId r:id="rId20"/>
   </p:notesMasterIdLst>
   <p:sldIdLst>
     <p:sldId id="256" r:id="rId2"/>
@@ -20,26 +20,27 @@
     <p:sldId id="310" r:id="rId11"/>
     <p:sldId id="311" r:id="rId12"/>
     <p:sldId id="312" r:id="rId13"/>
-    <p:sldId id="313" r:id="rId14"/>
-    <p:sldId id="314" r:id="rId15"/>
+    <p:sldId id="318" r:id="rId14"/>
+    <p:sldId id="313" r:id="rId15"/>
     <p:sldId id="315" r:id="rId16"/>
     <p:sldId id="316" r:id="rId17"/>
-    <p:sldId id="317" r:id="rId18"/>
+    <p:sldId id="319" r:id="rId18"/>
+    <p:sldId id="317" r:id="rId19"/>
   </p:sldIdLst>
   <p:sldSz cx="9144000" cy="5143500" type="screen16x9"/>
   <p:notesSz cx="6858000" cy="9144000"/>
   <p:embeddedFontLst>
     <p:embeddedFont>
       <p:font typeface="Montserrat" panose="00000500000000000000" pitchFamily="2" charset="0"/>
-      <p:regular r:id="rId20"/>
-      <p:bold r:id="rId21"/>
-      <p:italic r:id="rId22"/>
-      <p:boldItalic r:id="rId23"/>
+      <p:regular r:id="rId21"/>
+      <p:bold r:id="rId22"/>
+      <p:italic r:id="rId23"/>
+      <p:boldItalic r:id="rId24"/>
     </p:embeddedFont>
     <p:embeddedFont>
       <p:font typeface="Montserrat ExtraBold" panose="00000900000000000000" pitchFamily="2" charset="0"/>
-      <p:bold r:id="rId24"/>
-      <p:boldItalic r:id="rId25"/>
+      <p:bold r:id="rId25"/>
+      <p:boldItalic r:id="rId26"/>
     </p:embeddedFont>
   </p:embeddedFontLst>
   <p:defaultTextStyle>
@@ -271,6 +272,11 @@
       </a:defRPr>
     </a:lvl9pPr>
   </p:defaultTextStyle>
+  <p:extLst>
+    <p:ext uri="{EFAFB233-063F-42B5-8137-9DF3F51BA10A}">
+      <p15:sldGuideLst xmlns:p15="http://schemas.microsoft.com/office/powerpoint/2012/main"/>
+    </p:ext>
+  </p:extLst>
 </p:presentation>
 </file>
 
@@ -1151,6 +1157,115 @@
   <p:cSld>
     <p:spTree>
       <p:nvGrpSpPr>
+        <p:cNvPr id="1" name="Shape 2109"/>
+        <p:cNvGrpSpPr/>
+        <p:nvPr/>
+      </p:nvGrpSpPr>
+      <p:grpSpPr>
+        <a:xfrm>
+          <a:off x="0" y="0"/>
+          <a:ext cx="0" cy="0"/>
+          <a:chOff x="0" y="0"/>
+          <a:chExt cx="0" cy="0"/>
+        </a:xfrm>
+      </p:grpSpPr>
+      <p:sp>
+        <p:nvSpPr>
+          <p:cNvPr id="2110" name="Google Shape;2110;g7f9262ee2f_0_26168:notes"/>
+          <p:cNvSpPr>
+            <a:spLocks noGrp="1" noRot="1" noChangeAspect="1"/>
+          </p:cNvSpPr>
+          <p:nvPr>
+            <p:ph type="sldImg" idx="2"/>
+          </p:nvPr>
+        </p:nvSpPr>
+        <p:spPr>
+          <a:xfrm>
+            <a:off x="381000" y="685800"/>
+            <a:ext cx="6096000" cy="3429000"/>
+          </a:xfrm>
+          <a:custGeom>
+            <a:avLst/>
+            <a:gdLst/>
+            <a:ahLst/>
+            <a:cxnLst/>
+            <a:rect l="l" t="t" r="r" b="b"/>
+            <a:pathLst>
+              <a:path w="120000" h="120000" extrusionOk="0">
+                <a:moveTo>
+                  <a:pt x="0" y="0"/>
+                </a:moveTo>
+                <a:lnTo>
+                  <a:pt x="120000" y="0"/>
+                </a:lnTo>
+                <a:lnTo>
+                  <a:pt x="120000" y="120000"/>
+                </a:lnTo>
+                <a:lnTo>
+                  <a:pt x="0" y="120000"/>
+                </a:lnTo>
+                <a:close/>
+              </a:path>
+            </a:pathLst>
+          </a:custGeom>
+        </p:spPr>
+      </p:sp>
+      <p:sp>
+        <p:nvSpPr>
+          <p:cNvPr id="2111" name="Google Shape;2111;g7f9262ee2f_0_26168:notes"/>
+          <p:cNvSpPr txBox="1">
+            <a:spLocks noGrp="1"/>
+          </p:cNvSpPr>
+          <p:nvPr>
+            <p:ph type="body" idx="1"/>
+          </p:nvPr>
+        </p:nvSpPr>
+        <p:spPr>
+          <a:xfrm>
+            <a:off x="685800" y="4343400"/>
+            <a:ext cx="5486400" cy="4114800"/>
+          </a:xfrm>
+          <a:prstGeom prst="rect">
+            <a:avLst/>
+          </a:prstGeom>
+        </p:spPr>
+        <p:txBody>
+          <a:bodyPr spcFirstLastPara="1" wrap="square" lIns="91425" tIns="91425" rIns="91425" bIns="91425" anchor="t" anchorCtr="0">
+            <a:noAutofit/>
+          </a:bodyPr>
+          <a:lstStyle/>
+          <a:p>
+            <a:pPr marL="0" lvl="0" indent="0" algn="l" rtl="0">
+              <a:spcBef>
+                <a:spcPts val="0"/>
+              </a:spcBef>
+              <a:spcAft>
+                <a:spcPts val="0"/>
+              </a:spcAft>
+              <a:buNone/>
+            </a:pPr>
+            <a:endParaRPr/>
+          </a:p>
+        </p:txBody>
+      </p:sp>
+    </p:spTree>
+    <p:extLst>
+      <p:ext uri="{BB962C8B-B14F-4D97-AF65-F5344CB8AC3E}">
+        <p14:creationId xmlns:p14="http://schemas.microsoft.com/office/powerpoint/2010/main" val="141669506"/>
+      </p:ext>
+    </p:extLst>
+  </p:cSld>
+  <p:clrMapOvr>
+    <a:masterClrMapping/>
+  </p:clrMapOvr>
+</p:notes>
+</file>
+
+<file path=ppt/notesSlides/notesSlide14.xml><?xml version="1.0" encoding="utf-8"?>
+<p:notes xmlns:a="http://schemas.openxmlformats.org/drawingml/2006/main" xmlns:r="http://schemas.openxmlformats.org/officeDocument/2006/relationships" xmlns:p="http://schemas.openxmlformats.org/presentationml/2006/main" showMasterSp="0" showMasterPhAnim="0">
+  <p:cSld>
+    <p:spTree>
+      <p:nvGrpSpPr>
         <p:cNvPr id="1" name="Shape 196"/>
         <p:cNvGrpSpPr/>
         <p:nvPr/>
@@ -1246,115 +1361,6 @@
     <p:extLst>
       <p:ext uri="{BB962C8B-B14F-4D97-AF65-F5344CB8AC3E}">
         <p14:creationId xmlns:p14="http://schemas.microsoft.com/office/powerpoint/2010/main" val="2279841525"/>
-      </p:ext>
-    </p:extLst>
-  </p:cSld>
-  <p:clrMapOvr>
-    <a:masterClrMapping/>
-  </p:clrMapOvr>
-</p:notes>
-</file>
-
-<file path=ppt/notesSlides/notesSlide14.xml><?xml version="1.0" encoding="utf-8"?>
-<p:notes xmlns:a="http://schemas.openxmlformats.org/drawingml/2006/main" xmlns:r="http://schemas.openxmlformats.org/officeDocument/2006/relationships" xmlns:p="http://schemas.openxmlformats.org/presentationml/2006/main" showMasterSp="0" showMasterPhAnim="0">
-  <p:cSld>
-    <p:spTree>
-      <p:nvGrpSpPr>
-        <p:cNvPr id="1" name="Shape 2109"/>
-        <p:cNvGrpSpPr/>
-        <p:nvPr/>
-      </p:nvGrpSpPr>
-      <p:grpSpPr>
-        <a:xfrm>
-          <a:off x="0" y="0"/>
-          <a:ext cx="0" cy="0"/>
-          <a:chOff x="0" y="0"/>
-          <a:chExt cx="0" cy="0"/>
-        </a:xfrm>
-      </p:grpSpPr>
-      <p:sp>
-        <p:nvSpPr>
-          <p:cNvPr id="2110" name="Google Shape;2110;g7f9262ee2f_0_26168:notes"/>
-          <p:cNvSpPr>
-            <a:spLocks noGrp="1" noRot="1" noChangeAspect="1"/>
-          </p:cNvSpPr>
-          <p:nvPr>
-            <p:ph type="sldImg" idx="2"/>
-          </p:nvPr>
-        </p:nvSpPr>
-        <p:spPr>
-          <a:xfrm>
-            <a:off x="381000" y="685800"/>
-            <a:ext cx="6096000" cy="3429000"/>
-          </a:xfrm>
-          <a:custGeom>
-            <a:avLst/>
-            <a:gdLst/>
-            <a:ahLst/>
-            <a:cxnLst/>
-            <a:rect l="l" t="t" r="r" b="b"/>
-            <a:pathLst>
-              <a:path w="120000" h="120000" extrusionOk="0">
-                <a:moveTo>
-                  <a:pt x="0" y="0"/>
-                </a:moveTo>
-                <a:lnTo>
-                  <a:pt x="120000" y="0"/>
-                </a:lnTo>
-                <a:lnTo>
-                  <a:pt x="120000" y="120000"/>
-                </a:lnTo>
-                <a:lnTo>
-                  <a:pt x="0" y="120000"/>
-                </a:lnTo>
-                <a:close/>
-              </a:path>
-            </a:pathLst>
-          </a:custGeom>
-        </p:spPr>
-      </p:sp>
-      <p:sp>
-        <p:nvSpPr>
-          <p:cNvPr id="2111" name="Google Shape;2111;g7f9262ee2f_0_26168:notes"/>
-          <p:cNvSpPr txBox="1">
-            <a:spLocks noGrp="1"/>
-          </p:cNvSpPr>
-          <p:nvPr>
-            <p:ph type="body" idx="1"/>
-          </p:nvPr>
-        </p:nvSpPr>
-        <p:spPr>
-          <a:xfrm>
-            <a:off x="685800" y="4343400"/>
-            <a:ext cx="5486400" cy="4114800"/>
-          </a:xfrm>
-          <a:prstGeom prst="rect">
-            <a:avLst/>
-          </a:prstGeom>
-        </p:spPr>
-        <p:txBody>
-          <a:bodyPr spcFirstLastPara="1" wrap="square" lIns="91425" tIns="91425" rIns="91425" bIns="91425" anchor="t" anchorCtr="0">
-            <a:noAutofit/>
-          </a:bodyPr>
-          <a:lstStyle/>
-          <a:p>
-            <a:pPr marL="0" lvl="0" indent="0" algn="l" rtl="0">
-              <a:spcBef>
-                <a:spcPts val="0"/>
-              </a:spcBef>
-              <a:spcAft>
-                <a:spcPts val="0"/>
-              </a:spcAft>
-              <a:buNone/>
-            </a:pPr>
-            <a:endParaRPr/>
-          </a:p>
-        </p:txBody>
-      </p:sp>
-    </p:spTree>
-    <p:extLst>
-      <p:ext uri="{BB962C8B-B14F-4D97-AF65-F5344CB8AC3E}">
-        <p14:creationId xmlns:p14="http://schemas.microsoft.com/office/powerpoint/2010/main" val="2584961837"/>
       </p:ext>
     </p:extLst>
   </p:cSld>
@@ -1583,6 +1589,115 @@
 </file>
 
 <file path=ppt/notesSlides/notesSlide17.xml><?xml version="1.0" encoding="utf-8"?>
+<p:notes xmlns:a="http://schemas.openxmlformats.org/drawingml/2006/main" xmlns:r="http://schemas.openxmlformats.org/officeDocument/2006/relationships" xmlns:p="http://schemas.openxmlformats.org/presentationml/2006/main" showMasterSp="0" showMasterPhAnim="0">
+  <p:cSld>
+    <p:spTree>
+      <p:nvGrpSpPr>
+        <p:cNvPr id="1" name="Shape 2109"/>
+        <p:cNvGrpSpPr/>
+        <p:nvPr/>
+      </p:nvGrpSpPr>
+      <p:grpSpPr>
+        <a:xfrm>
+          <a:off x="0" y="0"/>
+          <a:ext cx="0" cy="0"/>
+          <a:chOff x="0" y="0"/>
+          <a:chExt cx="0" cy="0"/>
+        </a:xfrm>
+      </p:grpSpPr>
+      <p:sp>
+        <p:nvSpPr>
+          <p:cNvPr id="2110" name="Google Shape;2110;g7f9262ee2f_0_26168:notes"/>
+          <p:cNvSpPr>
+            <a:spLocks noGrp="1" noRot="1" noChangeAspect="1"/>
+          </p:cNvSpPr>
+          <p:nvPr>
+            <p:ph type="sldImg" idx="2"/>
+          </p:nvPr>
+        </p:nvSpPr>
+        <p:spPr>
+          <a:xfrm>
+            <a:off x="381000" y="685800"/>
+            <a:ext cx="6096000" cy="3429000"/>
+          </a:xfrm>
+          <a:custGeom>
+            <a:avLst/>
+            <a:gdLst/>
+            <a:ahLst/>
+            <a:cxnLst/>
+            <a:rect l="l" t="t" r="r" b="b"/>
+            <a:pathLst>
+              <a:path w="120000" h="120000" extrusionOk="0">
+                <a:moveTo>
+                  <a:pt x="0" y="0"/>
+                </a:moveTo>
+                <a:lnTo>
+                  <a:pt x="120000" y="0"/>
+                </a:lnTo>
+                <a:lnTo>
+                  <a:pt x="120000" y="120000"/>
+                </a:lnTo>
+                <a:lnTo>
+                  <a:pt x="0" y="120000"/>
+                </a:lnTo>
+                <a:close/>
+              </a:path>
+            </a:pathLst>
+          </a:custGeom>
+        </p:spPr>
+      </p:sp>
+      <p:sp>
+        <p:nvSpPr>
+          <p:cNvPr id="2111" name="Google Shape;2111;g7f9262ee2f_0_26168:notes"/>
+          <p:cNvSpPr txBox="1">
+            <a:spLocks noGrp="1"/>
+          </p:cNvSpPr>
+          <p:nvPr>
+            <p:ph type="body" idx="1"/>
+          </p:nvPr>
+        </p:nvSpPr>
+        <p:spPr>
+          <a:xfrm>
+            <a:off x="685800" y="4343400"/>
+            <a:ext cx="5486400" cy="4114800"/>
+          </a:xfrm>
+          <a:prstGeom prst="rect">
+            <a:avLst/>
+          </a:prstGeom>
+        </p:spPr>
+        <p:txBody>
+          <a:bodyPr spcFirstLastPara="1" wrap="square" lIns="91425" tIns="91425" rIns="91425" bIns="91425" anchor="t" anchorCtr="0">
+            <a:noAutofit/>
+          </a:bodyPr>
+          <a:lstStyle/>
+          <a:p>
+            <a:pPr marL="0" lvl="0" indent="0" algn="l" rtl="0">
+              <a:spcBef>
+                <a:spcPts val="0"/>
+              </a:spcBef>
+              <a:spcAft>
+                <a:spcPts val="0"/>
+              </a:spcAft>
+              <a:buNone/>
+            </a:pPr>
+            <a:endParaRPr/>
+          </a:p>
+        </p:txBody>
+      </p:sp>
+    </p:spTree>
+    <p:extLst>
+      <p:ext uri="{BB962C8B-B14F-4D97-AF65-F5344CB8AC3E}">
+        <p14:creationId xmlns:p14="http://schemas.microsoft.com/office/powerpoint/2010/main" val="342992653"/>
+      </p:ext>
+    </p:extLst>
+  </p:cSld>
+  <p:clrMapOvr>
+    <a:masterClrMapping/>
+  </p:clrMapOvr>
+</p:notes>
+</file>
+
+<file path=ppt/notesSlides/notesSlide18.xml><?xml version="1.0" encoding="utf-8"?>
 <p:notes xmlns:a="http://schemas.openxmlformats.org/drawingml/2006/main" xmlns:r="http://schemas.openxmlformats.org/officeDocument/2006/relationships" xmlns:p="http://schemas.openxmlformats.org/presentationml/2006/main" showMasterSp="0" showMasterPhAnim="0">
   <p:cSld>
     <p:spTree>
@@ -7967,6 +8082,703 @@
           </a:effectLst>
         </p:spPr>
       </p:cxnSp>
+      <p:pic>
+        <p:nvPicPr>
+          <p:cNvPr id="3" name="Immagine 2" descr="Immagine che contiene testo, schermata, software, Carattere&#10;&#10;Descrizione generata automaticamente">
+            <a:extLst>
+              <a:ext uri="{FF2B5EF4-FFF2-40B4-BE49-F238E27FC236}">
+                <a16:creationId xmlns:a16="http://schemas.microsoft.com/office/drawing/2014/main" id="{4B87344A-6CD1-188D-1B64-83AE04C432E0}"/>
+              </a:ext>
+            </a:extLst>
+          </p:cNvPr>
+          <p:cNvPicPr>
+            <a:picLocks noChangeAspect="1"/>
+          </p:cNvPicPr>
+          <p:nvPr/>
+        </p:nvPicPr>
+        <p:blipFill>
+          <a:blip r:embed="rId3"/>
+          <a:stretch>
+            <a:fillRect/>
+          </a:stretch>
+        </p:blipFill>
+        <p:spPr>
+          <a:xfrm>
+            <a:off x="668337" y="1386425"/>
+            <a:ext cx="4236173" cy="1704025"/>
+          </a:xfrm>
+          <a:prstGeom prst="rect">
+            <a:avLst/>
+          </a:prstGeom>
+        </p:spPr>
+      </p:pic>
+      <p:pic>
+        <p:nvPicPr>
+          <p:cNvPr id="5" name="Immagine 4" descr="Immagine che contiene testo, schermata, Carattere&#10;&#10;Descrizione generata automaticamente">
+            <a:extLst>
+              <a:ext uri="{FF2B5EF4-FFF2-40B4-BE49-F238E27FC236}">
+                <a16:creationId xmlns:a16="http://schemas.microsoft.com/office/drawing/2014/main" id="{AEA84DF9-5FBF-A628-57AA-D86050C7099A}"/>
+              </a:ext>
+            </a:extLst>
+          </p:cNvPr>
+          <p:cNvPicPr>
+            <a:picLocks noChangeAspect="1"/>
+          </p:cNvPicPr>
+          <p:nvPr/>
+        </p:nvPicPr>
+        <p:blipFill>
+          <a:blip r:embed="rId4"/>
+          <a:stretch>
+            <a:fillRect/>
+          </a:stretch>
+        </p:blipFill>
+        <p:spPr>
+          <a:xfrm>
+            <a:off x="5219665" y="1715115"/>
+            <a:ext cx="3255998" cy="1375335"/>
+          </a:xfrm>
+          <a:prstGeom prst="rect">
+            <a:avLst/>
+          </a:prstGeom>
+        </p:spPr>
+      </p:pic>
+      <p:sp>
+        <p:nvSpPr>
+          <p:cNvPr id="8" name="Google Shape;184;p40">
+            <a:extLst>
+              <a:ext uri="{FF2B5EF4-FFF2-40B4-BE49-F238E27FC236}">
+                <a16:creationId xmlns:a16="http://schemas.microsoft.com/office/drawing/2014/main" id="{35AFCF47-D4A8-CB4E-4B97-572E1A41A354}"/>
+              </a:ext>
+            </a:extLst>
+          </p:cNvPr>
+          <p:cNvSpPr txBox="1">
+            <a:spLocks/>
+          </p:cNvSpPr>
+          <p:nvPr/>
+        </p:nvSpPr>
+        <p:spPr>
+          <a:xfrm>
+            <a:off x="1863436" y="3775791"/>
+            <a:ext cx="5417127" cy="1008890"/>
+          </a:xfrm>
+          <a:prstGeom prst="rect">
+            <a:avLst/>
+          </a:prstGeom>
+          <a:noFill/>
+        </p:spPr>
+        <p:txBody>
+          <a:bodyPr spcFirstLastPara="1" wrap="square" lIns="91425" tIns="91425" rIns="91425" bIns="91425" anchor="t" anchorCtr="0">
+            <a:noAutofit/>
+          </a:bodyPr>
+          <a:lstStyle>
+            <a:defPPr marR="0" lvl="0" algn="l" rtl="0">
+              <a:lnSpc>
+                <a:spcPct val="100000"/>
+              </a:lnSpc>
+              <a:spcBef>
+                <a:spcPts val="0"/>
+              </a:spcBef>
+              <a:spcAft>
+                <a:spcPts val="0"/>
+              </a:spcAft>
+            </a:defPPr>
+            <a:lvl1pPr marR="0" lvl="0" algn="l" rtl="0">
+              <a:lnSpc>
+                <a:spcPct val="100000"/>
+              </a:lnSpc>
+              <a:spcBef>
+                <a:spcPts val="0"/>
+              </a:spcBef>
+              <a:spcAft>
+                <a:spcPts val="0"/>
+              </a:spcAft>
+              <a:buClr>
+                <a:srgbClr val="000000"/>
+              </a:buClr>
+              <a:buFont typeface="Arial"/>
+              <a:defRPr sz="1400" b="0" i="0" u="none" strike="noStrike" cap="none">
+                <a:solidFill>
+                  <a:srgbClr val="000000"/>
+                </a:solidFill>
+                <a:latin typeface="Arial"/>
+                <a:ea typeface="Arial"/>
+                <a:cs typeface="Arial"/>
+                <a:sym typeface="Arial"/>
+              </a:defRPr>
+            </a:lvl1pPr>
+            <a:lvl2pPr marR="0" lvl="1" algn="l" rtl="0">
+              <a:lnSpc>
+                <a:spcPct val="100000"/>
+              </a:lnSpc>
+              <a:spcBef>
+                <a:spcPts val="0"/>
+              </a:spcBef>
+              <a:spcAft>
+                <a:spcPts val="0"/>
+              </a:spcAft>
+              <a:buClr>
+                <a:srgbClr val="000000"/>
+              </a:buClr>
+              <a:buFont typeface="Arial"/>
+              <a:defRPr sz="1400" b="0" i="0" u="none" strike="noStrike" cap="none">
+                <a:solidFill>
+                  <a:srgbClr val="000000"/>
+                </a:solidFill>
+                <a:latin typeface="Arial"/>
+                <a:ea typeface="Arial"/>
+                <a:cs typeface="Arial"/>
+                <a:sym typeface="Arial"/>
+              </a:defRPr>
+            </a:lvl2pPr>
+            <a:lvl3pPr marR="0" lvl="2" algn="l" rtl="0">
+              <a:lnSpc>
+                <a:spcPct val="100000"/>
+              </a:lnSpc>
+              <a:spcBef>
+                <a:spcPts val="0"/>
+              </a:spcBef>
+              <a:spcAft>
+                <a:spcPts val="0"/>
+              </a:spcAft>
+              <a:buClr>
+                <a:srgbClr val="000000"/>
+              </a:buClr>
+              <a:buFont typeface="Arial"/>
+              <a:defRPr sz="1400" b="0" i="0" u="none" strike="noStrike" cap="none">
+                <a:solidFill>
+                  <a:srgbClr val="000000"/>
+                </a:solidFill>
+                <a:latin typeface="Arial"/>
+                <a:ea typeface="Arial"/>
+                <a:cs typeface="Arial"/>
+                <a:sym typeface="Arial"/>
+              </a:defRPr>
+            </a:lvl3pPr>
+            <a:lvl4pPr marR="0" lvl="3" algn="l" rtl="0">
+              <a:lnSpc>
+                <a:spcPct val="100000"/>
+              </a:lnSpc>
+              <a:spcBef>
+                <a:spcPts val="0"/>
+              </a:spcBef>
+              <a:spcAft>
+                <a:spcPts val="0"/>
+              </a:spcAft>
+              <a:buClr>
+                <a:srgbClr val="000000"/>
+              </a:buClr>
+              <a:buFont typeface="Arial"/>
+              <a:defRPr sz="1400" b="0" i="0" u="none" strike="noStrike" cap="none">
+                <a:solidFill>
+                  <a:srgbClr val="000000"/>
+                </a:solidFill>
+                <a:latin typeface="Arial"/>
+                <a:ea typeface="Arial"/>
+                <a:cs typeface="Arial"/>
+                <a:sym typeface="Arial"/>
+              </a:defRPr>
+            </a:lvl4pPr>
+            <a:lvl5pPr marR="0" lvl="4" algn="l" rtl="0">
+              <a:lnSpc>
+                <a:spcPct val="100000"/>
+              </a:lnSpc>
+              <a:spcBef>
+                <a:spcPts val="0"/>
+              </a:spcBef>
+              <a:spcAft>
+                <a:spcPts val="0"/>
+              </a:spcAft>
+              <a:buClr>
+                <a:srgbClr val="000000"/>
+              </a:buClr>
+              <a:buFont typeface="Arial"/>
+              <a:defRPr sz="1400" b="0" i="0" u="none" strike="noStrike" cap="none">
+                <a:solidFill>
+                  <a:srgbClr val="000000"/>
+                </a:solidFill>
+                <a:latin typeface="Arial"/>
+                <a:ea typeface="Arial"/>
+                <a:cs typeface="Arial"/>
+                <a:sym typeface="Arial"/>
+              </a:defRPr>
+            </a:lvl5pPr>
+            <a:lvl6pPr marR="0" lvl="5" algn="l" rtl="0">
+              <a:lnSpc>
+                <a:spcPct val="100000"/>
+              </a:lnSpc>
+              <a:spcBef>
+                <a:spcPts val="0"/>
+              </a:spcBef>
+              <a:spcAft>
+                <a:spcPts val="0"/>
+              </a:spcAft>
+              <a:buClr>
+                <a:srgbClr val="000000"/>
+              </a:buClr>
+              <a:buFont typeface="Arial"/>
+              <a:defRPr sz="1400" b="0" i="0" u="none" strike="noStrike" cap="none">
+                <a:solidFill>
+                  <a:srgbClr val="000000"/>
+                </a:solidFill>
+                <a:latin typeface="Arial"/>
+                <a:ea typeface="Arial"/>
+                <a:cs typeface="Arial"/>
+                <a:sym typeface="Arial"/>
+              </a:defRPr>
+            </a:lvl6pPr>
+            <a:lvl7pPr marR="0" lvl="6" algn="l" rtl="0">
+              <a:lnSpc>
+                <a:spcPct val="100000"/>
+              </a:lnSpc>
+              <a:spcBef>
+                <a:spcPts val="0"/>
+              </a:spcBef>
+              <a:spcAft>
+                <a:spcPts val="0"/>
+              </a:spcAft>
+              <a:buClr>
+                <a:srgbClr val="000000"/>
+              </a:buClr>
+              <a:buFont typeface="Arial"/>
+              <a:defRPr sz="1400" b="0" i="0" u="none" strike="noStrike" cap="none">
+                <a:solidFill>
+                  <a:srgbClr val="000000"/>
+                </a:solidFill>
+                <a:latin typeface="Arial"/>
+                <a:ea typeface="Arial"/>
+                <a:cs typeface="Arial"/>
+                <a:sym typeface="Arial"/>
+              </a:defRPr>
+            </a:lvl7pPr>
+            <a:lvl8pPr marR="0" lvl="7" algn="l" rtl="0">
+              <a:lnSpc>
+                <a:spcPct val="100000"/>
+              </a:lnSpc>
+              <a:spcBef>
+                <a:spcPts val="0"/>
+              </a:spcBef>
+              <a:spcAft>
+                <a:spcPts val="0"/>
+              </a:spcAft>
+              <a:buClr>
+                <a:srgbClr val="000000"/>
+              </a:buClr>
+              <a:buFont typeface="Arial"/>
+              <a:defRPr sz="1400" b="0" i="0" u="none" strike="noStrike" cap="none">
+                <a:solidFill>
+                  <a:srgbClr val="000000"/>
+                </a:solidFill>
+                <a:latin typeface="Arial"/>
+                <a:ea typeface="Arial"/>
+                <a:cs typeface="Arial"/>
+                <a:sym typeface="Arial"/>
+              </a:defRPr>
+            </a:lvl8pPr>
+            <a:lvl9pPr marR="0" lvl="8" algn="l" rtl="0">
+              <a:lnSpc>
+                <a:spcPct val="100000"/>
+              </a:lnSpc>
+              <a:spcBef>
+                <a:spcPts val="0"/>
+              </a:spcBef>
+              <a:spcAft>
+                <a:spcPts val="0"/>
+              </a:spcAft>
+              <a:buClr>
+                <a:srgbClr val="000000"/>
+              </a:buClr>
+              <a:buFont typeface="Arial"/>
+              <a:defRPr sz="1400" b="0" i="0" u="none" strike="noStrike" cap="none">
+                <a:solidFill>
+                  <a:srgbClr val="000000"/>
+                </a:solidFill>
+                <a:latin typeface="Arial"/>
+                <a:ea typeface="Arial"/>
+                <a:cs typeface="Arial"/>
+                <a:sym typeface="Arial"/>
+              </a:defRPr>
+            </a:lvl9pPr>
+          </a:lstStyle>
+          <a:p>
+            <a:pPr algn="ctr"/>
+            <a:r>
+              <a:rPr lang="it-IT" sz="1100" dirty="0">
+                <a:solidFill>
+                  <a:schemeClr val="bg1"/>
+                </a:solidFill>
+              </a:rPr>
+              <a:t>Quando vado ad aggiungere un elemento, inserisco il nuovo elemento rispettivamente all’inizio (FIFO) o alla fine della coda (LIFO) così che, quando devo rimuovere, per entrambe le policies mi basta selezionare il primo della coda </a:t>
+            </a:r>
+          </a:p>
+        </p:txBody>
+      </p:sp>
+      <p:sp>
+        <p:nvSpPr>
+          <p:cNvPr id="9" name="Google Shape;180;p40">
+            <a:extLst>
+              <a:ext uri="{FF2B5EF4-FFF2-40B4-BE49-F238E27FC236}">
+                <a16:creationId xmlns:a16="http://schemas.microsoft.com/office/drawing/2014/main" id="{80890DEF-4577-7924-D858-2E3CF8F27DC5}"/>
+              </a:ext>
+            </a:extLst>
+          </p:cNvPr>
+          <p:cNvSpPr txBox="1">
+            <a:spLocks noGrp="1"/>
+          </p:cNvSpPr>
+          <p:nvPr>
+            <p:ph type="subTitle" idx="1"/>
+          </p:nvPr>
+        </p:nvSpPr>
+        <p:spPr>
+          <a:xfrm>
+            <a:off x="926451" y="3080656"/>
+            <a:ext cx="3719944" cy="331335"/>
+          </a:xfrm>
+          <a:prstGeom prst="rect">
+            <a:avLst/>
+          </a:prstGeom>
+        </p:spPr>
+        <p:txBody>
+          <a:bodyPr spcFirstLastPara="1" wrap="square" lIns="91425" tIns="91425" rIns="91425" bIns="91425" anchor="t" anchorCtr="0">
+            <a:noAutofit/>
+          </a:bodyPr>
+          <a:lstStyle/>
+          <a:p>
+            <a:pPr marL="0" lvl="0" indent="0" algn="ctr" rtl="0">
+              <a:spcBef>
+                <a:spcPts val="0"/>
+              </a:spcBef>
+              <a:spcAft>
+                <a:spcPts val="0"/>
+              </a:spcAft>
+              <a:buNone/>
+            </a:pPr>
+            <a:r>
+              <a:rPr lang="it-IT" sz="900" dirty="0" err="1"/>
+              <a:t>add_element_from_queue</a:t>
+            </a:r>
+            <a:r>
+              <a:rPr lang="it-IT" sz="900" dirty="0"/>
+              <a:t>(Queue* q, </a:t>
+            </a:r>
+            <a:r>
+              <a:rPr lang="it-IT" sz="900" dirty="0" err="1"/>
+              <a:t>void</a:t>
+            </a:r>
+            <a:r>
+              <a:rPr lang="it-IT" sz="900" dirty="0"/>
+              <a:t>* data, </a:t>
+            </a:r>
+            <a:r>
+              <a:rPr lang="it-IT" sz="900" dirty="0" err="1"/>
+              <a:t>int</a:t>
+            </a:r>
+            <a:r>
+              <a:rPr lang="it-IT" sz="900" dirty="0"/>
+              <a:t> </a:t>
+            </a:r>
+            <a:r>
+              <a:rPr lang="it-IT" sz="900" dirty="0" err="1"/>
+              <a:t>priority</a:t>
+            </a:r>
+            <a:r>
+              <a:rPr lang="it-IT" sz="900" dirty="0"/>
+              <a:t>)</a:t>
+            </a:r>
+            <a:endParaRPr sz="900" dirty="0"/>
+          </a:p>
+        </p:txBody>
+      </p:sp>
+      <p:sp>
+        <p:nvSpPr>
+          <p:cNvPr id="10" name="Google Shape;180;p40">
+            <a:extLst>
+              <a:ext uri="{FF2B5EF4-FFF2-40B4-BE49-F238E27FC236}">
+                <a16:creationId xmlns:a16="http://schemas.microsoft.com/office/drawing/2014/main" id="{B049F7C9-C103-EFBA-4F70-56AF22E79C1C}"/>
+              </a:ext>
+            </a:extLst>
+          </p:cNvPr>
+          <p:cNvSpPr txBox="1">
+            <a:spLocks/>
+          </p:cNvSpPr>
+          <p:nvPr/>
+        </p:nvSpPr>
+        <p:spPr>
+          <a:xfrm>
+            <a:off x="5418273" y="3073508"/>
+            <a:ext cx="2858781" cy="345632"/>
+          </a:xfrm>
+          <a:prstGeom prst="rect">
+            <a:avLst/>
+          </a:prstGeom>
+          <a:noFill/>
+          <a:ln>
+            <a:noFill/>
+          </a:ln>
+        </p:spPr>
+        <p:txBody>
+          <a:bodyPr spcFirstLastPara="1" wrap="square" lIns="91425" tIns="91425" rIns="91425" bIns="91425" anchor="t" anchorCtr="0">
+            <a:noAutofit/>
+          </a:bodyPr>
+          <a:lstStyle>
+            <a:defPPr marR="0" lvl="0" algn="l" rtl="0">
+              <a:lnSpc>
+                <a:spcPct val="100000"/>
+              </a:lnSpc>
+              <a:spcBef>
+                <a:spcPts val="0"/>
+              </a:spcBef>
+              <a:spcAft>
+                <a:spcPts val="0"/>
+              </a:spcAft>
+            </a:defPPr>
+            <a:lvl1pPr marL="457200" marR="0" lvl="0" indent="-342900" algn="l" rtl="0">
+              <a:lnSpc>
+                <a:spcPct val="100000"/>
+              </a:lnSpc>
+              <a:spcBef>
+                <a:spcPts val="0"/>
+              </a:spcBef>
+              <a:spcAft>
+                <a:spcPts val="0"/>
+              </a:spcAft>
+              <a:buClr>
+                <a:schemeClr val="lt1"/>
+              </a:buClr>
+              <a:buSzPts val="1800"/>
+              <a:buFont typeface="Montserrat"/>
+              <a:buNone/>
+              <a:defRPr sz="1800" b="0" i="0" u="none" strike="noStrike" cap="none">
+                <a:solidFill>
+                  <a:schemeClr val="lt1"/>
+                </a:solidFill>
+                <a:latin typeface="Montserrat"/>
+                <a:ea typeface="Montserrat"/>
+                <a:cs typeface="Montserrat"/>
+                <a:sym typeface="Montserrat"/>
+              </a:defRPr>
+            </a:lvl1pPr>
+            <a:lvl2pPr marL="914400" marR="0" lvl="1" indent="-317500" algn="ctr" rtl="0">
+              <a:lnSpc>
+                <a:spcPct val="100000"/>
+              </a:lnSpc>
+              <a:spcBef>
+                <a:spcPts val="0"/>
+              </a:spcBef>
+              <a:spcAft>
+                <a:spcPts val="0"/>
+              </a:spcAft>
+              <a:buClr>
+                <a:schemeClr val="lt1"/>
+              </a:buClr>
+              <a:buSzPts val="1800"/>
+              <a:buFont typeface="Montserrat"/>
+              <a:buNone/>
+              <a:defRPr sz="1800" b="0" i="0" u="none" strike="noStrike" cap="none">
+                <a:solidFill>
+                  <a:schemeClr val="lt1"/>
+                </a:solidFill>
+                <a:latin typeface="Montserrat"/>
+                <a:ea typeface="Montserrat"/>
+                <a:cs typeface="Montserrat"/>
+                <a:sym typeface="Montserrat"/>
+              </a:defRPr>
+            </a:lvl2pPr>
+            <a:lvl3pPr marL="1371600" marR="0" lvl="2" indent="-317500" algn="ctr" rtl="0">
+              <a:lnSpc>
+                <a:spcPct val="100000"/>
+              </a:lnSpc>
+              <a:spcBef>
+                <a:spcPts val="0"/>
+              </a:spcBef>
+              <a:spcAft>
+                <a:spcPts val="0"/>
+              </a:spcAft>
+              <a:buClr>
+                <a:schemeClr val="lt1"/>
+              </a:buClr>
+              <a:buSzPts val="1800"/>
+              <a:buFont typeface="Montserrat"/>
+              <a:buNone/>
+              <a:defRPr sz="1800" b="0" i="0" u="none" strike="noStrike" cap="none">
+                <a:solidFill>
+                  <a:schemeClr val="lt1"/>
+                </a:solidFill>
+                <a:latin typeface="Montserrat"/>
+                <a:ea typeface="Montserrat"/>
+                <a:cs typeface="Montserrat"/>
+                <a:sym typeface="Montserrat"/>
+              </a:defRPr>
+            </a:lvl3pPr>
+            <a:lvl4pPr marL="1828800" marR="0" lvl="3" indent="-317500" algn="ctr" rtl="0">
+              <a:lnSpc>
+                <a:spcPct val="100000"/>
+              </a:lnSpc>
+              <a:spcBef>
+                <a:spcPts val="0"/>
+              </a:spcBef>
+              <a:spcAft>
+                <a:spcPts val="0"/>
+              </a:spcAft>
+              <a:buClr>
+                <a:schemeClr val="lt1"/>
+              </a:buClr>
+              <a:buSzPts val="1800"/>
+              <a:buFont typeface="Montserrat"/>
+              <a:buNone/>
+              <a:defRPr sz="1800" b="0" i="0" u="none" strike="noStrike" cap="none">
+                <a:solidFill>
+                  <a:schemeClr val="lt1"/>
+                </a:solidFill>
+                <a:latin typeface="Montserrat"/>
+                <a:ea typeface="Montserrat"/>
+                <a:cs typeface="Montserrat"/>
+                <a:sym typeface="Montserrat"/>
+              </a:defRPr>
+            </a:lvl4pPr>
+            <a:lvl5pPr marL="2286000" marR="0" lvl="4" indent="-317500" algn="ctr" rtl="0">
+              <a:lnSpc>
+                <a:spcPct val="100000"/>
+              </a:lnSpc>
+              <a:spcBef>
+                <a:spcPts val="0"/>
+              </a:spcBef>
+              <a:spcAft>
+                <a:spcPts val="0"/>
+              </a:spcAft>
+              <a:buClr>
+                <a:schemeClr val="lt1"/>
+              </a:buClr>
+              <a:buSzPts val="1800"/>
+              <a:buFont typeface="Montserrat"/>
+              <a:buNone/>
+              <a:defRPr sz="1800" b="0" i="0" u="none" strike="noStrike" cap="none">
+                <a:solidFill>
+                  <a:schemeClr val="lt1"/>
+                </a:solidFill>
+                <a:latin typeface="Montserrat"/>
+                <a:ea typeface="Montserrat"/>
+                <a:cs typeface="Montserrat"/>
+                <a:sym typeface="Montserrat"/>
+              </a:defRPr>
+            </a:lvl5pPr>
+            <a:lvl6pPr marL="2743200" marR="0" lvl="5" indent="-317500" algn="ctr" rtl="0">
+              <a:lnSpc>
+                <a:spcPct val="100000"/>
+              </a:lnSpc>
+              <a:spcBef>
+                <a:spcPts val="0"/>
+              </a:spcBef>
+              <a:spcAft>
+                <a:spcPts val="0"/>
+              </a:spcAft>
+              <a:buClr>
+                <a:schemeClr val="lt1"/>
+              </a:buClr>
+              <a:buSzPts val="1800"/>
+              <a:buFont typeface="Montserrat"/>
+              <a:buNone/>
+              <a:defRPr sz="1800" b="0" i="0" u="none" strike="noStrike" cap="none">
+                <a:solidFill>
+                  <a:schemeClr val="lt1"/>
+                </a:solidFill>
+                <a:latin typeface="Montserrat"/>
+                <a:ea typeface="Montserrat"/>
+                <a:cs typeface="Montserrat"/>
+                <a:sym typeface="Montserrat"/>
+              </a:defRPr>
+            </a:lvl6pPr>
+            <a:lvl7pPr marL="3200400" marR="0" lvl="6" indent="-317500" algn="ctr" rtl="0">
+              <a:lnSpc>
+                <a:spcPct val="100000"/>
+              </a:lnSpc>
+              <a:spcBef>
+                <a:spcPts val="0"/>
+              </a:spcBef>
+              <a:spcAft>
+                <a:spcPts val="0"/>
+              </a:spcAft>
+              <a:buClr>
+                <a:schemeClr val="lt1"/>
+              </a:buClr>
+              <a:buSzPts val="1800"/>
+              <a:buFont typeface="Montserrat"/>
+              <a:buNone/>
+              <a:defRPr sz="1800" b="0" i="0" u="none" strike="noStrike" cap="none">
+                <a:solidFill>
+                  <a:schemeClr val="lt1"/>
+                </a:solidFill>
+                <a:latin typeface="Montserrat"/>
+                <a:ea typeface="Montserrat"/>
+                <a:cs typeface="Montserrat"/>
+                <a:sym typeface="Montserrat"/>
+              </a:defRPr>
+            </a:lvl7pPr>
+            <a:lvl8pPr marL="3657600" marR="0" lvl="7" indent="-317500" algn="ctr" rtl="0">
+              <a:lnSpc>
+                <a:spcPct val="100000"/>
+              </a:lnSpc>
+              <a:spcBef>
+                <a:spcPts val="0"/>
+              </a:spcBef>
+              <a:spcAft>
+                <a:spcPts val="0"/>
+              </a:spcAft>
+              <a:buClr>
+                <a:schemeClr val="lt1"/>
+              </a:buClr>
+              <a:buSzPts val="1800"/>
+              <a:buFont typeface="Montserrat"/>
+              <a:buNone/>
+              <a:defRPr sz="1800" b="0" i="0" u="none" strike="noStrike" cap="none">
+                <a:solidFill>
+                  <a:schemeClr val="lt1"/>
+                </a:solidFill>
+                <a:latin typeface="Montserrat"/>
+                <a:ea typeface="Montserrat"/>
+                <a:cs typeface="Montserrat"/>
+                <a:sym typeface="Montserrat"/>
+              </a:defRPr>
+            </a:lvl8pPr>
+            <a:lvl9pPr marL="4114800" marR="0" lvl="8" indent="-317500" algn="ctr" rtl="0">
+              <a:lnSpc>
+                <a:spcPct val="100000"/>
+              </a:lnSpc>
+              <a:spcBef>
+                <a:spcPts val="0"/>
+              </a:spcBef>
+              <a:spcAft>
+                <a:spcPts val="0"/>
+              </a:spcAft>
+              <a:buClr>
+                <a:schemeClr val="lt1"/>
+              </a:buClr>
+              <a:buSzPts val="1800"/>
+              <a:buFont typeface="Montserrat"/>
+              <a:buNone/>
+              <a:defRPr sz="1800" b="0" i="0" u="none" strike="noStrike" cap="none">
+                <a:solidFill>
+                  <a:schemeClr val="lt1"/>
+                </a:solidFill>
+                <a:latin typeface="Montserrat"/>
+                <a:ea typeface="Montserrat"/>
+                <a:cs typeface="Montserrat"/>
+                <a:sym typeface="Montserrat"/>
+              </a:defRPr>
+            </a:lvl9pPr>
+          </a:lstStyle>
+          <a:p>
+            <a:pPr marL="0" indent="0" algn="ctr"/>
+            <a:r>
+              <a:rPr lang="it-IT" sz="900" dirty="0" err="1"/>
+              <a:t>remove_element_from_queue</a:t>
+            </a:r>
+            <a:r>
+              <a:rPr lang="it-IT" sz="900" dirty="0"/>
+              <a:t>(Queue* q)</a:t>
+            </a:r>
+          </a:p>
+        </p:txBody>
+      </p:sp>
     </p:spTree>
     <p:extLst>
       <p:ext uri="{BB962C8B-B14F-4D97-AF65-F5344CB8AC3E}">
@@ -8033,7 +8845,19 @@
             </a:pPr>
             <a:r>
               <a:rPr lang="it-IT" dirty="0"/>
-              <a:t>PRIORITY</a:t>
+              <a:t>PRIORITY – </a:t>
+            </a:r>
+            <a:r>
+              <a:rPr lang="it-IT" dirty="0" err="1"/>
+              <a:t>add</a:t>
+            </a:r>
+            <a:r>
+              <a:rPr lang="it-IT" dirty="0"/>
+              <a:t> </a:t>
+            </a:r>
+            <a:r>
+              <a:rPr lang="it-IT" dirty="0" err="1"/>
+              <a:t>function</a:t>
             </a:r>
             <a:endParaRPr dirty="0"/>
           </a:p>
@@ -8072,6 +8896,306 @@
           </a:effectLst>
         </p:spPr>
       </p:cxnSp>
+      <p:pic>
+        <p:nvPicPr>
+          <p:cNvPr id="3" name="Immagine 2" descr="Immagine che contiene testo, schermata, software, Carattere&#10;&#10;Descrizione generata automaticamente">
+            <a:extLst>
+              <a:ext uri="{FF2B5EF4-FFF2-40B4-BE49-F238E27FC236}">
+                <a16:creationId xmlns:a16="http://schemas.microsoft.com/office/drawing/2014/main" id="{9CDCCD08-5C9A-CD71-6B97-7A1D5FA44EC8}"/>
+              </a:ext>
+            </a:extLst>
+          </p:cNvPr>
+          <p:cNvPicPr>
+            <a:picLocks noChangeAspect="1"/>
+          </p:cNvPicPr>
+          <p:nvPr/>
+        </p:nvPicPr>
+        <p:blipFill>
+          <a:blip r:embed="rId3"/>
+          <a:stretch>
+            <a:fillRect/>
+          </a:stretch>
+        </p:blipFill>
+        <p:spPr>
+          <a:xfrm>
+            <a:off x="2013432" y="1179443"/>
+            <a:ext cx="5117136" cy="2784613"/>
+          </a:xfrm>
+          <a:prstGeom prst="rect">
+            <a:avLst/>
+          </a:prstGeom>
+        </p:spPr>
+      </p:pic>
+      <p:sp>
+        <p:nvSpPr>
+          <p:cNvPr id="4" name="Google Shape;184;p40">
+            <a:extLst>
+              <a:ext uri="{FF2B5EF4-FFF2-40B4-BE49-F238E27FC236}">
+                <a16:creationId xmlns:a16="http://schemas.microsoft.com/office/drawing/2014/main" id="{8FCAC8B2-4E37-EF3B-BFDA-9840167CF0E9}"/>
+              </a:ext>
+            </a:extLst>
+          </p:cNvPr>
+          <p:cNvSpPr txBox="1">
+            <a:spLocks/>
+          </p:cNvSpPr>
+          <p:nvPr/>
+        </p:nvSpPr>
+        <p:spPr>
+          <a:xfrm>
+            <a:off x="1863436" y="4134610"/>
+            <a:ext cx="5417127" cy="1008890"/>
+          </a:xfrm>
+          <a:prstGeom prst="rect">
+            <a:avLst/>
+          </a:prstGeom>
+          <a:noFill/>
+        </p:spPr>
+        <p:txBody>
+          <a:bodyPr spcFirstLastPara="1" wrap="square" lIns="91425" tIns="91425" rIns="91425" bIns="91425" anchor="t" anchorCtr="0">
+            <a:noAutofit/>
+          </a:bodyPr>
+          <a:lstStyle>
+            <a:defPPr marR="0" lvl="0" algn="l" rtl="0">
+              <a:lnSpc>
+                <a:spcPct val="100000"/>
+              </a:lnSpc>
+              <a:spcBef>
+                <a:spcPts val="0"/>
+              </a:spcBef>
+              <a:spcAft>
+                <a:spcPts val="0"/>
+              </a:spcAft>
+            </a:defPPr>
+            <a:lvl1pPr marR="0" lvl="0" algn="l" rtl="0">
+              <a:lnSpc>
+                <a:spcPct val="100000"/>
+              </a:lnSpc>
+              <a:spcBef>
+                <a:spcPts val="0"/>
+              </a:spcBef>
+              <a:spcAft>
+                <a:spcPts val="0"/>
+              </a:spcAft>
+              <a:buClr>
+                <a:srgbClr val="000000"/>
+              </a:buClr>
+              <a:buFont typeface="Arial"/>
+              <a:defRPr sz="1400" b="0" i="0" u="none" strike="noStrike" cap="none">
+                <a:solidFill>
+                  <a:srgbClr val="000000"/>
+                </a:solidFill>
+                <a:latin typeface="Arial"/>
+                <a:ea typeface="Arial"/>
+                <a:cs typeface="Arial"/>
+                <a:sym typeface="Arial"/>
+              </a:defRPr>
+            </a:lvl1pPr>
+            <a:lvl2pPr marR="0" lvl="1" algn="l" rtl="0">
+              <a:lnSpc>
+                <a:spcPct val="100000"/>
+              </a:lnSpc>
+              <a:spcBef>
+                <a:spcPts val="0"/>
+              </a:spcBef>
+              <a:spcAft>
+                <a:spcPts val="0"/>
+              </a:spcAft>
+              <a:buClr>
+                <a:srgbClr val="000000"/>
+              </a:buClr>
+              <a:buFont typeface="Arial"/>
+              <a:defRPr sz="1400" b="0" i="0" u="none" strike="noStrike" cap="none">
+                <a:solidFill>
+                  <a:srgbClr val="000000"/>
+                </a:solidFill>
+                <a:latin typeface="Arial"/>
+                <a:ea typeface="Arial"/>
+                <a:cs typeface="Arial"/>
+                <a:sym typeface="Arial"/>
+              </a:defRPr>
+            </a:lvl2pPr>
+            <a:lvl3pPr marR="0" lvl="2" algn="l" rtl="0">
+              <a:lnSpc>
+                <a:spcPct val="100000"/>
+              </a:lnSpc>
+              <a:spcBef>
+                <a:spcPts val="0"/>
+              </a:spcBef>
+              <a:spcAft>
+                <a:spcPts val="0"/>
+              </a:spcAft>
+              <a:buClr>
+                <a:srgbClr val="000000"/>
+              </a:buClr>
+              <a:buFont typeface="Arial"/>
+              <a:defRPr sz="1400" b="0" i="0" u="none" strike="noStrike" cap="none">
+                <a:solidFill>
+                  <a:srgbClr val="000000"/>
+                </a:solidFill>
+                <a:latin typeface="Arial"/>
+                <a:ea typeface="Arial"/>
+                <a:cs typeface="Arial"/>
+                <a:sym typeface="Arial"/>
+              </a:defRPr>
+            </a:lvl3pPr>
+            <a:lvl4pPr marR="0" lvl="3" algn="l" rtl="0">
+              <a:lnSpc>
+                <a:spcPct val="100000"/>
+              </a:lnSpc>
+              <a:spcBef>
+                <a:spcPts val="0"/>
+              </a:spcBef>
+              <a:spcAft>
+                <a:spcPts val="0"/>
+              </a:spcAft>
+              <a:buClr>
+                <a:srgbClr val="000000"/>
+              </a:buClr>
+              <a:buFont typeface="Arial"/>
+              <a:defRPr sz="1400" b="0" i="0" u="none" strike="noStrike" cap="none">
+                <a:solidFill>
+                  <a:srgbClr val="000000"/>
+                </a:solidFill>
+                <a:latin typeface="Arial"/>
+                <a:ea typeface="Arial"/>
+                <a:cs typeface="Arial"/>
+                <a:sym typeface="Arial"/>
+              </a:defRPr>
+            </a:lvl4pPr>
+            <a:lvl5pPr marR="0" lvl="4" algn="l" rtl="0">
+              <a:lnSpc>
+                <a:spcPct val="100000"/>
+              </a:lnSpc>
+              <a:spcBef>
+                <a:spcPts val="0"/>
+              </a:spcBef>
+              <a:spcAft>
+                <a:spcPts val="0"/>
+              </a:spcAft>
+              <a:buClr>
+                <a:srgbClr val="000000"/>
+              </a:buClr>
+              <a:buFont typeface="Arial"/>
+              <a:defRPr sz="1400" b="0" i="0" u="none" strike="noStrike" cap="none">
+                <a:solidFill>
+                  <a:srgbClr val="000000"/>
+                </a:solidFill>
+                <a:latin typeface="Arial"/>
+                <a:ea typeface="Arial"/>
+                <a:cs typeface="Arial"/>
+                <a:sym typeface="Arial"/>
+              </a:defRPr>
+            </a:lvl5pPr>
+            <a:lvl6pPr marR="0" lvl="5" algn="l" rtl="0">
+              <a:lnSpc>
+                <a:spcPct val="100000"/>
+              </a:lnSpc>
+              <a:spcBef>
+                <a:spcPts val="0"/>
+              </a:spcBef>
+              <a:spcAft>
+                <a:spcPts val="0"/>
+              </a:spcAft>
+              <a:buClr>
+                <a:srgbClr val="000000"/>
+              </a:buClr>
+              <a:buFont typeface="Arial"/>
+              <a:defRPr sz="1400" b="0" i="0" u="none" strike="noStrike" cap="none">
+                <a:solidFill>
+                  <a:srgbClr val="000000"/>
+                </a:solidFill>
+                <a:latin typeface="Arial"/>
+                <a:ea typeface="Arial"/>
+                <a:cs typeface="Arial"/>
+                <a:sym typeface="Arial"/>
+              </a:defRPr>
+            </a:lvl6pPr>
+            <a:lvl7pPr marR="0" lvl="6" algn="l" rtl="0">
+              <a:lnSpc>
+                <a:spcPct val="100000"/>
+              </a:lnSpc>
+              <a:spcBef>
+                <a:spcPts val="0"/>
+              </a:spcBef>
+              <a:spcAft>
+                <a:spcPts val="0"/>
+              </a:spcAft>
+              <a:buClr>
+                <a:srgbClr val="000000"/>
+              </a:buClr>
+              <a:buFont typeface="Arial"/>
+              <a:defRPr sz="1400" b="0" i="0" u="none" strike="noStrike" cap="none">
+                <a:solidFill>
+                  <a:srgbClr val="000000"/>
+                </a:solidFill>
+                <a:latin typeface="Arial"/>
+                <a:ea typeface="Arial"/>
+                <a:cs typeface="Arial"/>
+                <a:sym typeface="Arial"/>
+              </a:defRPr>
+            </a:lvl7pPr>
+            <a:lvl8pPr marR="0" lvl="7" algn="l" rtl="0">
+              <a:lnSpc>
+                <a:spcPct val="100000"/>
+              </a:lnSpc>
+              <a:spcBef>
+                <a:spcPts val="0"/>
+              </a:spcBef>
+              <a:spcAft>
+                <a:spcPts val="0"/>
+              </a:spcAft>
+              <a:buClr>
+                <a:srgbClr val="000000"/>
+              </a:buClr>
+              <a:buFont typeface="Arial"/>
+              <a:defRPr sz="1400" b="0" i="0" u="none" strike="noStrike" cap="none">
+                <a:solidFill>
+                  <a:srgbClr val="000000"/>
+                </a:solidFill>
+                <a:latin typeface="Arial"/>
+                <a:ea typeface="Arial"/>
+                <a:cs typeface="Arial"/>
+                <a:sym typeface="Arial"/>
+              </a:defRPr>
+            </a:lvl8pPr>
+            <a:lvl9pPr marR="0" lvl="8" algn="l" rtl="0">
+              <a:lnSpc>
+                <a:spcPct val="100000"/>
+              </a:lnSpc>
+              <a:spcBef>
+                <a:spcPts val="0"/>
+              </a:spcBef>
+              <a:spcAft>
+                <a:spcPts val="0"/>
+              </a:spcAft>
+              <a:buClr>
+                <a:srgbClr val="000000"/>
+              </a:buClr>
+              <a:buFont typeface="Arial"/>
+              <a:defRPr sz="1400" b="0" i="0" u="none" strike="noStrike" cap="none">
+                <a:solidFill>
+                  <a:srgbClr val="000000"/>
+                </a:solidFill>
+                <a:latin typeface="Arial"/>
+                <a:ea typeface="Arial"/>
+                <a:cs typeface="Arial"/>
+                <a:sym typeface="Arial"/>
+              </a:defRPr>
+            </a:lvl9pPr>
+          </a:lstStyle>
+          <a:p>
+            <a:pPr algn="ctr"/>
+            <a:r>
+              <a:rPr lang="it-IT" sz="1100" dirty="0">
+                <a:solidFill>
+                  <a:schemeClr val="bg1"/>
+                </a:solidFill>
+              </a:rPr>
+              <a:t>L’inserimento ‘ordinato’ degli elementi in coda non è necessario, nel nostro caso è stato fatto solamente per facilitare la visualizzazione dell’output quando siamo in fase di debug</a:t>
+            </a:r>
+          </a:p>
+        </p:txBody>
+      </p:sp>
     </p:spTree>
     <p:extLst>
       <p:ext uri="{BB962C8B-B14F-4D97-AF65-F5344CB8AC3E}">
@@ -8086,78 +9210,6 @@
 </file>
 
 <file path=ppt/slides/slide13.xml><?xml version="1.0" encoding="utf-8"?>
-<p:sld xmlns:a="http://schemas.openxmlformats.org/drawingml/2006/main" xmlns:r="http://schemas.openxmlformats.org/officeDocument/2006/relationships" xmlns:p="http://schemas.openxmlformats.org/presentationml/2006/main">
-  <p:cSld>
-    <p:spTree>
-      <p:nvGrpSpPr>
-        <p:cNvPr id="1" name="Shape 199"/>
-        <p:cNvGrpSpPr/>
-        <p:nvPr/>
-      </p:nvGrpSpPr>
-      <p:grpSpPr>
-        <a:xfrm>
-          <a:off x="0" y="0"/>
-          <a:ext cx="0" cy="0"/>
-          <a:chOff x="0" y="0"/>
-          <a:chExt cx="0" cy="0"/>
-        </a:xfrm>
-      </p:grpSpPr>
-      <p:sp>
-        <p:nvSpPr>
-          <p:cNvPr id="201" name="Google Shape;201;p42"/>
-          <p:cNvSpPr txBox="1">
-            <a:spLocks noGrp="1"/>
-          </p:cNvSpPr>
-          <p:nvPr>
-            <p:ph type="ctrTitle"/>
-          </p:nvPr>
-        </p:nvSpPr>
-        <p:spPr>
-          <a:xfrm>
-            <a:off x="1850525" y="1157925"/>
-            <a:ext cx="5442900" cy="2603100"/>
-          </a:xfrm>
-          <a:prstGeom prst="rect">
-            <a:avLst/>
-          </a:prstGeom>
-        </p:spPr>
-        <p:txBody>
-          <a:bodyPr spcFirstLastPara="1" wrap="square" lIns="91425" tIns="91425" rIns="91425" bIns="91425" anchor="t" anchorCtr="0">
-            <a:noAutofit/>
-          </a:bodyPr>
-          <a:lstStyle/>
-          <a:p>
-            <a:pPr marL="0" lvl="0" indent="0" algn="ctr" rtl="0">
-              <a:spcBef>
-                <a:spcPts val="0"/>
-              </a:spcBef>
-              <a:spcAft>
-                <a:spcPts val="0"/>
-              </a:spcAft>
-              <a:buNone/>
-            </a:pPr>
-            <a:r>
-              <a:rPr lang="it-IT" sz="3600" dirty="0" err="1"/>
-              <a:t>thread_safety</a:t>
-            </a:r>
-            <a:endParaRPr sz="3600" dirty="0"/>
-          </a:p>
-        </p:txBody>
-      </p:sp>
-    </p:spTree>
-    <p:extLst>
-      <p:ext uri="{BB962C8B-B14F-4D97-AF65-F5344CB8AC3E}">
-        <p14:creationId xmlns:p14="http://schemas.microsoft.com/office/powerpoint/2010/main" val="3586197509"/>
-      </p:ext>
-    </p:extLst>
-  </p:cSld>
-  <p:clrMapOvr>
-    <a:masterClrMapping/>
-  </p:clrMapOvr>
-</p:sld>
-</file>
-
-<file path=ppt/slides/slide14.xml><?xml version="1.0" encoding="utf-8"?>
 <p:sld xmlns:a="http://schemas.openxmlformats.org/drawingml/2006/main" xmlns:r="http://schemas.openxmlformats.org/officeDocument/2006/relationships" xmlns:p="http://schemas.openxmlformats.org/presentationml/2006/main">
   <p:cSld>
     <p:spTree>
@@ -8186,8 +9238,8 @@
         </p:nvSpPr>
         <p:spPr>
           <a:xfrm>
-            <a:off x="938500" y="445025"/>
-            <a:ext cx="4629300" cy="941400"/>
+            <a:off x="938499" y="445025"/>
+            <a:ext cx="4859627" cy="941400"/>
           </a:xfrm>
           <a:prstGeom prst="rect">
             <a:avLst/>
@@ -8210,7 +9262,19 @@
             </a:pPr>
             <a:r>
               <a:rPr lang="it-IT" dirty="0"/>
-              <a:t>Funzioni</a:t>
+              <a:t>PRIORITY – </a:t>
+            </a:r>
+            <a:r>
+              <a:rPr lang="it-IT" dirty="0" err="1"/>
+              <a:t>remove</a:t>
+            </a:r>
+            <a:r>
+              <a:rPr lang="it-IT" dirty="0"/>
+              <a:t> </a:t>
+            </a:r>
+            <a:r>
+              <a:rPr lang="it-IT" dirty="0" err="1"/>
+              <a:t>function</a:t>
             </a:r>
             <a:endParaRPr dirty="0"/>
           </a:p>
@@ -8249,10 +9313,217 @@
           </a:effectLst>
         </p:spPr>
       </p:cxnSp>
+      <p:pic>
+        <p:nvPicPr>
+          <p:cNvPr id="5" name="Immagine 4" descr="Immagine che contiene testo, schermata, software&#10;&#10;Descrizione generata automaticamente">
+            <a:extLst>
+              <a:ext uri="{FF2B5EF4-FFF2-40B4-BE49-F238E27FC236}">
+                <a16:creationId xmlns:a16="http://schemas.microsoft.com/office/drawing/2014/main" id="{D931B8BD-275A-795B-F92E-F167DAA48555}"/>
+              </a:ext>
+            </a:extLst>
+          </p:cNvPr>
+          <p:cNvPicPr>
+            <a:picLocks noChangeAspect="1"/>
+          </p:cNvPicPr>
+          <p:nvPr/>
+        </p:nvPicPr>
+        <p:blipFill>
+          <a:blip r:embed="rId3"/>
+          <a:stretch>
+            <a:fillRect/>
+          </a:stretch>
+        </p:blipFill>
+        <p:spPr>
+          <a:xfrm>
+            <a:off x="938499" y="1046018"/>
+            <a:ext cx="3953333" cy="3837706"/>
+          </a:xfrm>
+          <a:prstGeom prst="rect">
+            <a:avLst/>
+          </a:prstGeom>
+        </p:spPr>
+      </p:pic>
+      <p:sp>
+        <p:nvSpPr>
+          <p:cNvPr id="6" name="Google Shape;2113;p64">
+            <a:extLst>
+              <a:ext uri="{FF2B5EF4-FFF2-40B4-BE49-F238E27FC236}">
+                <a16:creationId xmlns:a16="http://schemas.microsoft.com/office/drawing/2014/main" id="{D64383FB-E2EF-E0D9-BD07-AA610D885C4A}"/>
+              </a:ext>
+            </a:extLst>
+          </p:cNvPr>
+          <p:cNvSpPr txBox="1">
+            <a:spLocks noGrp="1"/>
+          </p:cNvSpPr>
+          <p:nvPr>
+            <p:ph type="subTitle" idx="1"/>
+          </p:nvPr>
+        </p:nvSpPr>
+        <p:spPr>
+          <a:xfrm>
+            <a:off x="5683974" y="2028199"/>
+            <a:ext cx="2521527" cy="1873344"/>
+          </a:xfrm>
+          <a:prstGeom prst="rect">
+            <a:avLst/>
+          </a:prstGeom>
+        </p:spPr>
+        <p:txBody>
+          <a:bodyPr spcFirstLastPara="1" wrap="square" lIns="91425" tIns="91425" rIns="91425" bIns="91425" anchor="t" anchorCtr="0">
+            <a:noAutofit/>
+          </a:bodyPr>
+          <a:lstStyle/>
+          <a:p>
+            <a:pPr marL="0" lvl="0" indent="0" algn="ctr" rtl="0">
+              <a:spcBef>
+                <a:spcPts val="0"/>
+              </a:spcBef>
+              <a:spcAft>
+                <a:spcPts val="0"/>
+              </a:spcAft>
+              <a:buNone/>
+            </a:pPr>
+            <a:r>
+              <a:rPr lang="it-IT" sz="1100" dirty="0"/>
+              <a:t>La funzione procede nello scorrere tutta la coda in modo da trovare l’elemento con priorità maggiore.</a:t>
+            </a:r>
+          </a:p>
+          <a:p>
+            <a:pPr marL="0" lvl="0" indent="0" algn="ctr" rtl="0">
+              <a:spcBef>
+                <a:spcPts val="0"/>
+              </a:spcBef>
+              <a:spcAft>
+                <a:spcPts val="0"/>
+              </a:spcAft>
+              <a:buNone/>
+            </a:pPr>
+            <a:endParaRPr lang="it-IT" sz="1100" dirty="0"/>
+          </a:p>
+          <a:p>
+            <a:pPr marL="0" lvl="0" indent="0" algn="ctr" rtl="0">
+              <a:spcBef>
+                <a:spcPts val="0"/>
+              </a:spcBef>
+              <a:spcAft>
+                <a:spcPts val="0"/>
+              </a:spcAft>
+              <a:buNone/>
+            </a:pPr>
+            <a:r>
+              <a:rPr lang="it-IT" sz="1100" dirty="0"/>
+              <a:t>Una volta trovato semplicemente lo rimuove ed aggiorna i vari puntatori</a:t>
+            </a:r>
+            <a:endParaRPr sz="1100" dirty="0"/>
+          </a:p>
+        </p:txBody>
+      </p:sp>
     </p:spTree>
     <p:extLst>
       <p:ext uri="{BB962C8B-B14F-4D97-AF65-F5344CB8AC3E}">
-        <p14:creationId xmlns:p14="http://schemas.microsoft.com/office/powerpoint/2010/main" val="2406360419"/>
+        <p14:creationId xmlns:p14="http://schemas.microsoft.com/office/powerpoint/2010/main" val="2057276431"/>
+      </p:ext>
+    </p:extLst>
+  </p:cSld>
+  <p:clrMapOvr>
+    <a:masterClrMapping/>
+  </p:clrMapOvr>
+</p:sld>
+</file>
+
+<file path=ppt/slides/slide14.xml><?xml version="1.0" encoding="utf-8"?>
+<p:sld xmlns:a="http://schemas.openxmlformats.org/drawingml/2006/main" xmlns:r="http://schemas.openxmlformats.org/officeDocument/2006/relationships" xmlns:p="http://schemas.openxmlformats.org/presentationml/2006/main">
+  <p:cSld>
+    <p:spTree>
+      <p:nvGrpSpPr>
+        <p:cNvPr id="1" name="Shape 199"/>
+        <p:cNvGrpSpPr/>
+        <p:nvPr/>
+      </p:nvGrpSpPr>
+      <p:grpSpPr>
+        <a:xfrm>
+          <a:off x="0" y="0"/>
+          <a:ext cx="0" cy="0"/>
+          <a:chOff x="0" y="0"/>
+          <a:chExt cx="0" cy="0"/>
+        </a:xfrm>
+      </p:grpSpPr>
+      <p:sp>
+        <p:nvSpPr>
+          <p:cNvPr id="201" name="Google Shape;201;p42"/>
+          <p:cNvSpPr txBox="1">
+            <a:spLocks noGrp="1"/>
+          </p:cNvSpPr>
+          <p:nvPr>
+            <p:ph type="ctrTitle"/>
+          </p:nvPr>
+        </p:nvSpPr>
+        <p:spPr>
+          <a:xfrm>
+            <a:off x="1850550" y="458270"/>
+            <a:ext cx="5442900" cy="2603100"/>
+          </a:xfrm>
+          <a:prstGeom prst="rect">
+            <a:avLst/>
+          </a:prstGeom>
+        </p:spPr>
+        <p:txBody>
+          <a:bodyPr spcFirstLastPara="1" wrap="square" lIns="91425" tIns="91425" rIns="91425" bIns="91425" anchor="t" anchorCtr="0">
+            <a:noAutofit/>
+          </a:bodyPr>
+          <a:lstStyle/>
+          <a:p>
+            <a:pPr marL="0" lvl="0" indent="0" algn="ctr" rtl="0">
+              <a:spcBef>
+                <a:spcPts val="0"/>
+              </a:spcBef>
+              <a:spcAft>
+                <a:spcPts val="0"/>
+              </a:spcAft>
+              <a:buNone/>
+            </a:pPr>
+            <a:r>
+              <a:rPr lang="it-IT" sz="3600" dirty="0" err="1"/>
+              <a:t>thread_safety</a:t>
+            </a:r>
+            <a:endParaRPr sz="3600" dirty="0"/>
+          </a:p>
+        </p:txBody>
+      </p:sp>
+      <p:pic>
+        <p:nvPicPr>
+          <p:cNvPr id="3" name="Immagine 2" descr="Immagine che contiene testo, schermata, Carattere&#10;&#10;Descrizione generata automaticamente">
+            <a:extLst>
+              <a:ext uri="{FF2B5EF4-FFF2-40B4-BE49-F238E27FC236}">
+                <a16:creationId xmlns:a16="http://schemas.microsoft.com/office/drawing/2014/main" id="{54765317-3D93-B1AE-293E-970C622B064B}"/>
+              </a:ext>
+            </a:extLst>
+          </p:cNvPr>
+          <p:cNvPicPr>
+            <a:picLocks noChangeAspect="1"/>
+          </p:cNvPicPr>
+          <p:nvPr/>
+        </p:nvPicPr>
+        <p:blipFill>
+          <a:blip r:embed="rId3"/>
+          <a:stretch>
+            <a:fillRect/>
+          </a:stretch>
+        </p:blipFill>
+        <p:spPr>
+          <a:xfrm>
+            <a:off x="3022746" y="1468774"/>
+            <a:ext cx="3098508" cy="2860771"/>
+          </a:xfrm>
+          <a:prstGeom prst="rect">
+            <a:avLst/>
+          </a:prstGeom>
+        </p:spPr>
+      </p:pic>
+    </p:spTree>
+    <p:extLst>
+      <p:ext uri="{BB962C8B-B14F-4D97-AF65-F5344CB8AC3E}">
+        <p14:creationId xmlns:p14="http://schemas.microsoft.com/office/powerpoint/2010/main" val="3586197509"/>
       </p:ext>
     </p:extLst>
   </p:cSld>
@@ -8387,7 +9658,15 @@
             </a:pPr>
             <a:r>
               <a:rPr lang="it-IT" dirty="0"/>
-              <a:t>File test</a:t>
+              <a:t>File test (</a:t>
+            </a:r>
+            <a:r>
+              <a:rPr lang="it-IT" dirty="0" err="1"/>
+              <a:t>main</a:t>
+            </a:r>
+            <a:r>
+              <a:rPr lang="it-IT" dirty="0"/>
+              <a:t>)</a:t>
             </a:r>
             <a:endParaRPr dirty="0"/>
           </a:p>
@@ -8426,6 +9705,108 @@
           </a:effectLst>
         </p:spPr>
       </p:cxnSp>
+      <p:pic>
+        <p:nvPicPr>
+          <p:cNvPr id="3" name="Immagine 2" descr="Immagine che contiene testo, schermata&#10;&#10;Descrizione generata automaticamente">
+            <a:extLst>
+              <a:ext uri="{FF2B5EF4-FFF2-40B4-BE49-F238E27FC236}">
+                <a16:creationId xmlns:a16="http://schemas.microsoft.com/office/drawing/2014/main" id="{0E8703B7-C00D-B13A-9367-7DE41A9CD1A5}"/>
+              </a:ext>
+            </a:extLst>
+          </p:cNvPr>
+          <p:cNvPicPr>
+            <a:picLocks noChangeAspect="1"/>
+          </p:cNvPicPr>
+          <p:nvPr/>
+        </p:nvPicPr>
+        <p:blipFill>
+          <a:blip r:embed="rId3"/>
+          <a:stretch>
+            <a:fillRect/>
+          </a:stretch>
+        </p:blipFill>
+        <p:spPr>
+          <a:xfrm>
+            <a:off x="938500" y="1281546"/>
+            <a:ext cx="3926682" cy="3186545"/>
+          </a:xfrm>
+          <a:prstGeom prst="rect">
+            <a:avLst/>
+          </a:prstGeom>
+        </p:spPr>
+      </p:pic>
+      <p:sp>
+        <p:nvSpPr>
+          <p:cNvPr id="4" name="Google Shape;2113;p64">
+            <a:extLst>
+              <a:ext uri="{FF2B5EF4-FFF2-40B4-BE49-F238E27FC236}">
+                <a16:creationId xmlns:a16="http://schemas.microsoft.com/office/drawing/2014/main" id="{EFE93867-1C29-09DB-05CD-6E92120E8F9A}"/>
+              </a:ext>
+            </a:extLst>
+          </p:cNvPr>
+          <p:cNvSpPr txBox="1">
+            <a:spLocks noGrp="1"/>
+          </p:cNvSpPr>
+          <p:nvPr>
+            <p:ph type="subTitle" idx="1"/>
+          </p:nvPr>
+        </p:nvSpPr>
+        <p:spPr>
+          <a:xfrm>
+            <a:off x="5567800" y="1938146"/>
+            <a:ext cx="2521527" cy="1873344"/>
+          </a:xfrm>
+          <a:prstGeom prst="rect">
+            <a:avLst/>
+          </a:prstGeom>
+        </p:spPr>
+        <p:txBody>
+          <a:bodyPr spcFirstLastPara="1" wrap="square" lIns="91425" tIns="91425" rIns="91425" bIns="91425" anchor="t" anchorCtr="0">
+            <a:noAutofit/>
+          </a:bodyPr>
+          <a:lstStyle/>
+          <a:p>
+            <a:pPr marL="0" lvl="0" indent="0" algn="ctr" rtl="0">
+              <a:spcBef>
+                <a:spcPts val="0"/>
+              </a:spcBef>
+              <a:spcAft>
+                <a:spcPts val="0"/>
+              </a:spcAft>
+              <a:buNone/>
+            </a:pPr>
+            <a:r>
+              <a:rPr lang="it-IT" sz="1100" dirty="0"/>
+              <a:t>L’utente </a:t>
+            </a:r>
+            <a:r>
+              <a:rPr lang="it-IT" sz="1100" dirty="0" err="1"/>
+              <a:t>puo’</a:t>
+            </a:r>
+            <a:r>
+              <a:rPr lang="it-IT" sz="1100" dirty="0"/>
+              <a:t> scegliere una delle tre politiche di scheduling, lo script creerà in seguito un determinato numero di </a:t>
+            </a:r>
+            <a:r>
+              <a:rPr lang="it-IT" sz="1100" dirty="0" err="1"/>
+              <a:t>thread</a:t>
+            </a:r>
+            <a:r>
+              <a:rPr lang="it-IT" sz="1100" dirty="0"/>
+              <a:t> che andranno ad eseguire una serie di operazioni </a:t>
+            </a:r>
+            <a:r>
+              <a:rPr lang="it-IT" sz="1100" dirty="0" err="1"/>
+              <a:t>push</a:t>
+            </a:r>
+            <a:r>
+              <a:rPr lang="it-IT" sz="1100" dirty="0"/>
+              <a:t> e pull per verificare il corretto comportamento della libreria </a:t>
+            </a:r>
+            <a:endParaRPr sz="1100" dirty="0"/>
+          </a:p>
+        </p:txBody>
+      </p:sp>
     </p:spTree>
     <p:extLst>
       <p:ext uri="{BB962C8B-B14F-4D97-AF65-F5344CB8AC3E}">
@@ -8440,6 +9821,536 @@
 </file>
 
 <file path=ppt/slides/slide17.xml><?xml version="1.0" encoding="utf-8"?>
+<p:sld xmlns:a="http://schemas.openxmlformats.org/drawingml/2006/main" xmlns:r="http://schemas.openxmlformats.org/officeDocument/2006/relationships" xmlns:p="http://schemas.openxmlformats.org/presentationml/2006/main">
+  <p:cSld>
+    <p:spTree>
+      <p:nvGrpSpPr>
+        <p:cNvPr id="1" name="Shape 2112"/>
+        <p:cNvGrpSpPr/>
+        <p:nvPr/>
+      </p:nvGrpSpPr>
+      <p:grpSpPr>
+        <a:xfrm>
+          <a:off x="0" y="0"/>
+          <a:ext cx="0" cy="0"/>
+          <a:chOff x="0" y="0"/>
+          <a:chExt cx="0" cy="0"/>
+        </a:xfrm>
+      </p:grpSpPr>
+      <p:sp>
+        <p:nvSpPr>
+          <p:cNvPr id="2114" name="Google Shape;2114;p64"/>
+          <p:cNvSpPr txBox="1">
+            <a:spLocks noGrp="1"/>
+          </p:cNvSpPr>
+          <p:nvPr>
+            <p:ph type="title"/>
+          </p:nvPr>
+        </p:nvSpPr>
+        <p:spPr>
+          <a:xfrm>
+            <a:off x="938500" y="445025"/>
+            <a:ext cx="4629300" cy="941400"/>
+          </a:xfrm>
+          <a:prstGeom prst="rect">
+            <a:avLst/>
+          </a:prstGeom>
+        </p:spPr>
+        <p:txBody>
+          <a:bodyPr spcFirstLastPara="1" wrap="square" lIns="91425" tIns="91425" rIns="91425" bIns="91425" anchor="t" anchorCtr="0">
+            <a:noAutofit/>
+          </a:bodyPr>
+          <a:lstStyle/>
+          <a:p>
+            <a:pPr marL="0" lvl="0" indent="0" algn="l" rtl="0">
+              <a:spcBef>
+                <a:spcPts val="0"/>
+              </a:spcBef>
+              <a:spcAft>
+                <a:spcPts val="0"/>
+              </a:spcAft>
+              <a:buNone/>
+            </a:pPr>
+            <a:r>
+              <a:rPr lang="it-IT" dirty="0"/>
+              <a:t>File test (</a:t>
+            </a:r>
+            <a:r>
+              <a:rPr lang="it-IT" dirty="0" err="1"/>
+              <a:t>thread_function</a:t>
+            </a:r>
+            <a:r>
+              <a:rPr lang="it-IT" dirty="0"/>
+              <a:t>)</a:t>
+            </a:r>
+            <a:endParaRPr dirty="0"/>
+          </a:p>
+        </p:txBody>
+      </p:sp>
+      <p:cxnSp>
+        <p:nvCxnSpPr>
+          <p:cNvPr id="2115" name="Google Shape;2115;p64"/>
+          <p:cNvCxnSpPr/>
+          <p:nvPr/>
+        </p:nvCxnSpPr>
+        <p:spPr>
+          <a:xfrm>
+            <a:off x="1026200" y="414022"/>
+            <a:ext cx="2763000" cy="0"/>
+          </a:xfrm>
+          <a:prstGeom prst="straightConnector1">
+            <a:avLst/>
+          </a:prstGeom>
+          <a:noFill/>
+          <a:ln w="9525" cap="flat" cmpd="sng">
+            <a:solidFill>
+              <a:schemeClr val="accent1"/>
+            </a:solidFill>
+            <a:prstDash val="solid"/>
+            <a:round/>
+            <a:headEnd type="none" w="med" len="med"/>
+            <a:tailEnd type="none" w="med" len="med"/>
+          </a:ln>
+          <a:effectLst>
+            <a:outerShdw blurRad="57150" dist="19050" dir="5400000" algn="bl" rotWithShape="0">
+              <a:srgbClr val="FFFFFF">
+                <a:alpha val="50000"/>
+              </a:srgbClr>
+            </a:outerShdw>
+          </a:effectLst>
+        </p:spPr>
+      </p:cxnSp>
+      <p:pic>
+        <p:nvPicPr>
+          <p:cNvPr id="3" name="Immagine 2" descr="Immagine che contiene testo, schermata&#10;&#10;Descrizione generata automaticamente">
+            <a:extLst>
+              <a:ext uri="{FF2B5EF4-FFF2-40B4-BE49-F238E27FC236}">
+                <a16:creationId xmlns:a16="http://schemas.microsoft.com/office/drawing/2014/main" id="{1542E0C4-9ED4-A605-8DAA-BB3246B3A8B6}"/>
+              </a:ext>
+            </a:extLst>
+          </p:cNvPr>
+          <p:cNvPicPr>
+            <a:picLocks noChangeAspect="1"/>
+          </p:cNvPicPr>
+          <p:nvPr/>
+        </p:nvPicPr>
+        <p:blipFill>
+          <a:blip r:embed="rId3"/>
+          <a:stretch>
+            <a:fillRect/>
+          </a:stretch>
+        </p:blipFill>
+        <p:spPr>
+          <a:xfrm>
+            <a:off x="1026200" y="1087581"/>
+            <a:ext cx="3059252" cy="3812850"/>
+          </a:xfrm>
+          <a:prstGeom prst="rect">
+            <a:avLst/>
+          </a:prstGeom>
+        </p:spPr>
+      </p:pic>
+      <p:sp>
+        <p:nvSpPr>
+          <p:cNvPr id="4" name="Google Shape;184;p40">
+            <a:extLst>
+              <a:ext uri="{FF2B5EF4-FFF2-40B4-BE49-F238E27FC236}">
+                <a16:creationId xmlns:a16="http://schemas.microsoft.com/office/drawing/2014/main" id="{FDFA5081-E7FC-743E-5978-6F5A99BAD665}"/>
+              </a:ext>
+            </a:extLst>
+          </p:cNvPr>
+          <p:cNvSpPr txBox="1">
+            <a:spLocks/>
+          </p:cNvSpPr>
+          <p:nvPr/>
+        </p:nvSpPr>
+        <p:spPr>
+          <a:xfrm>
+            <a:off x="4966854" y="1662545"/>
+            <a:ext cx="3238645" cy="3237886"/>
+          </a:xfrm>
+          <a:prstGeom prst="rect">
+            <a:avLst/>
+          </a:prstGeom>
+        </p:spPr>
+        <p:txBody>
+          <a:bodyPr spcFirstLastPara="1" wrap="square" lIns="91425" tIns="91425" rIns="91425" bIns="91425" anchor="t" anchorCtr="0">
+            <a:noAutofit/>
+          </a:bodyPr>
+          <a:lstStyle>
+            <a:defPPr marR="0" lvl="0" algn="l" rtl="0">
+              <a:lnSpc>
+                <a:spcPct val="100000"/>
+              </a:lnSpc>
+              <a:spcBef>
+                <a:spcPts val="0"/>
+              </a:spcBef>
+              <a:spcAft>
+                <a:spcPts val="0"/>
+              </a:spcAft>
+            </a:defPPr>
+            <a:lvl1pPr marR="0" lvl="0" algn="l" rtl="0">
+              <a:lnSpc>
+                <a:spcPct val="100000"/>
+              </a:lnSpc>
+              <a:spcBef>
+                <a:spcPts val="0"/>
+              </a:spcBef>
+              <a:spcAft>
+                <a:spcPts val="0"/>
+              </a:spcAft>
+              <a:buClr>
+                <a:srgbClr val="000000"/>
+              </a:buClr>
+              <a:buFont typeface="Arial"/>
+              <a:defRPr sz="1400" b="0" i="0" u="none" strike="noStrike" cap="none">
+                <a:solidFill>
+                  <a:srgbClr val="000000"/>
+                </a:solidFill>
+                <a:latin typeface="Arial"/>
+                <a:ea typeface="Arial"/>
+                <a:cs typeface="Arial"/>
+                <a:sym typeface="Arial"/>
+              </a:defRPr>
+            </a:lvl1pPr>
+            <a:lvl2pPr marR="0" lvl="1" algn="l" rtl="0">
+              <a:lnSpc>
+                <a:spcPct val="100000"/>
+              </a:lnSpc>
+              <a:spcBef>
+                <a:spcPts val="0"/>
+              </a:spcBef>
+              <a:spcAft>
+                <a:spcPts val="0"/>
+              </a:spcAft>
+              <a:buClr>
+                <a:srgbClr val="000000"/>
+              </a:buClr>
+              <a:buFont typeface="Arial"/>
+              <a:defRPr sz="1400" b="0" i="0" u="none" strike="noStrike" cap="none">
+                <a:solidFill>
+                  <a:srgbClr val="000000"/>
+                </a:solidFill>
+                <a:latin typeface="Arial"/>
+                <a:ea typeface="Arial"/>
+                <a:cs typeface="Arial"/>
+                <a:sym typeface="Arial"/>
+              </a:defRPr>
+            </a:lvl2pPr>
+            <a:lvl3pPr marR="0" lvl="2" algn="l" rtl="0">
+              <a:lnSpc>
+                <a:spcPct val="100000"/>
+              </a:lnSpc>
+              <a:spcBef>
+                <a:spcPts val="0"/>
+              </a:spcBef>
+              <a:spcAft>
+                <a:spcPts val="0"/>
+              </a:spcAft>
+              <a:buClr>
+                <a:srgbClr val="000000"/>
+              </a:buClr>
+              <a:buFont typeface="Arial"/>
+              <a:defRPr sz="1400" b="0" i="0" u="none" strike="noStrike" cap="none">
+                <a:solidFill>
+                  <a:srgbClr val="000000"/>
+                </a:solidFill>
+                <a:latin typeface="Arial"/>
+                <a:ea typeface="Arial"/>
+                <a:cs typeface="Arial"/>
+                <a:sym typeface="Arial"/>
+              </a:defRPr>
+            </a:lvl3pPr>
+            <a:lvl4pPr marR="0" lvl="3" algn="l" rtl="0">
+              <a:lnSpc>
+                <a:spcPct val="100000"/>
+              </a:lnSpc>
+              <a:spcBef>
+                <a:spcPts val="0"/>
+              </a:spcBef>
+              <a:spcAft>
+                <a:spcPts val="0"/>
+              </a:spcAft>
+              <a:buClr>
+                <a:srgbClr val="000000"/>
+              </a:buClr>
+              <a:buFont typeface="Arial"/>
+              <a:defRPr sz="1400" b="0" i="0" u="none" strike="noStrike" cap="none">
+                <a:solidFill>
+                  <a:srgbClr val="000000"/>
+                </a:solidFill>
+                <a:latin typeface="Arial"/>
+                <a:ea typeface="Arial"/>
+                <a:cs typeface="Arial"/>
+                <a:sym typeface="Arial"/>
+              </a:defRPr>
+            </a:lvl4pPr>
+            <a:lvl5pPr marR="0" lvl="4" algn="l" rtl="0">
+              <a:lnSpc>
+                <a:spcPct val="100000"/>
+              </a:lnSpc>
+              <a:spcBef>
+                <a:spcPts val="0"/>
+              </a:spcBef>
+              <a:spcAft>
+                <a:spcPts val="0"/>
+              </a:spcAft>
+              <a:buClr>
+                <a:srgbClr val="000000"/>
+              </a:buClr>
+              <a:buFont typeface="Arial"/>
+              <a:defRPr sz="1400" b="0" i="0" u="none" strike="noStrike" cap="none">
+                <a:solidFill>
+                  <a:srgbClr val="000000"/>
+                </a:solidFill>
+                <a:latin typeface="Arial"/>
+                <a:ea typeface="Arial"/>
+                <a:cs typeface="Arial"/>
+                <a:sym typeface="Arial"/>
+              </a:defRPr>
+            </a:lvl5pPr>
+            <a:lvl6pPr marR="0" lvl="5" algn="l" rtl="0">
+              <a:lnSpc>
+                <a:spcPct val="100000"/>
+              </a:lnSpc>
+              <a:spcBef>
+                <a:spcPts val="0"/>
+              </a:spcBef>
+              <a:spcAft>
+                <a:spcPts val="0"/>
+              </a:spcAft>
+              <a:buClr>
+                <a:srgbClr val="000000"/>
+              </a:buClr>
+              <a:buFont typeface="Arial"/>
+              <a:defRPr sz="1400" b="0" i="0" u="none" strike="noStrike" cap="none">
+                <a:solidFill>
+                  <a:srgbClr val="000000"/>
+                </a:solidFill>
+                <a:latin typeface="Arial"/>
+                <a:ea typeface="Arial"/>
+                <a:cs typeface="Arial"/>
+                <a:sym typeface="Arial"/>
+              </a:defRPr>
+            </a:lvl6pPr>
+            <a:lvl7pPr marR="0" lvl="6" algn="l" rtl="0">
+              <a:lnSpc>
+                <a:spcPct val="100000"/>
+              </a:lnSpc>
+              <a:spcBef>
+                <a:spcPts val="0"/>
+              </a:spcBef>
+              <a:spcAft>
+                <a:spcPts val="0"/>
+              </a:spcAft>
+              <a:buClr>
+                <a:srgbClr val="000000"/>
+              </a:buClr>
+              <a:buFont typeface="Arial"/>
+              <a:defRPr sz="1400" b="0" i="0" u="none" strike="noStrike" cap="none">
+                <a:solidFill>
+                  <a:srgbClr val="000000"/>
+                </a:solidFill>
+                <a:latin typeface="Arial"/>
+                <a:ea typeface="Arial"/>
+                <a:cs typeface="Arial"/>
+                <a:sym typeface="Arial"/>
+              </a:defRPr>
+            </a:lvl7pPr>
+            <a:lvl8pPr marR="0" lvl="7" algn="l" rtl="0">
+              <a:lnSpc>
+                <a:spcPct val="100000"/>
+              </a:lnSpc>
+              <a:spcBef>
+                <a:spcPts val="0"/>
+              </a:spcBef>
+              <a:spcAft>
+                <a:spcPts val="0"/>
+              </a:spcAft>
+              <a:buClr>
+                <a:srgbClr val="000000"/>
+              </a:buClr>
+              <a:buFont typeface="Arial"/>
+              <a:defRPr sz="1400" b="0" i="0" u="none" strike="noStrike" cap="none">
+                <a:solidFill>
+                  <a:srgbClr val="000000"/>
+                </a:solidFill>
+                <a:latin typeface="Arial"/>
+                <a:ea typeface="Arial"/>
+                <a:cs typeface="Arial"/>
+                <a:sym typeface="Arial"/>
+              </a:defRPr>
+            </a:lvl8pPr>
+            <a:lvl9pPr marR="0" lvl="8" algn="l" rtl="0">
+              <a:lnSpc>
+                <a:spcPct val="100000"/>
+              </a:lnSpc>
+              <a:spcBef>
+                <a:spcPts val="0"/>
+              </a:spcBef>
+              <a:spcAft>
+                <a:spcPts val="0"/>
+              </a:spcAft>
+              <a:buClr>
+                <a:srgbClr val="000000"/>
+              </a:buClr>
+              <a:buFont typeface="Arial"/>
+              <a:defRPr sz="1400" b="0" i="0" u="none" strike="noStrike" cap="none">
+                <a:solidFill>
+                  <a:srgbClr val="000000"/>
+                </a:solidFill>
+                <a:latin typeface="Arial"/>
+                <a:ea typeface="Arial"/>
+                <a:cs typeface="Arial"/>
+                <a:sym typeface="Arial"/>
+              </a:defRPr>
+            </a:lvl9pPr>
+          </a:lstStyle>
+          <a:p>
+            <a:pPr algn="ctr"/>
+            <a:r>
+              <a:rPr lang="it-IT" sz="1100" dirty="0">
+                <a:solidFill>
+                  <a:schemeClr val="bg1"/>
+                </a:solidFill>
+              </a:rPr>
+              <a:t>Ogni </a:t>
+            </a:r>
+            <a:r>
+              <a:rPr lang="it-IT" sz="1100" dirty="0" err="1">
+                <a:solidFill>
+                  <a:schemeClr val="bg1"/>
+                </a:solidFill>
+              </a:rPr>
+              <a:t>thread</a:t>
+            </a:r>
+            <a:r>
+              <a:rPr lang="it-IT" sz="1100" dirty="0">
+                <a:solidFill>
+                  <a:schemeClr val="bg1"/>
+                </a:solidFill>
+              </a:rPr>
+              <a:t> esegue un numero predefinito di operazioni, ogni operazione consiste nel generare un elemento (quindi data ed una priorità casuale) da inserire all’interno della coda con un </a:t>
+            </a:r>
+            <a:r>
+              <a:rPr lang="it-IT" sz="1100" dirty="0" err="1">
+                <a:solidFill>
+                  <a:schemeClr val="bg1"/>
+                </a:solidFill>
+              </a:rPr>
+              <a:t>push</a:t>
+            </a:r>
+            <a:r>
+              <a:rPr lang="it-IT" sz="1100" dirty="0">
+                <a:solidFill>
+                  <a:schemeClr val="bg1"/>
+                </a:solidFill>
+              </a:rPr>
+              <a:t>.</a:t>
+            </a:r>
+          </a:p>
+          <a:p>
+            <a:pPr algn="ctr"/>
+            <a:endParaRPr lang="it-IT" sz="1100" dirty="0">
+              <a:solidFill>
+                <a:schemeClr val="bg1"/>
+              </a:solidFill>
+            </a:endParaRPr>
+          </a:p>
+          <a:p>
+            <a:pPr algn="ctr"/>
+            <a:r>
+              <a:rPr lang="it-IT" sz="1100" dirty="0">
+                <a:solidFill>
+                  <a:schemeClr val="bg1"/>
+                </a:solidFill>
+              </a:rPr>
+              <a:t>Il </a:t>
+            </a:r>
+            <a:r>
+              <a:rPr lang="it-IT" sz="1100" dirty="0" err="1">
+                <a:solidFill>
+                  <a:schemeClr val="bg1"/>
+                </a:solidFill>
+              </a:rPr>
+              <a:t>thread</a:t>
+            </a:r>
+            <a:r>
+              <a:rPr lang="it-IT" sz="1100" dirty="0">
+                <a:solidFill>
+                  <a:schemeClr val="bg1"/>
+                </a:solidFill>
+              </a:rPr>
+              <a:t> si ferma e fa una piccola pausa e successivamente c’è un’operazione di pull (i%2 comporta che le operazioni di </a:t>
+            </a:r>
+            <a:r>
+              <a:rPr lang="it-IT" sz="1100" dirty="0" err="1">
+                <a:solidFill>
+                  <a:schemeClr val="bg1"/>
+                </a:solidFill>
+              </a:rPr>
+              <a:t>push</a:t>
+            </a:r>
+            <a:r>
+              <a:rPr lang="it-IT" sz="1100" dirty="0">
+                <a:solidFill>
+                  <a:schemeClr val="bg1"/>
+                </a:solidFill>
+              </a:rPr>
+              <a:t> siano circa il doppio di quelle di pull).</a:t>
+            </a:r>
+          </a:p>
+          <a:p>
+            <a:pPr algn="ctr"/>
+            <a:endParaRPr lang="it-IT" sz="1100" dirty="0">
+              <a:solidFill>
+                <a:schemeClr val="bg1"/>
+              </a:solidFill>
+            </a:endParaRPr>
+          </a:p>
+          <a:p>
+            <a:pPr algn="ctr"/>
+            <a:r>
+              <a:rPr lang="it-IT" sz="1100" dirty="0">
+                <a:solidFill>
+                  <a:schemeClr val="bg1"/>
+                </a:solidFill>
+              </a:rPr>
+              <a:t>Per la visualizzazione dell’elemento estratto viene usata </a:t>
+            </a:r>
+            <a:r>
+              <a:rPr lang="it-IT" sz="1100" dirty="0" err="1">
+                <a:solidFill>
+                  <a:schemeClr val="bg1"/>
+                </a:solidFill>
+              </a:rPr>
+              <a:t>queue_to_array</a:t>
+            </a:r>
+            <a:r>
+              <a:rPr lang="it-IT" sz="1100" dirty="0">
+                <a:solidFill>
+                  <a:schemeClr val="bg1"/>
+                </a:solidFill>
+              </a:rPr>
+              <a:t>() per verificare il corretto funzionamento anche di questa funzione</a:t>
+            </a:r>
+          </a:p>
+        </p:txBody>
+      </p:sp>
+    </p:spTree>
+    <p:extLst>
+      <p:ext uri="{BB962C8B-B14F-4D97-AF65-F5344CB8AC3E}">
+        <p14:creationId xmlns:p14="http://schemas.microsoft.com/office/powerpoint/2010/main" val="3065882582"/>
+      </p:ext>
+    </p:extLst>
+  </p:cSld>
+  <p:clrMapOvr>
+    <a:masterClrMapping/>
+  </p:clrMapOvr>
+</p:sld>
+</file>
+
+<file path=ppt/slides/slide18.xml><?xml version="1.0" encoding="utf-8"?>
 <p:sld xmlns:a="http://schemas.openxmlformats.org/drawingml/2006/main" xmlns:r="http://schemas.openxmlformats.org/officeDocument/2006/relationships" xmlns:p="http://schemas.openxmlformats.org/presentationml/2006/main">
   <p:cSld>
     <p:spTree>
@@ -8586,7 +10497,7 @@
         </p:nvSpPr>
         <p:spPr>
           <a:xfrm>
-            <a:off x="5844759" y="1386425"/>
+            <a:off x="4764104" y="1615025"/>
             <a:ext cx="2613441" cy="2655620"/>
           </a:xfrm>
           <a:prstGeom prst="rect">
@@ -8783,6 +10694,36 @@
           </a:effectLst>
         </p:spPr>
       </p:cxnSp>
+      <p:pic>
+        <p:nvPicPr>
+          <p:cNvPr id="3" name="Immagine 2" descr="Immagine che contiene testo, schermata, Carattere, design&#10;&#10;Descrizione generata automaticamente">
+            <a:extLst>
+              <a:ext uri="{FF2B5EF4-FFF2-40B4-BE49-F238E27FC236}">
+                <a16:creationId xmlns:a16="http://schemas.microsoft.com/office/drawing/2014/main" id="{C9952EFC-F019-ADA5-47AB-5D2F495E2474}"/>
+              </a:ext>
+            </a:extLst>
+          </p:cNvPr>
+          <p:cNvPicPr>
+            <a:picLocks noChangeAspect="1"/>
+          </p:cNvPicPr>
+          <p:nvPr/>
+        </p:nvPicPr>
+        <p:blipFill>
+          <a:blip r:embed="rId4"/>
+          <a:stretch>
+            <a:fillRect/>
+          </a:stretch>
+        </p:blipFill>
+        <p:spPr>
+          <a:xfrm>
+            <a:off x="1456236" y="1556452"/>
+            <a:ext cx="1902927" cy="2963575"/>
+          </a:xfrm>
+          <a:prstGeom prst="rect">
+            <a:avLst/>
+          </a:prstGeom>
+        </p:spPr>
+      </p:pic>
     </p:spTree>
   </p:cSld>
   <p:clrMapOvr>
@@ -8937,6 +10878,36 @@
           </a:effectLst>
         </p:spPr>
       </p:cxnSp>
+      <p:pic>
+        <p:nvPicPr>
+          <p:cNvPr id="3" name="Immagine 2" descr="Immagine che contiene testo, schermata, schermo, Carattere&#10;&#10;Descrizione generata automaticamente">
+            <a:extLst>
+              <a:ext uri="{FF2B5EF4-FFF2-40B4-BE49-F238E27FC236}">
+                <a16:creationId xmlns:a16="http://schemas.microsoft.com/office/drawing/2014/main" id="{852EBF0A-D932-BFCF-DD48-C46A1C53D418}"/>
+              </a:ext>
+            </a:extLst>
+          </p:cNvPr>
+          <p:cNvPicPr>
+            <a:picLocks noChangeAspect="1"/>
+          </p:cNvPicPr>
+          <p:nvPr/>
+        </p:nvPicPr>
+        <p:blipFill>
+          <a:blip r:embed="rId3"/>
+          <a:stretch>
+            <a:fillRect/>
+          </a:stretch>
+        </p:blipFill>
+        <p:spPr>
+          <a:xfrm>
+            <a:off x="1026200" y="1696860"/>
+            <a:ext cx="4444637" cy="2234687"/>
+          </a:xfrm>
+          <a:prstGeom prst="rect">
+            <a:avLst/>
+          </a:prstGeom>
+        </p:spPr>
+      </p:pic>
     </p:spTree>
     <p:extLst>
       <p:ext uri="{BB962C8B-B14F-4D97-AF65-F5344CB8AC3E}">
@@ -9489,7 +11460,7 @@
         </p:nvSpPr>
         <p:spPr>
           <a:xfrm>
-            <a:off x="1850525" y="1157925"/>
+            <a:off x="1850550" y="402852"/>
             <a:ext cx="5442900" cy="2603100"/>
           </a:xfrm>
           <a:prstGeom prst="rect">
@@ -9513,9 +11484,607 @@
             </a:pPr>
             <a:r>
               <a:rPr lang="it-IT" sz="3600" dirty="0"/>
-              <a:t>Gestione della coda</a:t>
+              <a:t>Struttura della coda</a:t>
             </a:r>
             <a:endParaRPr sz="3600" dirty="0"/>
+          </a:p>
+        </p:txBody>
+      </p:sp>
+      <p:pic>
+        <p:nvPicPr>
+          <p:cNvPr id="3" name="Immagine 2" descr="Immagine che contiene testo, schermata, Carattere&#10;&#10;Descrizione generata automaticamente">
+            <a:extLst>
+              <a:ext uri="{FF2B5EF4-FFF2-40B4-BE49-F238E27FC236}">
+                <a16:creationId xmlns:a16="http://schemas.microsoft.com/office/drawing/2014/main" id="{7FD3F8DE-0F41-318E-99A9-8F57C22A8B1B}"/>
+              </a:ext>
+            </a:extLst>
+          </p:cNvPr>
+          <p:cNvPicPr>
+            <a:picLocks noChangeAspect="1"/>
+          </p:cNvPicPr>
+          <p:nvPr/>
+        </p:nvPicPr>
+        <p:blipFill>
+          <a:blip r:embed="rId3"/>
+          <a:stretch>
+            <a:fillRect/>
+          </a:stretch>
+        </p:blipFill>
+        <p:spPr>
+          <a:xfrm>
+            <a:off x="796636" y="1337888"/>
+            <a:ext cx="5499460" cy="1818662"/>
+          </a:xfrm>
+          <a:prstGeom prst="rect">
+            <a:avLst/>
+          </a:prstGeom>
+        </p:spPr>
+      </p:pic>
+      <p:sp>
+        <p:nvSpPr>
+          <p:cNvPr id="4" name="Google Shape;184;p40">
+            <a:extLst>
+              <a:ext uri="{FF2B5EF4-FFF2-40B4-BE49-F238E27FC236}">
+                <a16:creationId xmlns:a16="http://schemas.microsoft.com/office/drawing/2014/main" id="{0ED124BA-DCF3-7854-308A-E3C0D2E4CF16}"/>
+              </a:ext>
+            </a:extLst>
+          </p:cNvPr>
+          <p:cNvSpPr txBox="1">
+            <a:spLocks/>
+          </p:cNvSpPr>
+          <p:nvPr/>
+        </p:nvSpPr>
+        <p:spPr>
+          <a:xfrm>
+            <a:off x="6592610" y="1836353"/>
+            <a:ext cx="1754754" cy="818857"/>
+          </a:xfrm>
+          <a:prstGeom prst="rect">
+            <a:avLst/>
+          </a:prstGeom>
+        </p:spPr>
+        <p:txBody>
+          <a:bodyPr spcFirstLastPara="1" wrap="square" lIns="91425" tIns="91425" rIns="91425" bIns="91425" anchor="t" anchorCtr="0">
+            <a:noAutofit/>
+          </a:bodyPr>
+          <a:lstStyle>
+            <a:defPPr marR="0" lvl="0" algn="l" rtl="0">
+              <a:lnSpc>
+                <a:spcPct val="100000"/>
+              </a:lnSpc>
+              <a:spcBef>
+                <a:spcPts val="0"/>
+              </a:spcBef>
+              <a:spcAft>
+                <a:spcPts val="0"/>
+              </a:spcAft>
+            </a:defPPr>
+            <a:lvl1pPr marR="0" lvl="0" algn="l" rtl="0">
+              <a:lnSpc>
+                <a:spcPct val="100000"/>
+              </a:lnSpc>
+              <a:spcBef>
+                <a:spcPts val="0"/>
+              </a:spcBef>
+              <a:spcAft>
+                <a:spcPts val="0"/>
+              </a:spcAft>
+              <a:buClr>
+                <a:srgbClr val="000000"/>
+              </a:buClr>
+              <a:buFont typeface="Arial"/>
+              <a:defRPr sz="1400" b="0" i="0" u="none" strike="noStrike" cap="none">
+                <a:solidFill>
+                  <a:srgbClr val="000000"/>
+                </a:solidFill>
+                <a:latin typeface="Arial"/>
+                <a:ea typeface="Arial"/>
+                <a:cs typeface="Arial"/>
+                <a:sym typeface="Arial"/>
+              </a:defRPr>
+            </a:lvl1pPr>
+            <a:lvl2pPr marR="0" lvl="1" algn="l" rtl="0">
+              <a:lnSpc>
+                <a:spcPct val="100000"/>
+              </a:lnSpc>
+              <a:spcBef>
+                <a:spcPts val="0"/>
+              </a:spcBef>
+              <a:spcAft>
+                <a:spcPts val="0"/>
+              </a:spcAft>
+              <a:buClr>
+                <a:srgbClr val="000000"/>
+              </a:buClr>
+              <a:buFont typeface="Arial"/>
+              <a:defRPr sz="1400" b="0" i="0" u="none" strike="noStrike" cap="none">
+                <a:solidFill>
+                  <a:srgbClr val="000000"/>
+                </a:solidFill>
+                <a:latin typeface="Arial"/>
+                <a:ea typeface="Arial"/>
+                <a:cs typeface="Arial"/>
+                <a:sym typeface="Arial"/>
+              </a:defRPr>
+            </a:lvl2pPr>
+            <a:lvl3pPr marR="0" lvl="2" algn="l" rtl="0">
+              <a:lnSpc>
+                <a:spcPct val="100000"/>
+              </a:lnSpc>
+              <a:spcBef>
+                <a:spcPts val="0"/>
+              </a:spcBef>
+              <a:spcAft>
+                <a:spcPts val="0"/>
+              </a:spcAft>
+              <a:buClr>
+                <a:srgbClr val="000000"/>
+              </a:buClr>
+              <a:buFont typeface="Arial"/>
+              <a:defRPr sz="1400" b="0" i="0" u="none" strike="noStrike" cap="none">
+                <a:solidFill>
+                  <a:srgbClr val="000000"/>
+                </a:solidFill>
+                <a:latin typeface="Arial"/>
+                <a:ea typeface="Arial"/>
+                <a:cs typeface="Arial"/>
+                <a:sym typeface="Arial"/>
+              </a:defRPr>
+            </a:lvl3pPr>
+            <a:lvl4pPr marR="0" lvl="3" algn="l" rtl="0">
+              <a:lnSpc>
+                <a:spcPct val="100000"/>
+              </a:lnSpc>
+              <a:spcBef>
+                <a:spcPts val="0"/>
+              </a:spcBef>
+              <a:spcAft>
+                <a:spcPts val="0"/>
+              </a:spcAft>
+              <a:buClr>
+                <a:srgbClr val="000000"/>
+              </a:buClr>
+              <a:buFont typeface="Arial"/>
+              <a:defRPr sz="1400" b="0" i="0" u="none" strike="noStrike" cap="none">
+                <a:solidFill>
+                  <a:srgbClr val="000000"/>
+                </a:solidFill>
+                <a:latin typeface="Arial"/>
+                <a:ea typeface="Arial"/>
+                <a:cs typeface="Arial"/>
+                <a:sym typeface="Arial"/>
+              </a:defRPr>
+            </a:lvl4pPr>
+            <a:lvl5pPr marR="0" lvl="4" algn="l" rtl="0">
+              <a:lnSpc>
+                <a:spcPct val="100000"/>
+              </a:lnSpc>
+              <a:spcBef>
+                <a:spcPts val="0"/>
+              </a:spcBef>
+              <a:spcAft>
+                <a:spcPts val="0"/>
+              </a:spcAft>
+              <a:buClr>
+                <a:srgbClr val="000000"/>
+              </a:buClr>
+              <a:buFont typeface="Arial"/>
+              <a:defRPr sz="1400" b="0" i="0" u="none" strike="noStrike" cap="none">
+                <a:solidFill>
+                  <a:srgbClr val="000000"/>
+                </a:solidFill>
+                <a:latin typeface="Arial"/>
+                <a:ea typeface="Arial"/>
+                <a:cs typeface="Arial"/>
+                <a:sym typeface="Arial"/>
+              </a:defRPr>
+            </a:lvl5pPr>
+            <a:lvl6pPr marR="0" lvl="5" algn="l" rtl="0">
+              <a:lnSpc>
+                <a:spcPct val="100000"/>
+              </a:lnSpc>
+              <a:spcBef>
+                <a:spcPts val="0"/>
+              </a:spcBef>
+              <a:spcAft>
+                <a:spcPts val="0"/>
+              </a:spcAft>
+              <a:buClr>
+                <a:srgbClr val="000000"/>
+              </a:buClr>
+              <a:buFont typeface="Arial"/>
+              <a:defRPr sz="1400" b="0" i="0" u="none" strike="noStrike" cap="none">
+                <a:solidFill>
+                  <a:srgbClr val="000000"/>
+                </a:solidFill>
+                <a:latin typeface="Arial"/>
+                <a:ea typeface="Arial"/>
+                <a:cs typeface="Arial"/>
+                <a:sym typeface="Arial"/>
+              </a:defRPr>
+            </a:lvl6pPr>
+            <a:lvl7pPr marR="0" lvl="6" algn="l" rtl="0">
+              <a:lnSpc>
+                <a:spcPct val="100000"/>
+              </a:lnSpc>
+              <a:spcBef>
+                <a:spcPts val="0"/>
+              </a:spcBef>
+              <a:spcAft>
+                <a:spcPts val="0"/>
+              </a:spcAft>
+              <a:buClr>
+                <a:srgbClr val="000000"/>
+              </a:buClr>
+              <a:buFont typeface="Arial"/>
+              <a:defRPr sz="1400" b="0" i="0" u="none" strike="noStrike" cap="none">
+                <a:solidFill>
+                  <a:srgbClr val="000000"/>
+                </a:solidFill>
+                <a:latin typeface="Arial"/>
+                <a:ea typeface="Arial"/>
+                <a:cs typeface="Arial"/>
+                <a:sym typeface="Arial"/>
+              </a:defRPr>
+            </a:lvl7pPr>
+            <a:lvl8pPr marR="0" lvl="7" algn="l" rtl="0">
+              <a:lnSpc>
+                <a:spcPct val="100000"/>
+              </a:lnSpc>
+              <a:spcBef>
+                <a:spcPts val="0"/>
+              </a:spcBef>
+              <a:spcAft>
+                <a:spcPts val="0"/>
+              </a:spcAft>
+              <a:buClr>
+                <a:srgbClr val="000000"/>
+              </a:buClr>
+              <a:buFont typeface="Arial"/>
+              <a:defRPr sz="1400" b="0" i="0" u="none" strike="noStrike" cap="none">
+                <a:solidFill>
+                  <a:srgbClr val="000000"/>
+                </a:solidFill>
+                <a:latin typeface="Arial"/>
+                <a:ea typeface="Arial"/>
+                <a:cs typeface="Arial"/>
+                <a:sym typeface="Arial"/>
+              </a:defRPr>
+            </a:lvl8pPr>
+            <a:lvl9pPr marR="0" lvl="8" algn="l" rtl="0">
+              <a:lnSpc>
+                <a:spcPct val="100000"/>
+              </a:lnSpc>
+              <a:spcBef>
+                <a:spcPts val="0"/>
+              </a:spcBef>
+              <a:spcAft>
+                <a:spcPts val="0"/>
+              </a:spcAft>
+              <a:buClr>
+                <a:srgbClr val="000000"/>
+              </a:buClr>
+              <a:buFont typeface="Arial"/>
+              <a:defRPr sz="1400" b="0" i="0" u="none" strike="noStrike" cap="none">
+                <a:solidFill>
+                  <a:srgbClr val="000000"/>
+                </a:solidFill>
+                <a:latin typeface="Arial"/>
+                <a:ea typeface="Arial"/>
+                <a:cs typeface="Arial"/>
+                <a:sym typeface="Arial"/>
+              </a:defRPr>
+            </a:lvl9pPr>
+          </a:lstStyle>
+          <a:p>
+            <a:pPr algn="ctr"/>
+            <a:r>
+              <a:rPr lang="it-IT" dirty="0">
+                <a:solidFill>
+                  <a:schemeClr val="bg1"/>
+                </a:solidFill>
+              </a:rPr>
+              <a:t>Definisce la struttura della coda</a:t>
+            </a:r>
+          </a:p>
+        </p:txBody>
+      </p:sp>
+      <p:pic>
+        <p:nvPicPr>
+          <p:cNvPr id="6" name="Immagine 5" descr="Immagine che contiene testo, schermata, Carattere&#10;&#10;Descrizione generata automaticamente">
+            <a:extLst>
+              <a:ext uri="{FF2B5EF4-FFF2-40B4-BE49-F238E27FC236}">
+                <a16:creationId xmlns:a16="http://schemas.microsoft.com/office/drawing/2014/main" id="{B8E7E340-C7F9-8E7A-D18A-7C65A510EA69}"/>
+              </a:ext>
+            </a:extLst>
+          </p:cNvPr>
+          <p:cNvPicPr>
+            <a:picLocks noChangeAspect="1"/>
+          </p:cNvPicPr>
+          <p:nvPr/>
+        </p:nvPicPr>
+        <p:blipFill>
+          <a:blip r:embed="rId4"/>
+          <a:stretch>
+            <a:fillRect/>
+          </a:stretch>
+        </p:blipFill>
+        <p:spPr>
+          <a:xfrm>
+            <a:off x="3062734" y="3307147"/>
+            <a:ext cx="5284630" cy="1298126"/>
+          </a:xfrm>
+          <a:prstGeom prst="rect">
+            <a:avLst/>
+          </a:prstGeom>
+        </p:spPr>
+      </p:pic>
+      <p:sp>
+        <p:nvSpPr>
+          <p:cNvPr id="7" name="Google Shape;184;p40">
+            <a:extLst>
+              <a:ext uri="{FF2B5EF4-FFF2-40B4-BE49-F238E27FC236}">
+                <a16:creationId xmlns:a16="http://schemas.microsoft.com/office/drawing/2014/main" id="{F18A0760-9745-609D-D9F5-AE008544CA59}"/>
+              </a:ext>
+            </a:extLst>
+          </p:cNvPr>
+          <p:cNvSpPr txBox="1">
+            <a:spLocks/>
+          </p:cNvSpPr>
+          <p:nvPr/>
+        </p:nvSpPr>
+        <p:spPr>
+          <a:xfrm>
+            <a:off x="849900" y="3546781"/>
+            <a:ext cx="1817099" cy="818857"/>
+          </a:xfrm>
+          <a:prstGeom prst="rect">
+            <a:avLst/>
+          </a:prstGeom>
+        </p:spPr>
+        <p:txBody>
+          <a:bodyPr spcFirstLastPara="1" wrap="square" lIns="91425" tIns="91425" rIns="91425" bIns="91425" anchor="t" anchorCtr="0">
+            <a:noAutofit/>
+          </a:bodyPr>
+          <a:lstStyle>
+            <a:defPPr marR="0" lvl="0" algn="l" rtl="0">
+              <a:lnSpc>
+                <a:spcPct val="100000"/>
+              </a:lnSpc>
+              <a:spcBef>
+                <a:spcPts val="0"/>
+              </a:spcBef>
+              <a:spcAft>
+                <a:spcPts val="0"/>
+              </a:spcAft>
+            </a:defPPr>
+            <a:lvl1pPr marR="0" lvl="0" algn="l" rtl="0">
+              <a:lnSpc>
+                <a:spcPct val="100000"/>
+              </a:lnSpc>
+              <a:spcBef>
+                <a:spcPts val="0"/>
+              </a:spcBef>
+              <a:spcAft>
+                <a:spcPts val="0"/>
+              </a:spcAft>
+              <a:buClr>
+                <a:srgbClr val="000000"/>
+              </a:buClr>
+              <a:buFont typeface="Arial"/>
+              <a:defRPr sz="1400" b="0" i="0" u="none" strike="noStrike" cap="none">
+                <a:solidFill>
+                  <a:srgbClr val="000000"/>
+                </a:solidFill>
+                <a:latin typeface="Arial"/>
+                <a:ea typeface="Arial"/>
+                <a:cs typeface="Arial"/>
+                <a:sym typeface="Arial"/>
+              </a:defRPr>
+            </a:lvl1pPr>
+            <a:lvl2pPr marR="0" lvl="1" algn="l" rtl="0">
+              <a:lnSpc>
+                <a:spcPct val="100000"/>
+              </a:lnSpc>
+              <a:spcBef>
+                <a:spcPts val="0"/>
+              </a:spcBef>
+              <a:spcAft>
+                <a:spcPts val="0"/>
+              </a:spcAft>
+              <a:buClr>
+                <a:srgbClr val="000000"/>
+              </a:buClr>
+              <a:buFont typeface="Arial"/>
+              <a:defRPr sz="1400" b="0" i="0" u="none" strike="noStrike" cap="none">
+                <a:solidFill>
+                  <a:srgbClr val="000000"/>
+                </a:solidFill>
+                <a:latin typeface="Arial"/>
+                <a:ea typeface="Arial"/>
+                <a:cs typeface="Arial"/>
+                <a:sym typeface="Arial"/>
+              </a:defRPr>
+            </a:lvl2pPr>
+            <a:lvl3pPr marR="0" lvl="2" algn="l" rtl="0">
+              <a:lnSpc>
+                <a:spcPct val="100000"/>
+              </a:lnSpc>
+              <a:spcBef>
+                <a:spcPts val="0"/>
+              </a:spcBef>
+              <a:spcAft>
+                <a:spcPts val="0"/>
+              </a:spcAft>
+              <a:buClr>
+                <a:srgbClr val="000000"/>
+              </a:buClr>
+              <a:buFont typeface="Arial"/>
+              <a:defRPr sz="1400" b="0" i="0" u="none" strike="noStrike" cap="none">
+                <a:solidFill>
+                  <a:srgbClr val="000000"/>
+                </a:solidFill>
+                <a:latin typeface="Arial"/>
+                <a:ea typeface="Arial"/>
+                <a:cs typeface="Arial"/>
+                <a:sym typeface="Arial"/>
+              </a:defRPr>
+            </a:lvl3pPr>
+            <a:lvl4pPr marR="0" lvl="3" algn="l" rtl="0">
+              <a:lnSpc>
+                <a:spcPct val="100000"/>
+              </a:lnSpc>
+              <a:spcBef>
+                <a:spcPts val="0"/>
+              </a:spcBef>
+              <a:spcAft>
+                <a:spcPts val="0"/>
+              </a:spcAft>
+              <a:buClr>
+                <a:srgbClr val="000000"/>
+              </a:buClr>
+              <a:buFont typeface="Arial"/>
+              <a:defRPr sz="1400" b="0" i="0" u="none" strike="noStrike" cap="none">
+                <a:solidFill>
+                  <a:srgbClr val="000000"/>
+                </a:solidFill>
+                <a:latin typeface="Arial"/>
+                <a:ea typeface="Arial"/>
+                <a:cs typeface="Arial"/>
+                <a:sym typeface="Arial"/>
+              </a:defRPr>
+            </a:lvl4pPr>
+            <a:lvl5pPr marR="0" lvl="4" algn="l" rtl="0">
+              <a:lnSpc>
+                <a:spcPct val="100000"/>
+              </a:lnSpc>
+              <a:spcBef>
+                <a:spcPts val="0"/>
+              </a:spcBef>
+              <a:spcAft>
+                <a:spcPts val="0"/>
+              </a:spcAft>
+              <a:buClr>
+                <a:srgbClr val="000000"/>
+              </a:buClr>
+              <a:buFont typeface="Arial"/>
+              <a:defRPr sz="1400" b="0" i="0" u="none" strike="noStrike" cap="none">
+                <a:solidFill>
+                  <a:srgbClr val="000000"/>
+                </a:solidFill>
+                <a:latin typeface="Arial"/>
+                <a:ea typeface="Arial"/>
+                <a:cs typeface="Arial"/>
+                <a:sym typeface="Arial"/>
+              </a:defRPr>
+            </a:lvl5pPr>
+            <a:lvl6pPr marR="0" lvl="5" algn="l" rtl="0">
+              <a:lnSpc>
+                <a:spcPct val="100000"/>
+              </a:lnSpc>
+              <a:spcBef>
+                <a:spcPts val="0"/>
+              </a:spcBef>
+              <a:spcAft>
+                <a:spcPts val="0"/>
+              </a:spcAft>
+              <a:buClr>
+                <a:srgbClr val="000000"/>
+              </a:buClr>
+              <a:buFont typeface="Arial"/>
+              <a:defRPr sz="1400" b="0" i="0" u="none" strike="noStrike" cap="none">
+                <a:solidFill>
+                  <a:srgbClr val="000000"/>
+                </a:solidFill>
+                <a:latin typeface="Arial"/>
+                <a:ea typeface="Arial"/>
+                <a:cs typeface="Arial"/>
+                <a:sym typeface="Arial"/>
+              </a:defRPr>
+            </a:lvl6pPr>
+            <a:lvl7pPr marR="0" lvl="6" algn="l" rtl="0">
+              <a:lnSpc>
+                <a:spcPct val="100000"/>
+              </a:lnSpc>
+              <a:spcBef>
+                <a:spcPts val="0"/>
+              </a:spcBef>
+              <a:spcAft>
+                <a:spcPts val="0"/>
+              </a:spcAft>
+              <a:buClr>
+                <a:srgbClr val="000000"/>
+              </a:buClr>
+              <a:buFont typeface="Arial"/>
+              <a:defRPr sz="1400" b="0" i="0" u="none" strike="noStrike" cap="none">
+                <a:solidFill>
+                  <a:srgbClr val="000000"/>
+                </a:solidFill>
+                <a:latin typeface="Arial"/>
+                <a:ea typeface="Arial"/>
+                <a:cs typeface="Arial"/>
+                <a:sym typeface="Arial"/>
+              </a:defRPr>
+            </a:lvl7pPr>
+            <a:lvl8pPr marR="0" lvl="7" algn="l" rtl="0">
+              <a:lnSpc>
+                <a:spcPct val="100000"/>
+              </a:lnSpc>
+              <a:spcBef>
+                <a:spcPts val="0"/>
+              </a:spcBef>
+              <a:spcAft>
+                <a:spcPts val="0"/>
+              </a:spcAft>
+              <a:buClr>
+                <a:srgbClr val="000000"/>
+              </a:buClr>
+              <a:buFont typeface="Arial"/>
+              <a:defRPr sz="1400" b="0" i="0" u="none" strike="noStrike" cap="none">
+                <a:solidFill>
+                  <a:srgbClr val="000000"/>
+                </a:solidFill>
+                <a:latin typeface="Arial"/>
+                <a:ea typeface="Arial"/>
+                <a:cs typeface="Arial"/>
+                <a:sym typeface="Arial"/>
+              </a:defRPr>
+            </a:lvl8pPr>
+            <a:lvl9pPr marR="0" lvl="8" algn="l" rtl="0">
+              <a:lnSpc>
+                <a:spcPct val="100000"/>
+              </a:lnSpc>
+              <a:spcBef>
+                <a:spcPts val="0"/>
+              </a:spcBef>
+              <a:spcAft>
+                <a:spcPts val="0"/>
+              </a:spcAft>
+              <a:buClr>
+                <a:srgbClr val="000000"/>
+              </a:buClr>
+              <a:buFont typeface="Arial"/>
+              <a:defRPr sz="1400" b="0" i="0" u="none" strike="noStrike" cap="none">
+                <a:solidFill>
+                  <a:srgbClr val="000000"/>
+                </a:solidFill>
+                <a:latin typeface="Arial"/>
+                <a:ea typeface="Arial"/>
+                <a:cs typeface="Arial"/>
+                <a:sym typeface="Arial"/>
+              </a:defRPr>
+            </a:lvl9pPr>
+          </a:lstStyle>
+          <a:p>
+            <a:pPr algn="ctr"/>
+            <a:r>
+              <a:rPr lang="it-IT" dirty="0">
+                <a:solidFill>
+                  <a:schemeClr val="bg1"/>
+                </a:solidFill>
+              </a:rPr>
+              <a:t>Definisce la struttura di ogni elemento della coda</a:t>
+            </a:r>
           </a:p>
         </p:txBody>
       </p:sp>
@@ -9627,6 +12196,604 @@
           </a:effectLst>
         </p:spPr>
       </p:cxnSp>
+      <p:pic>
+        <p:nvPicPr>
+          <p:cNvPr id="3" name="Immagine 2" descr="Immagine che contiene testo, schermata, software, Carattere&#10;&#10;Descrizione generata automaticamente">
+            <a:extLst>
+              <a:ext uri="{FF2B5EF4-FFF2-40B4-BE49-F238E27FC236}">
+                <a16:creationId xmlns:a16="http://schemas.microsoft.com/office/drawing/2014/main" id="{B754565C-A46F-37E4-1BAD-2D54DE2C0697}"/>
+              </a:ext>
+            </a:extLst>
+          </p:cNvPr>
+          <p:cNvPicPr>
+            <a:picLocks noChangeAspect="1"/>
+          </p:cNvPicPr>
+          <p:nvPr/>
+        </p:nvPicPr>
+        <p:blipFill>
+          <a:blip r:embed="rId3"/>
+          <a:stretch>
+            <a:fillRect/>
+          </a:stretch>
+        </p:blipFill>
+        <p:spPr>
+          <a:xfrm>
+            <a:off x="643344" y="1558448"/>
+            <a:ext cx="4349015" cy="2026603"/>
+          </a:xfrm>
+          <a:prstGeom prst="rect">
+            <a:avLst/>
+          </a:prstGeom>
+        </p:spPr>
+      </p:pic>
+      <p:pic>
+        <p:nvPicPr>
+          <p:cNvPr id="5" name="Immagine 4" descr="Immagine che contiene testo, schermata, Carattere, software&#10;&#10;Descrizione generata automaticamente">
+            <a:extLst>
+              <a:ext uri="{FF2B5EF4-FFF2-40B4-BE49-F238E27FC236}">
+                <a16:creationId xmlns:a16="http://schemas.microsoft.com/office/drawing/2014/main" id="{F3B786C6-4C8F-6FDA-2FEB-C73612AF5744}"/>
+              </a:ext>
+            </a:extLst>
+          </p:cNvPr>
+          <p:cNvPicPr>
+            <a:picLocks noChangeAspect="1"/>
+          </p:cNvPicPr>
+          <p:nvPr/>
+        </p:nvPicPr>
+        <p:blipFill>
+          <a:blip r:embed="rId4"/>
+          <a:stretch>
+            <a:fillRect/>
+          </a:stretch>
+        </p:blipFill>
+        <p:spPr>
+          <a:xfrm>
+            <a:off x="5700870" y="1558448"/>
+            <a:ext cx="2224450" cy="2026603"/>
+          </a:xfrm>
+          <a:prstGeom prst="rect">
+            <a:avLst/>
+          </a:prstGeom>
+        </p:spPr>
+      </p:pic>
+      <p:sp>
+        <p:nvSpPr>
+          <p:cNvPr id="6" name="Google Shape;184;p40">
+            <a:extLst>
+              <a:ext uri="{FF2B5EF4-FFF2-40B4-BE49-F238E27FC236}">
+                <a16:creationId xmlns:a16="http://schemas.microsoft.com/office/drawing/2014/main" id="{8EC98B1D-8B18-A16F-A83B-7CF78BC88A46}"/>
+              </a:ext>
+            </a:extLst>
+          </p:cNvPr>
+          <p:cNvSpPr txBox="1">
+            <a:spLocks/>
+          </p:cNvSpPr>
+          <p:nvPr/>
+        </p:nvSpPr>
+        <p:spPr>
+          <a:xfrm>
+            <a:off x="1784351" y="3757074"/>
+            <a:ext cx="2067000" cy="1235100"/>
+          </a:xfrm>
+          <a:prstGeom prst="rect">
+            <a:avLst/>
+          </a:prstGeom>
+        </p:spPr>
+        <p:txBody>
+          <a:bodyPr spcFirstLastPara="1" wrap="square" lIns="91425" tIns="91425" rIns="91425" bIns="91425" anchor="t" anchorCtr="0">
+            <a:noAutofit/>
+          </a:bodyPr>
+          <a:lstStyle>
+            <a:defPPr marR="0" lvl="0" algn="l" rtl="0">
+              <a:lnSpc>
+                <a:spcPct val="100000"/>
+              </a:lnSpc>
+              <a:spcBef>
+                <a:spcPts val="0"/>
+              </a:spcBef>
+              <a:spcAft>
+                <a:spcPts val="0"/>
+              </a:spcAft>
+            </a:defPPr>
+            <a:lvl1pPr marR="0" lvl="0" algn="l" rtl="0">
+              <a:lnSpc>
+                <a:spcPct val="100000"/>
+              </a:lnSpc>
+              <a:spcBef>
+                <a:spcPts val="0"/>
+              </a:spcBef>
+              <a:spcAft>
+                <a:spcPts val="0"/>
+              </a:spcAft>
+              <a:buClr>
+                <a:srgbClr val="000000"/>
+              </a:buClr>
+              <a:buFont typeface="Arial"/>
+              <a:defRPr sz="1400" b="0" i="0" u="none" strike="noStrike" cap="none">
+                <a:solidFill>
+                  <a:srgbClr val="000000"/>
+                </a:solidFill>
+                <a:latin typeface="Arial"/>
+                <a:ea typeface="Arial"/>
+                <a:cs typeface="Arial"/>
+                <a:sym typeface="Arial"/>
+              </a:defRPr>
+            </a:lvl1pPr>
+            <a:lvl2pPr marR="0" lvl="1" algn="l" rtl="0">
+              <a:lnSpc>
+                <a:spcPct val="100000"/>
+              </a:lnSpc>
+              <a:spcBef>
+                <a:spcPts val="0"/>
+              </a:spcBef>
+              <a:spcAft>
+                <a:spcPts val="0"/>
+              </a:spcAft>
+              <a:buClr>
+                <a:srgbClr val="000000"/>
+              </a:buClr>
+              <a:buFont typeface="Arial"/>
+              <a:defRPr sz="1400" b="0" i="0" u="none" strike="noStrike" cap="none">
+                <a:solidFill>
+                  <a:srgbClr val="000000"/>
+                </a:solidFill>
+                <a:latin typeface="Arial"/>
+                <a:ea typeface="Arial"/>
+                <a:cs typeface="Arial"/>
+                <a:sym typeface="Arial"/>
+              </a:defRPr>
+            </a:lvl2pPr>
+            <a:lvl3pPr marR="0" lvl="2" algn="l" rtl="0">
+              <a:lnSpc>
+                <a:spcPct val="100000"/>
+              </a:lnSpc>
+              <a:spcBef>
+                <a:spcPts val="0"/>
+              </a:spcBef>
+              <a:spcAft>
+                <a:spcPts val="0"/>
+              </a:spcAft>
+              <a:buClr>
+                <a:srgbClr val="000000"/>
+              </a:buClr>
+              <a:buFont typeface="Arial"/>
+              <a:defRPr sz="1400" b="0" i="0" u="none" strike="noStrike" cap="none">
+                <a:solidFill>
+                  <a:srgbClr val="000000"/>
+                </a:solidFill>
+                <a:latin typeface="Arial"/>
+                <a:ea typeface="Arial"/>
+                <a:cs typeface="Arial"/>
+                <a:sym typeface="Arial"/>
+              </a:defRPr>
+            </a:lvl3pPr>
+            <a:lvl4pPr marR="0" lvl="3" algn="l" rtl="0">
+              <a:lnSpc>
+                <a:spcPct val="100000"/>
+              </a:lnSpc>
+              <a:spcBef>
+                <a:spcPts val="0"/>
+              </a:spcBef>
+              <a:spcAft>
+                <a:spcPts val="0"/>
+              </a:spcAft>
+              <a:buClr>
+                <a:srgbClr val="000000"/>
+              </a:buClr>
+              <a:buFont typeface="Arial"/>
+              <a:defRPr sz="1400" b="0" i="0" u="none" strike="noStrike" cap="none">
+                <a:solidFill>
+                  <a:srgbClr val="000000"/>
+                </a:solidFill>
+                <a:latin typeface="Arial"/>
+                <a:ea typeface="Arial"/>
+                <a:cs typeface="Arial"/>
+                <a:sym typeface="Arial"/>
+              </a:defRPr>
+            </a:lvl4pPr>
+            <a:lvl5pPr marR="0" lvl="4" algn="l" rtl="0">
+              <a:lnSpc>
+                <a:spcPct val="100000"/>
+              </a:lnSpc>
+              <a:spcBef>
+                <a:spcPts val="0"/>
+              </a:spcBef>
+              <a:spcAft>
+                <a:spcPts val="0"/>
+              </a:spcAft>
+              <a:buClr>
+                <a:srgbClr val="000000"/>
+              </a:buClr>
+              <a:buFont typeface="Arial"/>
+              <a:defRPr sz="1400" b="0" i="0" u="none" strike="noStrike" cap="none">
+                <a:solidFill>
+                  <a:srgbClr val="000000"/>
+                </a:solidFill>
+                <a:latin typeface="Arial"/>
+                <a:ea typeface="Arial"/>
+                <a:cs typeface="Arial"/>
+                <a:sym typeface="Arial"/>
+              </a:defRPr>
+            </a:lvl5pPr>
+            <a:lvl6pPr marR="0" lvl="5" algn="l" rtl="0">
+              <a:lnSpc>
+                <a:spcPct val="100000"/>
+              </a:lnSpc>
+              <a:spcBef>
+                <a:spcPts val="0"/>
+              </a:spcBef>
+              <a:spcAft>
+                <a:spcPts val="0"/>
+              </a:spcAft>
+              <a:buClr>
+                <a:srgbClr val="000000"/>
+              </a:buClr>
+              <a:buFont typeface="Arial"/>
+              <a:defRPr sz="1400" b="0" i="0" u="none" strike="noStrike" cap="none">
+                <a:solidFill>
+                  <a:srgbClr val="000000"/>
+                </a:solidFill>
+                <a:latin typeface="Arial"/>
+                <a:ea typeface="Arial"/>
+                <a:cs typeface="Arial"/>
+                <a:sym typeface="Arial"/>
+              </a:defRPr>
+            </a:lvl6pPr>
+            <a:lvl7pPr marR="0" lvl="6" algn="l" rtl="0">
+              <a:lnSpc>
+                <a:spcPct val="100000"/>
+              </a:lnSpc>
+              <a:spcBef>
+                <a:spcPts val="0"/>
+              </a:spcBef>
+              <a:spcAft>
+                <a:spcPts val="0"/>
+              </a:spcAft>
+              <a:buClr>
+                <a:srgbClr val="000000"/>
+              </a:buClr>
+              <a:buFont typeface="Arial"/>
+              <a:defRPr sz="1400" b="0" i="0" u="none" strike="noStrike" cap="none">
+                <a:solidFill>
+                  <a:srgbClr val="000000"/>
+                </a:solidFill>
+                <a:latin typeface="Arial"/>
+                <a:ea typeface="Arial"/>
+                <a:cs typeface="Arial"/>
+                <a:sym typeface="Arial"/>
+              </a:defRPr>
+            </a:lvl7pPr>
+            <a:lvl8pPr marR="0" lvl="7" algn="l" rtl="0">
+              <a:lnSpc>
+                <a:spcPct val="100000"/>
+              </a:lnSpc>
+              <a:spcBef>
+                <a:spcPts val="0"/>
+              </a:spcBef>
+              <a:spcAft>
+                <a:spcPts val="0"/>
+              </a:spcAft>
+              <a:buClr>
+                <a:srgbClr val="000000"/>
+              </a:buClr>
+              <a:buFont typeface="Arial"/>
+              <a:defRPr sz="1400" b="0" i="0" u="none" strike="noStrike" cap="none">
+                <a:solidFill>
+                  <a:srgbClr val="000000"/>
+                </a:solidFill>
+                <a:latin typeface="Arial"/>
+                <a:ea typeface="Arial"/>
+                <a:cs typeface="Arial"/>
+                <a:sym typeface="Arial"/>
+              </a:defRPr>
+            </a:lvl8pPr>
+            <a:lvl9pPr marR="0" lvl="8" algn="l" rtl="0">
+              <a:lnSpc>
+                <a:spcPct val="100000"/>
+              </a:lnSpc>
+              <a:spcBef>
+                <a:spcPts val="0"/>
+              </a:spcBef>
+              <a:spcAft>
+                <a:spcPts val="0"/>
+              </a:spcAft>
+              <a:buClr>
+                <a:srgbClr val="000000"/>
+              </a:buClr>
+              <a:buFont typeface="Arial"/>
+              <a:defRPr sz="1400" b="0" i="0" u="none" strike="noStrike" cap="none">
+                <a:solidFill>
+                  <a:srgbClr val="000000"/>
+                </a:solidFill>
+                <a:latin typeface="Arial"/>
+                <a:ea typeface="Arial"/>
+                <a:cs typeface="Arial"/>
+                <a:sym typeface="Arial"/>
+              </a:defRPr>
+            </a:lvl9pPr>
+          </a:lstStyle>
+          <a:p>
+            <a:pPr algn="ctr"/>
+            <a:r>
+              <a:rPr lang="it-IT" sz="1100" dirty="0">
+                <a:solidFill>
+                  <a:schemeClr val="bg1"/>
+                </a:solidFill>
+              </a:rPr>
+              <a:t>Inizializzazione delle coda</a:t>
+            </a:r>
+          </a:p>
+        </p:txBody>
+      </p:sp>
+      <p:sp>
+        <p:nvSpPr>
+          <p:cNvPr id="7" name="Google Shape;184;p40">
+            <a:extLst>
+              <a:ext uri="{FF2B5EF4-FFF2-40B4-BE49-F238E27FC236}">
+                <a16:creationId xmlns:a16="http://schemas.microsoft.com/office/drawing/2014/main" id="{4FD294A3-FA52-DEC5-D85E-4BFCEC15F8BB}"/>
+              </a:ext>
+            </a:extLst>
+          </p:cNvPr>
+          <p:cNvSpPr txBox="1">
+            <a:spLocks/>
+          </p:cNvSpPr>
+          <p:nvPr/>
+        </p:nvSpPr>
+        <p:spPr>
+          <a:xfrm>
+            <a:off x="5779595" y="3757074"/>
+            <a:ext cx="2067000" cy="1235100"/>
+          </a:xfrm>
+          <a:prstGeom prst="rect">
+            <a:avLst/>
+          </a:prstGeom>
+        </p:spPr>
+        <p:txBody>
+          <a:bodyPr spcFirstLastPara="1" wrap="square" lIns="91425" tIns="91425" rIns="91425" bIns="91425" anchor="t" anchorCtr="0">
+            <a:noAutofit/>
+          </a:bodyPr>
+          <a:lstStyle>
+            <a:defPPr marR="0" lvl="0" algn="l" rtl="0">
+              <a:lnSpc>
+                <a:spcPct val="100000"/>
+              </a:lnSpc>
+              <a:spcBef>
+                <a:spcPts val="0"/>
+              </a:spcBef>
+              <a:spcAft>
+                <a:spcPts val="0"/>
+              </a:spcAft>
+            </a:defPPr>
+            <a:lvl1pPr marR="0" lvl="0" algn="l" rtl="0">
+              <a:lnSpc>
+                <a:spcPct val="100000"/>
+              </a:lnSpc>
+              <a:spcBef>
+                <a:spcPts val="0"/>
+              </a:spcBef>
+              <a:spcAft>
+                <a:spcPts val="0"/>
+              </a:spcAft>
+              <a:buClr>
+                <a:srgbClr val="000000"/>
+              </a:buClr>
+              <a:buFont typeface="Arial"/>
+              <a:defRPr sz="1400" b="0" i="0" u="none" strike="noStrike" cap="none">
+                <a:solidFill>
+                  <a:srgbClr val="000000"/>
+                </a:solidFill>
+                <a:latin typeface="Arial"/>
+                <a:ea typeface="Arial"/>
+                <a:cs typeface="Arial"/>
+                <a:sym typeface="Arial"/>
+              </a:defRPr>
+            </a:lvl1pPr>
+            <a:lvl2pPr marR="0" lvl="1" algn="l" rtl="0">
+              <a:lnSpc>
+                <a:spcPct val="100000"/>
+              </a:lnSpc>
+              <a:spcBef>
+                <a:spcPts val="0"/>
+              </a:spcBef>
+              <a:spcAft>
+                <a:spcPts val="0"/>
+              </a:spcAft>
+              <a:buClr>
+                <a:srgbClr val="000000"/>
+              </a:buClr>
+              <a:buFont typeface="Arial"/>
+              <a:defRPr sz="1400" b="0" i="0" u="none" strike="noStrike" cap="none">
+                <a:solidFill>
+                  <a:srgbClr val="000000"/>
+                </a:solidFill>
+                <a:latin typeface="Arial"/>
+                <a:ea typeface="Arial"/>
+                <a:cs typeface="Arial"/>
+                <a:sym typeface="Arial"/>
+              </a:defRPr>
+            </a:lvl2pPr>
+            <a:lvl3pPr marR="0" lvl="2" algn="l" rtl="0">
+              <a:lnSpc>
+                <a:spcPct val="100000"/>
+              </a:lnSpc>
+              <a:spcBef>
+                <a:spcPts val="0"/>
+              </a:spcBef>
+              <a:spcAft>
+                <a:spcPts val="0"/>
+              </a:spcAft>
+              <a:buClr>
+                <a:srgbClr val="000000"/>
+              </a:buClr>
+              <a:buFont typeface="Arial"/>
+              <a:defRPr sz="1400" b="0" i="0" u="none" strike="noStrike" cap="none">
+                <a:solidFill>
+                  <a:srgbClr val="000000"/>
+                </a:solidFill>
+                <a:latin typeface="Arial"/>
+                <a:ea typeface="Arial"/>
+                <a:cs typeface="Arial"/>
+                <a:sym typeface="Arial"/>
+              </a:defRPr>
+            </a:lvl3pPr>
+            <a:lvl4pPr marR="0" lvl="3" algn="l" rtl="0">
+              <a:lnSpc>
+                <a:spcPct val="100000"/>
+              </a:lnSpc>
+              <a:spcBef>
+                <a:spcPts val="0"/>
+              </a:spcBef>
+              <a:spcAft>
+                <a:spcPts val="0"/>
+              </a:spcAft>
+              <a:buClr>
+                <a:srgbClr val="000000"/>
+              </a:buClr>
+              <a:buFont typeface="Arial"/>
+              <a:defRPr sz="1400" b="0" i="0" u="none" strike="noStrike" cap="none">
+                <a:solidFill>
+                  <a:srgbClr val="000000"/>
+                </a:solidFill>
+                <a:latin typeface="Arial"/>
+                <a:ea typeface="Arial"/>
+                <a:cs typeface="Arial"/>
+                <a:sym typeface="Arial"/>
+              </a:defRPr>
+            </a:lvl4pPr>
+            <a:lvl5pPr marR="0" lvl="4" algn="l" rtl="0">
+              <a:lnSpc>
+                <a:spcPct val="100000"/>
+              </a:lnSpc>
+              <a:spcBef>
+                <a:spcPts val="0"/>
+              </a:spcBef>
+              <a:spcAft>
+                <a:spcPts val="0"/>
+              </a:spcAft>
+              <a:buClr>
+                <a:srgbClr val="000000"/>
+              </a:buClr>
+              <a:buFont typeface="Arial"/>
+              <a:defRPr sz="1400" b="0" i="0" u="none" strike="noStrike" cap="none">
+                <a:solidFill>
+                  <a:srgbClr val="000000"/>
+                </a:solidFill>
+                <a:latin typeface="Arial"/>
+                <a:ea typeface="Arial"/>
+                <a:cs typeface="Arial"/>
+                <a:sym typeface="Arial"/>
+              </a:defRPr>
+            </a:lvl5pPr>
+            <a:lvl6pPr marR="0" lvl="5" algn="l" rtl="0">
+              <a:lnSpc>
+                <a:spcPct val="100000"/>
+              </a:lnSpc>
+              <a:spcBef>
+                <a:spcPts val="0"/>
+              </a:spcBef>
+              <a:spcAft>
+                <a:spcPts val="0"/>
+              </a:spcAft>
+              <a:buClr>
+                <a:srgbClr val="000000"/>
+              </a:buClr>
+              <a:buFont typeface="Arial"/>
+              <a:defRPr sz="1400" b="0" i="0" u="none" strike="noStrike" cap="none">
+                <a:solidFill>
+                  <a:srgbClr val="000000"/>
+                </a:solidFill>
+                <a:latin typeface="Arial"/>
+                <a:ea typeface="Arial"/>
+                <a:cs typeface="Arial"/>
+                <a:sym typeface="Arial"/>
+              </a:defRPr>
+            </a:lvl6pPr>
+            <a:lvl7pPr marR="0" lvl="6" algn="l" rtl="0">
+              <a:lnSpc>
+                <a:spcPct val="100000"/>
+              </a:lnSpc>
+              <a:spcBef>
+                <a:spcPts val="0"/>
+              </a:spcBef>
+              <a:spcAft>
+                <a:spcPts val="0"/>
+              </a:spcAft>
+              <a:buClr>
+                <a:srgbClr val="000000"/>
+              </a:buClr>
+              <a:buFont typeface="Arial"/>
+              <a:defRPr sz="1400" b="0" i="0" u="none" strike="noStrike" cap="none">
+                <a:solidFill>
+                  <a:srgbClr val="000000"/>
+                </a:solidFill>
+                <a:latin typeface="Arial"/>
+                <a:ea typeface="Arial"/>
+                <a:cs typeface="Arial"/>
+                <a:sym typeface="Arial"/>
+              </a:defRPr>
+            </a:lvl7pPr>
+            <a:lvl8pPr marR="0" lvl="7" algn="l" rtl="0">
+              <a:lnSpc>
+                <a:spcPct val="100000"/>
+              </a:lnSpc>
+              <a:spcBef>
+                <a:spcPts val="0"/>
+              </a:spcBef>
+              <a:spcAft>
+                <a:spcPts val="0"/>
+              </a:spcAft>
+              <a:buClr>
+                <a:srgbClr val="000000"/>
+              </a:buClr>
+              <a:buFont typeface="Arial"/>
+              <a:defRPr sz="1400" b="0" i="0" u="none" strike="noStrike" cap="none">
+                <a:solidFill>
+                  <a:srgbClr val="000000"/>
+                </a:solidFill>
+                <a:latin typeface="Arial"/>
+                <a:ea typeface="Arial"/>
+                <a:cs typeface="Arial"/>
+                <a:sym typeface="Arial"/>
+              </a:defRPr>
+            </a:lvl8pPr>
+            <a:lvl9pPr marR="0" lvl="8" algn="l" rtl="0">
+              <a:lnSpc>
+                <a:spcPct val="100000"/>
+              </a:lnSpc>
+              <a:spcBef>
+                <a:spcPts val="0"/>
+              </a:spcBef>
+              <a:spcAft>
+                <a:spcPts val="0"/>
+              </a:spcAft>
+              <a:buClr>
+                <a:srgbClr val="000000"/>
+              </a:buClr>
+              <a:buFont typeface="Arial"/>
+              <a:defRPr sz="1400" b="0" i="0" u="none" strike="noStrike" cap="none">
+                <a:solidFill>
+                  <a:srgbClr val="000000"/>
+                </a:solidFill>
+                <a:latin typeface="Arial"/>
+                <a:ea typeface="Arial"/>
+                <a:cs typeface="Arial"/>
+                <a:sym typeface="Arial"/>
+              </a:defRPr>
+            </a:lvl9pPr>
+          </a:lstStyle>
+          <a:p>
+            <a:pPr algn="ctr"/>
+            <a:r>
+              <a:rPr lang="it-IT" sz="1100" dirty="0">
+                <a:solidFill>
+                  <a:schemeClr val="bg1"/>
+                </a:solidFill>
+              </a:rPr>
+              <a:t>Distruzione della coda</a:t>
+            </a:r>
+          </a:p>
+        </p:txBody>
+      </p:sp>
     </p:spTree>
     <p:extLst>
       <p:ext uri="{BB962C8B-B14F-4D97-AF65-F5344CB8AC3E}">
@@ -9743,6 +12910,411 @@
           </a:effectLst>
         </p:spPr>
       </p:cxnSp>
+      <p:pic>
+        <p:nvPicPr>
+          <p:cNvPr id="3" name="Immagine 2" descr="Immagine che contiene testo, schermata, Carattere&#10;&#10;Descrizione generata automaticamente">
+            <a:extLst>
+              <a:ext uri="{FF2B5EF4-FFF2-40B4-BE49-F238E27FC236}">
+                <a16:creationId xmlns:a16="http://schemas.microsoft.com/office/drawing/2014/main" id="{9C4E057C-C086-7D49-F0BC-724B7DECD5BD}"/>
+              </a:ext>
+            </a:extLst>
+          </p:cNvPr>
+          <p:cNvPicPr>
+            <a:picLocks noChangeAspect="1"/>
+          </p:cNvPicPr>
+          <p:nvPr/>
+        </p:nvPicPr>
+        <p:blipFill>
+          <a:blip r:embed="rId3"/>
+          <a:stretch>
+            <a:fillRect/>
+          </a:stretch>
+        </p:blipFill>
+        <p:spPr>
+          <a:xfrm>
+            <a:off x="938500" y="1807126"/>
+            <a:ext cx="3656953" cy="2150657"/>
+          </a:xfrm>
+          <a:prstGeom prst="rect">
+            <a:avLst/>
+          </a:prstGeom>
+        </p:spPr>
+      </p:pic>
+      <p:sp>
+        <p:nvSpPr>
+          <p:cNvPr id="4" name="Google Shape;184;p40">
+            <a:extLst>
+              <a:ext uri="{FF2B5EF4-FFF2-40B4-BE49-F238E27FC236}">
+                <a16:creationId xmlns:a16="http://schemas.microsoft.com/office/drawing/2014/main" id="{5E107992-4835-53FF-E5E9-04A09E14CE15}"/>
+              </a:ext>
+            </a:extLst>
+          </p:cNvPr>
+          <p:cNvSpPr txBox="1">
+            <a:spLocks/>
+          </p:cNvSpPr>
+          <p:nvPr/>
+        </p:nvSpPr>
+        <p:spPr>
+          <a:xfrm>
+            <a:off x="4828309" y="1807125"/>
+            <a:ext cx="3377191" cy="2150657"/>
+          </a:xfrm>
+          <a:prstGeom prst="rect">
+            <a:avLst/>
+          </a:prstGeom>
+        </p:spPr>
+        <p:txBody>
+          <a:bodyPr spcFirstLastPara="1" wrap="square" lIns="91425" tIns="91425" rIns="91425" bIns="91425" anchor="t" anchorCtr="0">
+            <a:noAutofit/>
+          </a:bodyPr>
+          <a:lstStyle>
+            <a:defPPr marR="0" lvl="0" algn="l" rtl="0">
+              <a:lnSpc>
+                <a:spcPct val="100000"/>
+              </a:lnSpc>
+              <a:spcBef>
+                <a:spcPts val="0"/>
+              </a:spcBef>
+              <a:spcAft>
+                <a:spcPts val="0"/>
+              </a:spcAft>
+            </a:defPPr>
+            <a:lvl1pPr marR="0" lvl="0" algn="l" rtl="0">
+              <a:lnSpc>
+                <a:spcPct val="100000"/>
+              </a:lnSpc>
+              <a:spcBef>
+                <a:spcPts val="0"/>
+              </a:spcBef>
+              <a:spcAft>
+                <a:spcPts val="0"/>
+              </a:spcAft>
+              <a:buClr>
+                <a:srgbClr val="000000"/>
+              </a:buClr>
+              <a:buFont typeface="Arial"/>
+              <a:defRPr sz="1400" b="0" i="0" u="none" strike="noStrike" cap="none">
+                <a:solidFill>
+                  <a:srgbClr val="000000"/>
+                </a:solidFill>
+                <a:latin typeface="Arial"/>
+                <a:ea typeface="Arial"/>
+                <a:cs typeface="Arial"/>
+                <a:sym typeface="Arial"/>
+              </a:defRPr>
+            </a:lvl1pPr>
+            <a:lvl2pPr marR="0" lvl="1" algn="l" rtl="0">
+              <a:lnSpc>
+                <a:spcPct val="100000"/>
+              </a:lnSpc>
+              <a:spcBef>
+                <a:spcPts val="0"/>
+              </a:spcBef>
+              <a:spcAft>
+                <a:spcPts val="0"/>
+              </a:spcAft>
+              <a:buClr>
+                <a:srgbClr val="000000"/>
+              </a:buClr>
+              <a:buFont typeface="Arial"/>
+              <a:defRPr sz="1400" b="0" i="0" u="none" strike="noStrike" cap="none">
+                <a:solidFill>
+                  <a:srgbClr val="000000"/>
+                </a:solidFill>
+                <a:latin typeface="Arial"/>
+                <a:ea typeface="Arial"/>
+                <a:cs typeface="Arial"/>
+                <a:sym typeface="Arial"/>
+              </a:defRPr>
+            </a:lvl2pPr>
+            <a:lvl3pPr marR="0" lvl="2" algn="l" rtl="0">
+              <a:lnSpc>
+                <a:spcPct val="100000"/>
+              </a:lnSpc>
+              <a:spcBef>
+                <a:spcPts val="0"/>
+              </a:spcBef>
+              <a:spcAft>
+                <a:spcPts val="0"/>
+              </a:spcAft>
+              <a:buClr>
+                <a:srgbClr val="000000"/>
+              </a:buClr>
+              <a:buFont typeface="Arial"/>
+              <a:defRPr sz="1400" b="0" i="0" u="none" strike="noStrike" cap="none">
+                <a:solidFill>
+                  <a:srgbClr val="000000"/>
+                </a:solidFill>
+                <a:latin typeface="Arial"/>
+                <a:ea typeface="Arial"/>
+                <a:cs typeface="Arial"/>
+                <a:sym typeface="Arial"/>
+              </a:defRPr>
+            </a:lvl3pPr>
+            <a:lvl4pPr marR="0" lvl="3" algn="l" rtl="0">
+              <a:lnSpc>
+                <a:spcPct val="100000"/>
+              </a:lnSpc>
+              <a:spcBef>
+                <a:spcPts val="0"/>
+              </a:spcBef>
+              <a:spcAft>
+                <a:spcPts val="0"/>
+              </a:spcAft>
+              <a:buClr>
+                <a:srgbClr val="000000"/>
+              </a:buClr>
+              <a:buFont typeface="Arial"/>
+              <a:defRPr sz="1400" b="0" i="0" u="none" strike="noStrike" cap="none">
+                <a:solidFill>
+                  <a:srgbClr val="000000"/>
+                </a:solidFill>
+                <a:latin typeface="Arial"/>
+                <a:ea typeface="Arial"/>
+                <a:cs typeface="Arial"/>
+                <a:sym typeface="Arial"/>
+              </a:defRPr>
+            </a:lvl4pPr>
+            <a:lvl5pPr marR="0" lvl="4" algn="l" rtl="0">
+              <a:lnSpc>
+                <a:spcPct val="100000"/>
+              </a:lnSpc>
+              <a:spcBef>
+                <a:spcPts val="0"/>
+              </a:spcBef>
+              <a:spcAft>
+                <a:spcPts val="0"/>
+              </a:spcAft>
+              <a:buClr>
+                <a:srgbClr val="000000"/>
+              </a:buClr>
+              <a:buFont typeface="Arial"/>
+              <a:defRPr sz="1400" b="0" i="0" u="none" strike="noStrike" cap="none">
+                <a:solidFill>
+                  <a:srgbClr val="000000"/>
+                </a:solidFill>
+                <a:latin typeface="Arial"/>
+                <a:ea typeface="Arial"/>
+                <a:cs typeface="Arial"/>
+                <a:sym typeface="Arial"/>
+              </a:defRPr>
+            </a:lvl5pPr>
+            <a:lvl6pPr marR="0" lvl="5" algn="l" rtl="0">
+              <a:lnSpc>
+                <a:spcPct val="100000"/>
+              </a:lnSpc>
+              <a:spcBef>
+                <a:spcPts val="0"/>
+              </a:spcBef>
+              <a:spcAft>
+                <a:spcPts val="0"/>
+              </a:spcAft>
+              <a:buClr>
+                <a:srgbClr val="000000"/>
+              </a:buClr>
+              <a:buFont typeface="Arial"/>
+              <a:defRPr sz="1400" b="0" i="0" u="none" strike="noStrike" cap="none">
+                <a:solidFill>
+                  <a:srgbClr val="000000"/>
+                </a:solidFill>
+                <a:latin typeface="Arial"/>
+                <a:ea typeface="Arial"/>
+                <a:cs typeface="Arial"/>
+                <a:sym typeface="Arial"/>
+              </a:defRPr>
+            </a:lvl6pPr>
+            <a:lvl7pPr marR="0" lvl="6" algn="l" rtl="0">
+              <a:lnSpc>
+                <a:spcPct val="100000"/>
+              </a:lnSpc>
+              <a:spcBef>
+                <a:spcPts val="0"/>
+              </a:spcBef>
+              <a:spcAft>
+                <a:spcPts val="0"/>
+              </a:spcAft>
+              <a:buClr>
+                <a:srgbClr val="000000"/>
+              </a:buClr>
+              <a:buFont typeface="Arial"/>
+              <a:defRPr sz="1400" b="0" i="0" u="none" strike="noStrike" cap="none">
+                <a:solidFill>
+                  <a:srgbClr val="000000"/>
+                </a:solidFill>
+                <a:latin typeface="Arial"/>
+                <a:ea typeface="Arial"/>
+                <a:cs typeface="Arial"/>
+                <a:sym typeface="Arial"/>
+              </a:defRPr>
+            </a:lvl7pPr>
+            <a:lvl8pPr marR="0" lvl="7" algn="l" rtl="0">
+              <a:lnSpc>
+                <a:spcPct val="100000"/>
+              </a:lnSpc>
+              <a:spcBef>
+                <a:spcPts val="0"/>
+              </a:spcBef>
+              <a:spcAft>
+                <a:spcPts val="0"/>
+              </a:spcAft>
+              <a:buClr>
+                <a:srgbClr val="000000"/>
+              </a:buClr>
+              <a:buFont typeface="Arial"/>
+              <a:defRPr sz="1400" b="0" i="0" u="none" strike="noStrike" cap="none">
+                <a:solidFill>
+                  <a:srgbClr val="000000"/>
+                </a:solidFill>
+                <a:latin typeface="Arial"/>
+                <a:ea typeface="Arial"/>
+                <a:cs typeface="Arial"/>
+                <a:sym typeface="Arial"/>
+              </a:defRPr>
+            </a:lvl8pPr>
+            <a:lvl9pPr marR="0" lvl="8" algn="l" rtl="0">
+              <a:lnSpc>
+                <a:spcPct val="100000"/>
+              </a:lnSpc>
+              <a:spcBef>
+                <a:spcPts val="0"/>
+              </a:spcBef>
+              <a:spcAft>
+                <a:spcPts val="0"/>
+              </a:spcAft>
+              <a:buClr>
+                <a:srgbClr val="000000"/>
+              </a:buClr>
+              <a:buFont typeface="Arial"/>
+              <a:defRPr sz="1400" b="0" i="0" u="none" strike="noStrike" cap="none">
+                <a:solidFill>
+                  <a:srgbClr val="000000"/>
+                </a:solidFill>
+                <a:latin typeface="Arial"/>
+                <a:ea typeface="Arial"/>
+                <a:cs typeface="Arial"/>
+                <a:sym typeface="Arial"/>
+              </a:defRPr>
+            </a:lvl9pPr>
+          </a:lstStyle>
+          <a:p>
+            <a:pPr algn="ctr"/>
+            <a:r>
+              <a:rPr lang="it-IT" sz="1100" dirty="0">
+                <a:solidFill>
+                  <a:schemeClr val="bg1"/>
+                </a:solidFill>
+              </a:rPr>
+              <a:t>La </a:t>
+            </a:r>
+            <a:r>
+              <a:rPr lang="it-IT" sz="1100" dirty="0" err="1">
+                <a:solidFill>
+                  <a:schemeClr val="bg1"/>
+                </a:solidFill>
+              </a:rPr>
+              <a:t>push</a:t>
+            </a:r>
+            <a:r>
+              <a:rPr lang="it-IT" sz="1100" dirty="0">
+                <a:solidFill>
+                  <a:schemeClr val="bg1"/>
+                </a:solidFill>
+              </a:rPr>
+              <a:t> e la pull sono le due funzioni base per l’inserimento e rimozione di un elemento dalla coda.</a:t>
+            </a:r>
+            <a:br>
+              <a:rPr lang="it-IT" sz="1100" dirty="0">
+                <a:solidFill>
+                  <a:schemeClr val="bg1"/>
+                </a:solidFill>
+              </a:rPr>
+            </a:br>
+            <a:endParaRPr lang="it-IT" sz="1100" dirty="0">
+              <a:solidFill>
+                <a:schemeClr val="bg1"/>
+              </a:solidFill>
+            </a:endParaRPr>
+          </a:p>
+          <a:p>
+            <a:pPr algn="ctr"/>
+            <a:r>
+              <a:rPr lang="it-IT" sz="1100" dirty="0">
+                <a:solidFill>
+                  <a:schemeClr val="bg1"/>
+                </a:solidFill>
+              </a:rPr>
+              <a:t>Entrambe le funzioni utilizzano meccanismi di sincronizzazione per garantire la </a:t>
+            </a:r>
+            <a:r>
+              <a:rPr lang="it-IT" sz="1100" dirty="0" err="1">
+                <a:solidFill>
+                  <a:schemeClr val="bg1"/>
+                </a:solidFill>
+              </a:rPr>
+              <a:t>thread-safety</a:t>
+            </a:r>
+            <a:r>
+              <a:rPr lang="it-IT" sz="1100" dirty="0">
+                <a:solidFill>
+                  <a:schemeClr val="bg1"/>
+                </a:solidFill>
+              </a:rPr>
+              <a:t>.</a:t>
+            </a:r>
+          </a:p>
+          <a:p>
+            <a:pPr algn="ctr"/>
+            <a:endParaRPr lang="it-IT" sz="1100" dirty="0">
+              <a:solidFill>
+                <a:schemeClr val="bg1"/>
+              </a:solidFill>
+            </a:endParaRPr>
+          </a:p>
+          <a:p>
+            <a:pPr algn="ctr"/>
+            <a:r>
+              <a:rPr lang="it-IT" sz="1100" dirty="0">
+                <a:solidFill>
+                  <a:schemeClr val="bg1"/>
+                </a:solidFill>
+              </a:rPr>
+              <a:t>La posizione di inserimento e rimozione degli elementi nella coda dipende dalla politica di scheduling scelta e sarà vista meglio quando analizzeremo le funzioni </a:t>
+            </a:r>
+            <a:r>
+              <a:rPr lang="it-IT" sz="1100" dirty="0" err="1">
+                <a:solidFill>
+                  <a:schemeClr val="bg1"/>
+                </a:solidFill>
+              </a:rPr>
+              <a:t>add_element_to_queue</a:t>
+            </a:r>
+            <a:r>
+              <a:rPr lang="it-IT" sz="1100" dirty="0">
+                <a:solidFill>
+                  <a:schemeClr val="bg1"/>
+                </a:solidFill>
+              </a:rPr>
+              <a:t> e </a:t>
+            </a:r>
+            <a:r>
+              <a:rPr lang="it-IT" sz="1100" dirty="0" err="1">
+                <a:solidFill>
+                  <a:schemeClr val="bg1"/>
+                </a:solidFill>
+              </a:rPr>
+              <a:t>remove_element_to_queue</a:t>
+            </a:r>
+            <a:r>
+              <a:rPr lang="it-IT" sz="1100" dirty="0">
+                <a:solidFill>
+                  <a:schemeClr val="bg1"/>
+                </a:solidFill>
+              </a:rPr>
+              <a:t> </a:t>
+            </a:r>
+          </a:p>
+        </p:txBody>
+      </p:sp>
     </p:spTree>
     <p:extLst>
       <p:ext uri="{BB962C8B-B14F-4D97-AF65-F5344CB8AC3E}">
@@ -9859,6 +13431,397 @@
           </a:effectLst>
         </p:spPr>
       </p:cxnSp>
+      <p:pic>
+        <p:nvPicPr>
+          <p:cNvPr id="3" name="Immagine 2" descr="Immagine che contiene testo, schermata, Carattere&#10;&#10;Descrizione generata automaticamente">
+            <a:extLst>
+              <a:ext uri="{FF2B5EF4-FFF2-40B4-BE49-F238E27FC236}">
+                <a16:creationId xmlns:a16="http://schemas.microsoft.com/office/drawing/2014/main" id="{D2CADFBD-56C7-B57E-32F3-548C3DD047AD}"/>
+              </a:ext>
+            </a:extLst>
+          </p:cNvPr>
+          <p:cNvPicPr>
+            <a:picLocks noChangeAspect="1"/>
+          </p:cNvPicPr>
+          <p:nvPr/>
+        </p:nvPicPr>
+        <p:blipFill>
+          <a:blip r:embed="rId3"/>
+          <a:stretch>
+            <a:fillRect/>
+          </a:stretch>
+        </p:blipFill>
+        <p:spPr>
+          <a:xfrm>
+            <a:off x="849943" y="1417427"/>
+            <a:ext cx="4059391" cy="2339649"/>
+          </a:xfrm>
+          <a:prstGeom prst="rect">
+            <a:avLst/>
+          </a:prstGeom>
+        </p:spPr>
+      </p:pic>
+      <p:pic>
+        <p:nvPicPr>
+          <p:cNvPr id="5" name="Immagine 4" descr="Immagine che contiene testo, schermata, Carattere&#10;&#10;Descrizione generata automaticamente">
+            <a:extLst>
+              <a:ext uri="{FF2B5EF4-FFF2-40B4-BE49-F238E27FC236}">
+                <a16:creationId xmlns:a16="http://schemas.microsoft.com/office/drawing/2014/main" id="{F5EB547F-ECB6-A63F-94C7-A5DC28BB7ECC}"/>
+              </a:ext>
+            </a:extLst>
+          </p:cNvPr>
+          <p:cNvPicPr>
+            <a:picLocks noChangeAspect="1"/>
+          </p:cNvPicPr>
+          <p:nvPr/>
+        </p:nvPicPr>
+        <p:blipFill>
+          <a:blip r:embed="rId4"/>
+          <a:stretch>
+            <a:fillRect/>
+          </a:stretch>
+        </p:blipFill>
+        <p:spPr>
+          <a:xfrm>
+            <a:off x="5234853" y="1386425"/>
+            <a:ext cx="3059204" cy="2483923"/>
+          </a:xfrm>
+          <a:prstGeom prst="rect">
+            <a:avLst/>
+          </a:prstGeom>
+        </p:spPr>
+      </p:pic>
+      <p:sp>
+        <p:nvSpPr>
+          <p:cNvPr id="6" name="Google Shape;184;p40">
+            <a:extLst>
+              <a:ext uri="{FF2B5EF4-FFF2-40B4-BE49-F238E27FC236}">
+                <a16:creationId xmlns:a16="http://schemas.microsoft.com/office/drawing/2014/main" id="{D576CE83-CB7C-32C0-55C4-266C896FCEA1}"/>
+              </a:ext>
+            </a:extLst>
+          </p:cNvPr>
+          <p:cNvSpPr txBox="1">
+            <a:spLocks/>
+          </p:cNvSpPr>
+          <p:nvPr/>
+        </p:nvSpPr>
+        <p:spPr>
+          <a:xfrm>
+            <a:off x="849943" y="4027237"/>
+            <a:ext cx="7444114" cy="1008890"/>
+          </a:xfrm>
+          <a:prstGeom prst="rect">
+            <a:avLst/>
+          </a:prstGeom>
+          <a:solidFill>
+            <a:schemeClr val="tx1"/>
+          </a:solidFill>
+        </p:spPr>
+        <p:txBody>
+          <a:bodyPr spcFirstLastPara="1" wrap="square" lIns="91425" tIns="91425" rIns="91425" bIns="91425" anchor="t" anchorCtr="0">
+            <a:noAutofit/>
+          </a:bodyPr>
+          <a:lstStyle>
+            <a:defPPr marR="0" lvl="0" algn="l" rtl="0">
+              <a:lnSpc>
+                <a:spcPct val="100000"/>
+              </a:lnSpc>
+              <a:spcBef>
+                <a:spcPts val="0"/>
+              </a:spcBef>
+              <a:spcAft>
+                <a:spcPts val="0"/>
+              </a:spcAft>
+            </a:defPPr>
+            <a:lvl1pPr marR="0" lvl="0" algn="l" rtl="0">
+              <a:lnSpc>
+                <a:spcPct val="100000"/>
+              </a:lnSpc>
+              <a:spcBef>
+                <a:spcPts val="0"/>
+              </a:spcBef>
+              <a:spcAft>
+                <a:spcPts val="0"/>
+              </a:spcAft>
+              <a:buClr>
+                <a:srgbClr val="000000"/>
+              </a:buClr>
+              <a:buFont typeface="Arial"/>
+              <a:defRPr sz="1400" b="0" i="0" u="none" strike="noStrike" cap="none">
+                <a:solidFill>
+                  <a:srgbClr val="000000"/>
+                </a:solidFill>
+                <a:latin typeface="Arial"/>
+                <a:ea typeface="Arial"/>
+                <a:cs typeface="Arial"/>
+                <a:sym typeface="Arial"/>
+              </a:defRPr>
+            </a:lvl1pPr>
+            <a:lvl2pPr marR="0" lvl="1" algn="l" rtl="0">
+              <a:lnSpc>
+                <a:spcPct val="100000"/>
+              </a:lnSpc>
+              <a:spcBef>
+                <a:spcPts val="0"/>
+              </a:spcBef>
+              <a:spcAft>
+                <a:spcPts val="0"/>
+              </a:spcAft>
+              <a:buClr>
+                <a:srgbClr val="000000"/>
+              </a:buClr>
+              <a:buFont typeface="Arial"/>
+              <a:defRPr sz="1400" b="0" i="0" u="none" strike="noStrike" cap="none">
+                <a:solidFill>
+                  <a:srgbClr val="000000"/>
+                </a:solidFill>
+                <a:latin typeface="Arial"/>
+                <a:ea typeface="Arial"/>
+                <a:cs typeface="Arial"/>
+                <a:sym typeface="Arial"/>
+              </a:defRPr>
+            </a:lvl2pPr>
+            <a:lvl3pPr marR="0" lvl="2" algn="l" rtl="0">
+              <a:lnSpc>
+                <a:spcPct val="100000"/>
+              </a:lnSpc>
+              <a:spcBef>
+                <a:spcPts val="0"/>
+              </a:spcBef>
+              <a:spcAft>
+                <a:spcPts val="0"/>
+              </a:spcAft>
+              <a:buClr>
+                <a:srgbClr val="000000"/>
+              </a:buClr>
+              <a:buFont typeface="Arial"/>
+              <a:defRPr sz="1400" b="0" i="0" u="none" strike="noStrike" cap="none">
+                <a:solidFill>
+                  <a:srgbClr val="000000"/>
+                </a:solidFill>
+                <a:latin typeface="Arial"/>
+                <a:ea typeface="Arial"/>
+                <a:cs typeface="Arial"/>
+                <a:sym typeface="Arial"/>
+              </a:defRPr>
+            </a:lvl3pPr>
+            <a:lvl4pPr marR="0" lvl="3" algn="l" rtl="0">
+              <a:lnSpc>
+                <a:spcPct val="100000"/>
+              </a:lnSpc>
+              <a:spcBef>
+                <a:spcPts val="0"/>
+              </a:spcBef>
+              <a:spcAft>
+                <a:spcPts val="0"/>
+              </a:spcAft>
+              <a:buClr>
+                <a:srgbClr val="000000"/>
+              </a:buClr>
+              <a:buFont typeface="Arial"/>
+              <a:defRPr sz="1400" b="0" i="0" u="none" strike="noStrike" cap="none">
+                <a:solidFill>
+                  <a:srgbClr val="000000"/>
+                </a:solidFill>
+                <a:latin typeface="Arial"/>
+                <a:ea typeface="Arial"/>
+                <a:cs typeface="Arial"/>
+                <a:sym typeface="Arial"/>
+              </a:defRPr>
+            </a:lvl4pPr>
+            <a:lvl5pPr marR="0" lvl="4" algn="l" rtl="0">
+              <a:lnSpc>
+                <a:spcPct val="100000"/>
+              </a:lnSpc>
+              <a:spcBef>
+                <a:spcPts val="0"/>
+              </a:spcBef>
+              <a:spcAft>
+                <a:spcPts val="0"/>
+              </a:spcAft>
+              <a:buClr>
+                <a:srgbClr val="000000"/>
+              </a:buClr>
+              <a:buFont typeface="Arial"/>
+              <a:defRPr sz="1400" b="0" i="0" u="none" strike="noStrike" cap="none">
+                <a:solidFill>
+                  <a:srgbClr val="000000"/>
+                </a:solidFill>
+                <a:latin typeface="Arial"/>
+                <a:ea typeface="Arial"/>
+                <a:cs typeface="Arial"/>
+                <a:sym typeface="Arial"/>
+              </a:defRPr>
+            </a:lvl5pPr>
+            <a:lvl6pPr marR="0" lvl="5" algn="l" rtl="0">
+              <a:lnSpc>
+                <a:spcPct val="100000"/>
+              </a:lnSpc>
+              <a:spcBef>
+                <a:spcPts val="0"/>
+              </a:spcBef>
+              <a:spcAft>
+                <a:spcPts val="0"/>
+              </a:spcAft>
+              <a:buClr>
+                <a:srgbClr val="000000"/>
+              </a:buClr>
+              <a:buFont typeface="Arial"/>
+              <a:defRPr sz="1400" b="0" i="0" u="none" strike="noStrike" cap="none">
+                <a:solidFill>
+                  <a:srgbClr val="000000"/>
+                </a:solidFill>
+                <a:latin typeface="Arial"/>
+                <a:ea typeface="Arial"/>
+                <a:cs typeface="Arial"/>
+                <a:sym typeface="Arial"/>
+              </a:defRPr>
+            </a:lvl6pPr>
+            <a:lvl7pPr marR="0" lvl="6" algn="l" rtl="0">
+              <a:lnSpc>
+                <a:spcPct val="100000"/>
+              </a:lnSpc>
+              <a:spcBef>
+                <a:spcPts val="0"/>
+              </a:spcBef>
+              <a:spcAft>
+                <a:spcPts val="0"/>
+              </a:spcAft>
+              <a:buClr>
+                <a:srgbClr val="000000"/>
+              </a:buClr>
+              <a:buFont typeface="Arial"/>
+              <a:defRPr sz="1400" b="0" i="0" u="none" strike="noStrike" cap="none">
+                <a:solidFill>
+                  <a:srgbClr val="000000"/>
+                </a:solidFill>
+                <a:latin typeface="Arial"/>
+                <a:ea typeface="Arial"/>
+                <a:cs typeface="Arial"/>
+                <a:sym typeface="Arial"/>
+              </a:defRPr>
+            </a:lvl7pPr>
+            <a:lvl8pPr marR="0" lvl="7" algn="l" rtl="0">
+              <a:lnSpc>
+                <a:spcPct val="100000"/>
+              </a:lnSpc>
+              <a:spcBef>
+                <a:spcPts val="0"/>
+              </a:spcBef>
+              <a:spcAft>
+                <a:spcPts val="0"/>
+              </a:spcAft>
+              <a:buClr>
+                <a:srgbClr val="000000"/>
+              </a:buClr>
+              <a:buFont typeface="Arial"/>
+              <a:defRPr sz="1400" b="0" i="0" u="none" strike="noStrike" cap="none">
+                <a:solidFill>
+                  <a:srgbClr val="000000"/>
+                </a:solidFill>
+                <a:latin typeface="Arial"/>
+                <a:ea typeface="Arial"/>
+                <a:cs typeface="Arial"/>
+                <a:sym typeface="Arial"/>
+              </a:defRPr>
+            </a:lvl8pPr>
+            <a:lvl9pPr marR="0" lvl="8" algn="l" rtl="0">
+              <a:lnSpc>
+                <a:spcPct val="100000"/>
+              </a:lnSpc>
+              <a:spcBef>
+                <a:spcPts val="0"/>
+              </a:spcBef>
+              <a:spcAft>
+                <a:spcPts val="0"/>
+              </a:spcAft>
+              <a:buClr>
+                <a:srgbClr val="000000"/>
+              </a:buClr>
+              <a:buFont typeface="Arial"/>
+              <a:defRPr sz="1400" b="0" i="0" u="none" strike="noStrike" cap="none">
+                <a:solidFill>
+                  <a:srgbClr val="000000"/>
+                </a:solidFill>
+                <a:latin typeface="Arial"/>
+                <a:ea typeface="Arial"/>
+                <a:cs typeface="Arial"/>
+                <a:sym typeface="Arial"/>
+              </a:defRPr>
+            </a:lvl9pPr>
+          </a:lstStyle>
+          <a:p>
+            <a:pPr algn="ctr"/>
+            <a:r>
+              <a:rPr lang="it-IT" sz="1100" dirty="0">
+                <a:solidFill>
+                  <a:schemeClr val="bg1"/>
+                </a:solidFill>
+              </a:rPr>
+              <a:t>Queste due funzioni lavorano insieme per garantire il funzionamento del meccanismo della aging </a:t>
+            </a:r>
+            <a:r>
+              <a:rPr lang="it-IT" sz="1100" dirty="0" err="1">
+                <a:solidFill>
+                  <a:schemeClr val="bg1"/>
+                </a:solidFill>
+              </a:rPr>
+              <a:t>priority</a:t>
+            </a:r>
+            <a:r>
+              <a:rPr lang="it-IT" sz="1100" dirty="0">
+                <a:solidFill>
+                  <a:schemeClr val="bg1"/>
+                </a:solidFill>
+              </a:rPr>
+              <a:t>.</a:t>
+            </a:r>
+          </a:p>
+          <a:p>
+            <a:pPr algn="ctr"/>
+            <a:r>
+              <a:rPr lang="it-IT" sz="1100" dirty="0">
+                <a:solidFill>
+                  <a:schemeClr val="bg1"/>
+                </a:solidFill>
+              </a:rPr>
+              <a:t>Il </a:t>
+            </a:r>
+            <a:r>
+              <a:rPr lang="it-IT" sz="1100" dirty="0" err="1">
+                <a:solidFill>
+                  <a:schemeClr val="bg1"/>
+                </a:solidFill>
+              </a:rPr>
+              <a:t>thread</a:t>
+            </a:r>
+            <a:r>
+              <a:rPr lang="it-IT" sz="1100" dirty="0">
+                <a:solidFill>
+                  <a:schemeClr val="bg1"/>
+                </a:solidFill>
+              </a:rPr>
+              <a:t> che si occupa dell’aging periodicamente chiama la funzione </a:t>
+            </a:r>
+            <a:r>
+              <a:rPr lang="it-IT" sz="1100" dirty="0" err="1">
+                <a:solidFill>
+                  <a:schemeClr val="bg1"/>
+                </a:solidFill>
+              </a:rPr>
+              <a:t>update_priorities</a:t>
+            </a:r>
+            <a:r>
+              <a:rPr lang="it-IT" sz="1100" dirty="0">
+                <a:solidFill>
+                  <a:schemeClr val="bg1"/>
+                </a:solidFill>
+              </a:rPr>
+              <a:t> che aumenta la variabile age di tutti gli elementi presenti in coda, qualora questi dovessero raggiungere un valore uguale a 10, allora anche la priorità aumenterebbe, questo semplice sistema garantisce che anche gli elementi più vecchi con priorità bassa, vedano, col passare del tempo, più possibilità di essere estratti</a:t>
+            </a:r>
+          </a:p>
+        </p:txBody>
+      </p:sp>
     </p:spTree>
     <p:extLst>
       <p:ext uri="{BB962C8B-B14F-4D97-AF65-F5344CB8AC3E}">
@@ -9964,6 +13927,66 @@
           </a:effectLst>
         </p:spPr>
       </p:cxnSp>
+      <p:pic>
+        <p:nvPicPr>
+          <p:cNvPr id="3" name="Immagine 2" descr="Immagine che contiene testo, schermata, Carattere&#10;&#10;Descrizione generata automaticamente">
+            <a:extLst>
+              <a:ext uri="{FF2B5EF4-FFF2-40B4-BE49-F238E27FC236}">
+                <a16:creationId xmlns:a16="http://schemas.microsoft.com/office/drawing/2014/main" id="{8525BC81-EF9B-2979-68C2-FDB47F0E77B2}"/>
+              </a:ext>
+            </a:extLst>
+          </p:cNvPr>
+          <p:cNvPicPr>
+            <a:picLocks noChangeAspect="1"/>
+          </p:cNvPicPr>
+          <p:nvPr/>
+        </p:nvPicPr>
+        <p:blipFill>
+          <a:blip r:embed="rId3"/>
+          <a:stretch>
+            <a:fillRect/>
+          </a:stretch>
+        </p:blipFill>
+        <p:spPr>
+          <a:xfrm>
+            <a:off x="679124" y="1417427"/>
+            <a:ext cx="3457152" cy="1835460"/>
+          </a:xfrm>
+          <a:prstGeom prst="rect">
+            <a:avLst/>
+          </a:prstGeom>
+        </p:spPr>
+      </p:pic>
+      <p:pic>
+        <p:nvPicPr>
+          <p:cNvPr id="5" name="Immagine 4" descr="Immagine che contiene testo, schermata, Carattere&#10;&#10;Descrizione generata automaticamente">
+            <a:extLst>
+              <a:ext uri="{FF2B5EF4-FFF2-40B4-BE49-F238E27FC236}">
+                <a16:creationId xmlns:a16="http://schemas.microsoft.com/office/drawing/2014/main" id="{815604E9-9F8F-300F-B018-636298B0A242}"/>
+              </a:ext>
+            </a:extLst>
+          </p:cNvPr>
+          <p:cNvPicPr>
+            <a:picLocks noChangeAspect="1"/>
+          </p:cNvPicPr>
+          <p:nvPr/>
+        </p:nvPicPr>
+        <p:blipFill>
+          <a:blip r:embed="rId4"/>
+          <a:stretch>
+            <a:fillRect/>
+          </a:stretch>
+        </p:blipFill>
+        <p:spPr>
+          <a:xfrm>
+            <a:off x="4375698" y="1417427"/>
+            <a:ext cx="4089178" cy="2339649"/>
+          </a:xfrm>
+          <a:prstGeom prst="rect">
+            <a:avLst/>
+          </a:prstGeom>
+        </p:spPr>
+      </p:pic>
     </p:spTree>
     <p:extLst>
       <p:ext uri="{BB962C8B-B14F-4D97-AF65-F5344CB8AC3E}">

--- a/presentation.pptx
+++ b/presentation.pptx
@@ -5,7 +5,7 @@
     <p:sldMasterId id="2147483683" r:id="rId1"/>
   </p:sldMasterIdLst>
   <p:notesMasterIdLst>
-    <p:notesMasterId r:id="rId20"/>
+    <p:notesMasterId r:id="rId21"/>
   </p:notesMasterIdLst>
   <p:sldIdLst>
     <p:sldId id="256" r:id="rId2"/>
@@ -26,21 +26,22 @@
     <p:sldId id="316" r:id="rId17"/>
     <p:sldId id="319" r:id="rId18"/>
     <p:sldId id="317" r:id="rId19"/>
+    <p:sldId id="320" r:id="rId20"/>
   </p:sldIdLst>
   <p:sldSz cx="9144000" cy="5143500" type="screen16x9"/>
   <p:notesSz cx="6858000" cy="9144000"/>
   <p:embeddedFontLst>
     <p:embeddedFont>
       <p:font typeface="Montserrat" panose="00000500000000000000" pitchFamily="2" charset="0"/>
-      <p:regular r:id="rId21"/>
-      <p:bold r:id="rId22"/>
-      <p:italic r:id="rId23"/>
-      <p:boldItalic r:id="rId24"/>
+      <p:regular r:id="rId22"/>
+      <p:bold r:id="rId23"/>
+      <p:italic r:id="rId24"/>
+      <p:boldItalic r:id="rId25"/>
     </p:embeddedFont>
     <p:embeddedFont>
       <p:font typeface="Montserrat ExtraBold" panose="00000900000000000000" pitchFamily="2" charset="0"/>
-      <p:bold r:id="rId25"/>
-      <p:boldItalic r:id="rId26"/>
+      <p:bold r:id="rId26"/>
+      <p:boldItalic r:id="rId27"/>
     </p:embeddedFont>
   </p:embeddedFontLst>
   <p:defaultTextStyle>
@@ -1797,6 +1798,115 @@
     <p:extLst>
       <p:ext uri="{BB962C8B-B14F-4D97-AF65-F5344CB8AC3E}">
         <p14:creationId xmlns:p14="http://schemas.microsoft.com/office/powerpoint/2010/main" val="133627942"/>
+      </p:ext>
+    </p:extLst>
+  </p:cSld>
+  <p:clrMapOvr>
+    <a:masterClrMapping/>
+  </p:clrMapOvr>
+</p:notes>
+</file>
+
+<file path=ppt/notesSlides/notesSlide19.xml><?xml version="1.0" encoding="utf-8"?>
+<p:notes xmlns:a="http://schemas.openxmlformats.org/drawingml/2006/main" xmlns:r="http://schemas.openxmlformats.org/officeDocument/2006/relationships" xmlns:p="http://schemas.openxmlformats.org/presentationml/2006/main" showMasterSp="0" showMasterPhAnim="0">
+  <p:cSld>
+    <p:spTree>
+      <p:nvGrpSpPr>
+        <p:cNvPr id="1" name="Shape 196"/>
+        <p:cNvGrpSpPr/>
+        <p:nvPr/>
+      </p:nvGrpSpPr>
+      <p:grpSpPr>
+        <a:xfrm>
+          <a:off x="0" y="0"/>
+          <a:ext cx="0" cy="0"/>
+          <a:chOff x="0" y="0"/>
+          <a:chExt cx="0" cy="0"/>
+        </a:xfrm>
+      </p:grpSpPr>
+      <p:sp>
+        <p:nvSpPr>
+          <p:cNvPr id="197" name="Google Shape;197;g7290233416_0_7:notes"/>
+          <p:cNvSpPr>
+            <a:spLocks noGrp="1" noRot="1" noChangeAspect="1"/>
+          </p:cNvSpPr>
+          <p:nvPr>
+            <p:ph type="sldImg" idx="2"/>
+          </p:nvPr>
+        </p:nvSpPr>
+        <p:spPr>
+          <a:xfrm>
+            <a:off x="381000" y="685800"/>
+            <a:ext cx="6096000" cy="3429000"/>
+          </a:xfrm>
+          <a:custGeom>
+            <a:avLst/>
+            <a:gdLst/>
+            <a:ahLst/>
+            <a:cxnLst/>
+            <a:rect l="l" t="t" r="r" b="b"/>
+            <a:pathLst>
+              <a:path w="120000" h="120000" extrusionOk="0">
+                <a:moveTo>
+                  <a:pt x="0" y="0"/>
+                </a:moveTo>
+                <a:lnTo>
+                  <a:pt x="120000" y="0"/>
+                </a:lnTo>
+                <a:lnTo>
+                  <a:pt x="120000" y="120000"/>
+                </a:lnTo>
+                <a:lnTo>
+                  <a:pt x="0" y="120000"/>
+                </a:lnTo>
+                <a:close/>
+              </a:path>
+            </a:pathLst>
+          </a:custGeom>
+        </p:spPr>
+      </p:sp>
+      <p:sp>
+        <p:nvSpPr>
+          <p:cNvPr id="198" name="Google Shape;198;g7290233416_0_7:notes"/>
+          <p:cNvSpPr txBox="1">
+            <a:spLocks noGrp="1"/>
+          </p:cNvSpPr>
+          <p:nvPr>
+            <p:ph type="body" idx="1"/>
+          </p:nvPr>
+        </p:nvSpPr>
+        <p:spPr>
+          <a:xfrm>
+            <a:off x="685800" y="4343400"/>
+            <a:ext cx="5486400" cy="4114800"/>
+          </a:xfrm>
+          <a:prstGeom prst="rect">
+            <a:avLst/>
+          </a:prstGeom>
+        </p:spPr>
+        <p:txBody>
+          <a:bodyPr spcFirstLastPara="1" wrap="square" lIns="91425" tIns="91425" rIns="91425" bIns="91425" anchor="t" anchorCtr="0">
+            <a:noAutofit/>
+          </a:bodyPr>
+          <a:lstStyle/>
+          <a:p>
+            <a:pPr marL="0" lvl="0" indent="0" algn="l" rtl="0">
+              <a:spcBef>
+                <a:spcPts val="0"/>
+              </a:spcBef>
+              <a:spcAft>
+                <a:spcPts val="0"/>
+              </a:spcAft>
+              <a:buNone/>
+            </a:pPr>
+            <a:endParaRPr/>
+          </a:p>
+        </p:txBody>
+      </p:sp>
+    </p:spTree>
+    <p:extLst>
+      <p:ext uri="{BB962C8B-B14F-4D97-AF65-F5344CB8AC3E}">
+        <p14:creationId xmlns:p14="http://schemas.microsoft.com/office/powerpoint/2010/main" val="70778287"/>
       </p:ext>
     </p:extLst>
   </p:cSld>
@@ -8454,7 +8564,7 @@
             </a:pPr>
             <a:r>
               <a:rPr lang="it-IT" sz="900" dirty="0" err="1"/>
-              <a:t>add_element_from_queue</a:t>
+              <a:t>add_element_to_queue</a:t>
             </a:r>
             <a:r>
               <a:rPr lang="it-IT" sz="900" dirty="0"/>
@@ -9920,36 +10030,6 @@
           </a:effectLst>
         </p:spPr>
       </p:cxnSp>
-      <p:pic>
-        <p:nvPicPr>
-          <p:cNvPr id="3" name="Immagine 2" descr="Immagine che contiene testo, schermata&#10;&#10;Descrizione generata automaticamente">
-            <a:extLst>
-              <a:ext uri="{FF2B5EF4-FFF2-40B4-BE49-F238E27FC236}">
-                <a16:creationId xmlns:a16="http://schemas.microsoft.com/office/drawing/2014/main" id="{1542E0C4-9ED4-A605-8DAA-BB3246B3A8B6}"/>
-              </a:ext>
-            </a:extLst>
-          </p:cNvPr>
-          <p:cNvPicPr>
-            <a:picLocks noChangeAspect="1"/>
-          </p:cNvPicPr>
-          <p:nvPr/>
-        </p:nvPicPr>
-        <p:blipFill>
-          <a:blip r:embed="rId3"/>
-          <a:stretch>
-            <a:fillRect/>
-          </a:stretch>
-        </p:blipFill>
-        <p:spPr>
-          <a:xfrm>
-            <a:off x="1026200" y="1087581"/>
-            <a:ext cx="3059252" cy="3812850"/>
-          </a:xfrm>
-          <a:prstGeom prst="rect">
-            <a:avLst/>
-          </a:prstGeom>
-        </p:spPr>
-      </p:pic>
       <p:sp>
         <p:nvSpPr>
           <p:cNvPr id="4" name="Google Shape;184;p40">
@@ -10337,6 +10417,36 @@
           </a:p>
         </p:txBody>
       </p:sp>
+      <p:pic>
+        <p:nvPicPr>
+          <p:cNvPr id="5" name="Immagine 4" descr="Immagine che contiene testo, schermata, software, Carattere&#10;&#10;Descrizione generata automaticamente">
+            <a:extLst>
+              <a:ext uri="{FF2B5EF4-FFF2-40B4-BE49-F238E27FC236}">
+                <a16:creationId xmlns:a16="http://schemas.microsoft.com/office/drawing/2014/main" id="{5D1D16B8-47AE-223E-6916-CBAEA88C8738}"/>
+              </a:ext>
+            </a:extLst>
+          </p:cNvPr>
+          <p:cNvPicPr>
+            <a:picLocks noChangeAspect="1"/>
+          </p:cNvPicPr>
+          <p:nvPr/>
+        </p:nvPicPr>
+        <p:blipFill>
+          <a:blip r:embed="rId3"/>
+          <a:stretch>
+            <a:fillRect/>
+          </a:stretch>
+        </p:blipFill>
+        <p:spPr>
+          <a:xfrm>
+            <a:off x="1333356" y="969819"/>
+            <a:ext cx="3238644" cy="4047087"/>
+          </a:xfrm>
+          <a:prstGeom prst="rect">
+            <a:avLst/>
+          </a:prstGeom>
+        </p:spPr>
+      </p:pic>
     </p:spTree>
     <p:extLst>
       <p:ext uri="{BB962C8B-B14F-4D97-AF65-F5344CB8AC3E}">
@@ -10442,10 +10552,438 @@
           </a:effectLst>
         </p:spPr>
       </p:cxnSp>
+      <p:pic>
+        <p:nvPicPr>
+          <p:cNvPr id="3" name="Immagine 2" descr="Immagine che contiene testo, Carattere, schermata, nero&#10;&#10;Descrizione generata automaticamente">
+            <a:extLst>
+              <a:ext uri="{FF2B5EF4-FFF2-40B4-BE49-F238E27FC236}">
+                <a16:creationId xmlns:a16="http://schemas.microsoft.com/office/drawing/2014/main" id="{F538B04A-1445-F06A-C1B8-6B8EF4A2A11F}"/>
+              </a:ext>
+            </a:extLst>
+          </p:cNvPr>
+          <p:cNvPicPr>
+            <a:picLocks noChangeAspect="1"/>
+          </p:cNvPicPr>
+          <p:nvPr/>
+        </p:nvPicPr>
+        <p:blipFill>
+          <a:blip r:embed="rId3"/>
+          <a:stretch>
+            <a:fillRect/>
+          </a:stretch>
+        </p:blipFill>
+        <p:spPr>
+          <a:xfrm>
+            <a:off x="938500" y="1618020"/>
+            <a:ext cx="4788922" cy="1369288"/>
+          </a:xfrm>
+          <a:prstGeom prst="rect">
+            <a:avLst/>
+          </a:prstGeom>
+        </p:spPr>
+      </p:pic>
+      <p:pic>
+        <p:nvPicPr>
+          <p:cNvPr id="5" name="Immagine 4" descr="Immagine che contiene testo, Carattere, schermata, nero&#10;&#10;Descrizione generata automaticamente">
+            <a:extLst>
+              <a:ext uri="{FF2B5EF4-FFF2-40B4-BE49-F238E27FC236}">
+                <a16:creationId xmlns:a16="http://schemas.microsoft.com/office/drawing/2014/main" id="{5EC8D691-A5D0-BE6E-17E2-E782ED963598}"/>
+              </a:ext>
+            </a:extLst>
+          </p:cNvPr>
+          <p:cNvPicPr>
+            <a:picLocks noChangeAspect="1"/>
+          </p:cNvPicPr>
+          <p:nvPr/>
+        </p:nvPicPr>
+        <p:blipFill>
+          <a:blip r:embed="rId4"/>
+          <a:stretch>
+            <a:fillRect/>
+          </a:stretch>
+        </p:blipFill>
+        <p:spPr>
+          <a:xfrm>
+            <a:off x="938500" y="3218903"/>
+            <a:ext cx="4788922" cy="1204273"/>
+          </a:xfrm>
+          <a:prstGeom prst="rect">
+            <a:avLst/>
+          </a:prstGeom>
+        </p:spPr>
+      </p:pic>
+      <p:sp>
+        <p:nvSpPr>
+          <p:cNvPr id="8" name="Google Shape;184;p40">
+            <a:extLst>
+              <a:ext uri="{FF2B5EF4-FFF2-40B4-BE49-F238E27FC236}">
+                <a16:creationId xmlns:a16="http://schemas.microsoft.com/office/drawing/2014/main" id="{438EF194-3059-2946-7205-2CD65183CDF8}"/>
+              </a:ext>
+            </a:extLst>
+          </p:cNvPr>
+          <p:cNvSpPr txBox="1">
+            <a:spLocks/>
+          </p:cNvSpPr>
+          <p:nvPr/>
+        </p:nvSpPr>
+        <p:spPr>
+          <a:xfrm>
+            <a:off x="6144491" y="1530688"/>
+            <a:ext cx="2382982" cy="3237886"/>
+          </a:xfrm>
+          <a:prstGeom prst="rect">
+            <a:avLst/>
+          </a:prstGeom>
+        </p:spPr>
+        <p:txBody>
+          <a:bodyPr spcFirstLastPara="1" wrap="square" lIns="91425" tIns="91425" rIns="91425" bIns="91425" anchor="t" anchorCtr="0">
+            <a:noAutofit/>
+          </a:bodyPr>
+          <a:lstStyle>
+            <a:defPPr marR="0" lvl="0" algn="l" rtl="0">
+              <a:lnSpc>
+                <a:spcPct val="100000"/>
+              </a:lnSpc>
+              <a:spcBef>
+                <a:spcPts val="0"/>
+              </a:spcBef>
+              <a:spcAft>
+                <a:spcPts val="0"/>
+              </a:spcAft>
+            </a:defPPr>
+            <a:lvl1pPr marR="0" lvl="0" algn="l" rtl="0">
+              <a:lnSpc>
+                <a:spcPct val="100000"/>
+              </a:lnSpc>
+              <a:spcBef>
+                <a:spcPts val="0"/>
+              </a:spcBef>
+              <a:spcAft>
+                <a:spcPts val="0"/>
+              </a:spcAft>
+              <a:buClr>
+                <a:srgbClr val="000000"/>
+              </a:buClr>
+              <a:buFont typeface="Arial"/>
+              <a:defRPr sz="1400" b="0" i="0" u="none" strike="noStrike" cap="none">
+                <a:solidFill>
+                  <a:srgbClr val="000000"/>
+                </a:solidFill>
+                <a:latin typeface="Arial"/>
+                <a:ea typeface="Arial"/>
+                <a:cs typeface="Arial"/>
+                <a:sym typeface="Arial"/>
+              </a:defRPr>
+            </a:lvl1pPr>
+            <a:lvl2pPr marR="0" lvl="1" algn="l" rtl="0">
+              <a:lnSpc>
+                <a:spcPct val="100000"/>
+              </a:lnSpc>
+              <a:spcBef>
+                <a:spcPts val="0"/>
+              </a:spcBef>
+              <a:spcAft>
+                <a:spcPts val="0"/>
+              </a:spcAft>
+              <a:buClr>
+                <a:srgbClr val="000000"/>
+              </a:buClr>
+              <a:buFont typeface="Arial"/>
+              <a:defRPr sz="1400" b="0" i="0" u="none" strike="noStrike" cap="none">
+                <a:solidFill>
+                  <a:srgbClr val="000000"/>
+                </a:solidFill>
+                <a:latin typeface="Arial"/>
+                <a:ea typeface="Arial"/>
+                <a:cs typeface="Arial"/>
+                <a:sym typeface="Arial"/>
+              </a:defRPr>
+            </a:lvl2pPr>
+            <a:lvl3pPr marR="0" lvl="2" algn="l" rtl="0">
+              <a:lnSpc>
+                <a:spcPct val="100000"/>
+              </a:lnSpc>
+              <a:spcBef>
+                <a:spcPts val="0"/>
+              </a:spcBef>
+              <a:spcAft>
+                <a:spcPts val="0"/>
+              </a:spcAft>
+              <a:buClr>
+                <a:srgbClr val="000000"/>
+              </a:buClr>
+              <a:buFont typeface="Arial"/>
+              <a:defRPr sz="1400" b="0" i="0" u="none" strike="noStrike" cap="none">
+                <a:solidFill>
+                  <a:srgbClr val="000000"/>
+                </a:solidFill>
+                <a:latin typeface="Arial"/>
+                <a:ea typeface="Arial"/>
+                <a:cs typeface="Arial"/>
+                <a:sym typeface="Arial"/>
+              </a:defRPr>
+            </a:lvl3pPr>
+            <a:lvl4pPr marR="0" lvl="3" algn="l" rtl="0">
+              <a:lnSpc>
+                <a:spcPct val="100000"/>
+              </a:lnSpc>
+              <a:spcBef>
+                <a:spcPts val="0"/>
+              </a:spcBef>
+              <a:spcAft>
+                <a:spcPts val="0"/>
+              </a:spcAft>
+              <a:buClr>
+                <a:srgbClr val="000000"/>
+              </a:buClr>
+              <a:buFont typeface="Arial"/>
+              <a:defRPr sz="1400" b="0" i="0" u="none" strike="noStrike" cap="none">
+                <a:solidFill>
+                  <a:srgbClr val="000000"/>
+                </a:solidFill>
+                <a:latin typeface="Arial"/>
+                <a:ea typeface="Arial"/>
+                <a:cs typeface="Arial"/>
+                <a:sym typeface="Arial"/>
+              </a:defRPr>
+            </a:lvl4pPr>
+            <a:lvl5pPr marR="0" lvl="4" algn="l" rtl="0">
+              <a:lnSpc>
+                <a:spcPct val="100000"/>
+              </a:lnSpc>
+              <a:spcBef>
+                <a:spcPts val="0"/>
+              </a:spcBef>
+              <a:spcAft>
+                <a:spcPts val="0"/>
+              </a:spcAft>
+              <a:buClr>
+                <a:srgbClr val="000000"/>
+              </a:buClr>
+              <a:buFont typeface="Arial"/>
+              <a:defRPr sz="1400" b="0" i="0" u="none" strike="noStrike" cap="none">
+                <a:solidFill>
+                  <a:srgbClr val="000000"/>
+                </a:solidFill>
+                <a:latin typeface="Arial"/>
+                <a:ea typeface="Arial"/>
+                <a:cs typeface="Arial"/>
+                <a:sym typeface="Arial"/>
+              </a:defRPr>
+            </a:lvl5pPr>
+            <a:lvl6pPr marR="0" lvl="5" algn="l" rtl="0">
+              <a:lnSpc>
+                <a:spcPct val="100000"/>
+              </a:lnSpc>
+              <a:spcBef>
+                <a:spcPts val="0"/>
+              </a:spcBef>
+              <a:spcAft>
+                <a:spcPts val="0"/>
+              </a:spcAft>
+              <a:buClr>
+                <a:srgbClr val="000000"/>
+              </a:buClr>
+              <a:buFont typeface="Arial"/>
+              <a:defRPr sz="1400" b="0" i="0" u="none" strike="noStrike" cap="none">
+                <a:solidFill>
+                  <a:srgbClr val="000000"/>
+                </a:solidFill>
+                <a:latin typeface="Arial"/>
+                <a:ea typeface="Arial"/>
+                <a:cs typeface="Arial"/>
+                <a:sym typeface="Arial"/>
+              </a:defRPr>
+            </a:lvl6pPr>
+            <a:lvl7pPr marR="0" lvl="6" algn="l" rtl="0">
+              <a:lnSpc>
+                <a:spcPct val="100000"/>
+              </a:lnSpc>
+              <a:spcBef>
+                <a:spcPts val="0"/>
+              </a:spcBef>
+              <a:spcAft>
+                <a:spcPts val="0"/>
+              </a:spcAft>
+              <a:buClr>
+                <a:srgbClr val="000000"/>
+              </a:buClr>
+              <a:buFont typeface="Arial"/>
+              <a:defRPr sz="1400" b="0" i="0" u="none" strike="noStrike" cap="none">
+                <a:solidFill>
+                  <a:srgbClr val="000000"/>
+                </a:solidFill>
+                <a:latin typeface="Arial"/>
+                <a:ea typeface="Arial"/>
+                <a:cs typeface="Arial"/>
+                <a:sym typeface="Arial"/>
+              </a:defRPr>
+            </a:lvl7pPr>
+            <a:lvl8pPr marR="0" lvl="7" algn="l" rtl="0">
+              <a:lnSpc>
+                <a:spcPct val="100000"/>
+              </a:lnSpc>
+              <a:spcBef>
+                <a:spcPts val="0"/>
+              </a:spcBef>
+              <a:spcAft>
+                <a:spcPts val="0"/>
+              </a:spcAft>
+              <a:buClr>
+                <a:srgbClr val="000000"/>
+              </a:buClr>
+              <a:buFont typeface="Arial"/>
+              <a:defRPr sz="1400" b="0" i="0" u="none" strike="noStrike" cap="none">
+                <a:solidFill>
+                  <a:srgbClr val="000000"/>
+                </a:solidFill>
+                <a:latin typeface="Arial"/>
+                <a:ea typeface="Arial"/>
+                <a:cs typeface="Arial"/>
+                <a:sym typeface="Arial"/>
+              </a:defRPr>
+            </a:lvl8pPr>
+            <a:lvl9pPr marR="0" lvl="8" algn="l" rtl="0">
+              <a:lnSpc>
+                <a:spcPct val="100000"/>
+              </a:lnSpc>
+              <a:spcBef>
+                <a:spcPts val="0"/>
+              </a:spcBef>
+              <a:spcAft>
+                <a:spcPts val="0"/>
+              </a:spcAft>
+              <a:buClr>
+                <a:srgbClr val="000000"/>
+              </a:buClr>
+              <a:buFont typeface="Arial"/>
+              <a:defRPr sz="1400" b="0" i="0" u="none" strike="noStrike" cap="none">
+                <a:solidFill>
+                  <a:srgbClr val="000000"/>
+                </a:solidFill>
+                <a:latin typeface="Arial"/>
+                <a:ea typeface="Arial"/>
+                <a:cs typeface="Arial"/>
+                <a:sym typeface="Arial"/>
+              </a:defRPr>
+            </a:lvl9pPr>
+          </a:lstStyle>
+          <a:p>
+            <a:pPr algn="ctr"/>
+            <a:r>
+              <a:rPr lang="it-IT" sz="1100" dirty="0">
+                <a:solidFill>
+                  <a:schemeClr val="bg1"/>
+                </a:solidFill>
+              </a:rPr>
+              <a:t>Nella prima immagine possiamo vedere il normale funzionamento della coda a priorità, lo stato della coda viene stampato spesso per verificare che sia corretto, l’inserimento avviene in ordine per priorità, ed il pull sceglie sempre l’elemento con priorità maggiore</a:t>
+            </a:r>
+          </a:p>
+          <a:p>
+            <a:pPr algn="ctr"/>
+            <a:endParaRPr lang="it-IT" sz="1100" dirty="0">
+              <a:solidFill>
+                <a:schemeClr val="bg1"/>
+              </a:solidFill>
+            </a:endParaRPr>
+          </a:p>
+          <a:p>
+            <a:pPr algn="ctr"/>
+            <a:endParaRPr lang="it-IT" sz="1100" dirty="0">
+              <a:solidFill>
+                <a:schemeClr val="bg1"/>
+              </a:solidFill>
+            </a:endParaRPr>
+          </a:p>
+          <a:p>
+            <a:pPr algn="ctr"/>
+            <a:r>
+              <a:rPr lang="it-IT" sz="1100" dirty="0">
+                <a:solidFill>
+                  <a:schemeClr val="bg1"/>
+                </a:solidFill>
+              </a:rPr>
+              <a:t>Quando un elemento raggiunge age=10 (per esempio l’elemento 9 in questo caso), la sua priorità verrà aumentata e la sua age riportata a 0</a:t>
+            </a:r>
+          </a:p>
+        </p:txBody>
+      </p:sp>
     </p:spTree>
     <p:extLst>
       <p:ext uri="{BB962C8B-B14F-4D97-AF65-F5344CB8AC3E}">
         <p14:creationId xmlns:p14="http://schemas.microsoft.com/office/powerpoint/2010/main" val="587586602"/>
+      </p:ext>
+    </p:extLst>
+  </p:cSld>
+  <p:clrMapOvr>
+    <a:masterClrMapping/>
+  </p:clrMapOvr>
+</p:sld>
+</file>
+
+<file path=ppt/slides/slide19.xml><?xml version="1.0" encoding="utf-8"?>
+<p:sld xmlns:a="http://schemas.openxmlformats.org/drawingml/2006/main" xmlns:r="http://schemas.openxmlformats.org/officeDocument/2006/relationships" xmlns:p="http://schemas.openxmlformats.org/presentationml/2006/main">
+  <p:cSld>
+    <p:spTree>
+      <p:nvGrpSpPr>
+        <p:cNvPr id="1" name="Shape 199"/>
+        <p:cNvGrpSpPr/>
+        <p:nvPr/>
+      </p:nvGrpSpPr>
+      <p:grpSpPr>
+        <a:xfrm>
+          <a:off x="0" y="0"/>
+          <a:ext cx="0" cy="0"/>
+          <a:chOff x="0" y="0"/>
+          <a:chExt cx="0" cy="0"/>
+        </a:xfrm>
+      </p:grpSpPr>
+      <p:sp>
+        <p:nvSpPr>
+          <p:cNvPr id="201" name="Google Shape;201;p42"/>
+          <p:cNvSpPr txBox="1">
+            <a:spLocks noGrp="1"/>
+          </p:cNvSpPr>
+          <p:nvPr>
+            <p:ph type="ctrTitle"/>
+          </p:nvPr>
+        </p:nvSpPr>
+        <p:spPr>
+          <a:xfrm>
+            <a:off x="1850525" y="1157925"/>
+            <a:ext cx="5442900" cy="2603100"/>
+          </a:xfrm>
+          <a:prstGeom prst="rect">
+            <a:avLst/>
+          </a:prstGeom>
+        </p:spPr>
+        <p:txBody>
+          <a:bodyPr spcFirstLastPara="1" wrap="square" lIns="91425" tIns="91425" rIns="91425" bIns="91425" anchor="t" anchorCtr="0">
+            <a:noAutofit/>
+          </a:bodyPr>
+          <a:lstStyle/>
+          <a:p>
+            <a:pPr marL="0" lvl="0" indent="0" algn="ctr" rtl="0">
+              <a:spcBef>
+                <a:spcPts val="0"/>
+              </a:spcBef>
+              <a:spcAft>
+                <a:spcPts val="0"/>
+              </a:spcAft>
+              <a:buNone/>
+            </a:pPr>
+            <a:r>
+              <a:rPr lang="it-IT" sz="3600" dirty="0"/>
+              <a:t>Grazie per l’attenzione</a:t>
+            </a:r>
+            <a:endParaRPr sz="3600" dirty="0"/>
+          </a:p>
+        </p:txBody>
+      </p:sp>
+    </p:spTree>
+    <p:extLst>
+      <p:ext uri="{BB962C8B-B14F-4D97-AF65-F5344CB8AC3E}">
+        <p14:creationId xmlns:p14="http://schemas.microsoft.com/office/powerpoint/2010/main" val="4230835048"/>
       </p:ext>
     </p:extLst>
   </p:cSld>
@@ -10761,7 +11299,7 @@
         </p:nvSpPr>
         <p:spPr>
           <a:xfrm>
-            <a:off x="5865541" y="1802060"/>
+            <a:off x="5877733" y="1789868"/>
             <a:ext cx="2613441" cy="2444358"/>
           </a:xfrm>
           <a:prstGeom prst="rect">

--- a/presentation.pptx
+++ b/presentation.pptx
@@ -12764,36 +12764,6 @@
           </a:prstGeom>
         </p:spPr>
       </p:pic>
-      <p:pic>
-        <p:nvPicPr>
-          <p:cNvPr id="5" name="Immagine 4" descr="Immagine che contiene testo, schermata, Carattere, software&#10;&#10;Descrizione generata automaticamente">
-            <a:extLst>
-              <a:ext uri="{FF2B5EF4-FFF2-40B4-BE49-F238E27FC236}">
-                <a16:creationId xmlns:a16="http://schemas.microsoft.com/office/drawing/2014/main" id="{F3B786C6-4C8F-6FDA-2FEB-C73612AF5744}"/>
-              </a:ext>
-            </a:extLst>
-          </p:cNvPr>
-          <p:cNvPicPr>
-            <a:picLocks noChangeAspect="1"/>
-          </p:cNvPicPr>
-          <p:nvPr/>
-        </p:nvPicPr>
-        <p:blipFill>
-          <a:blip r:embed="rId4"/>
-          <a:stretch>
-            <a:fillRect/>
-          </a:stretch>
-        </p:blipFill>
-        <p:spPr>
-          <a:xfrm>
-            <a:off x="5700870" y="1558448"/>
-            <a:ext cx="2224450" cy="2026603"/>
-          </a:xfrm>
-          <a:prstGeom prst="rect">
-            <a:avLst/>
-          </a:prstGeom>
-        </p:spPr>
-      </p:pic>
       <p:sp>
         <p:nvSpPr>
           <p:cNvPr id="6" name="Google Shape;184;p40">
@@ -13332,6 +13302,36 @@
           </a:p>
         </p:txBody>
       </p:sp>
+      <p:pic>
+        <p:nvPicPr>
+          <p:cNvPr id="4" name="Immagine 3" descr="Immagine che contiene testo, schermata, Carattere&#10;&#10;Descrizione generata automaticamente">
+            <a:extLst>
+              <a:ext uri="{FF2B5EF4-FFF2-40B4-BE49-F238E27FC236}">
+                <a16:creationId xmlns:a16="http://schemas.microsoft.com/office/drawing/2014/main" id="{27B3C2F9-B024-1663-80FF-C52401B69222}"/>
+              </a:ext>
+            </a:extLst>
+          </p:cNvPr>
+          <p:cNvPicPr>
+            <a:picLocks noChangeAspect="1"/>
+          </p:cNvPicPr>
+          <p:nvPr/>
+        </p:nvPicPr>
+        <p:blipFill>
+          <a:blip r:embed="rId4"/>
+          <a:stretch>
+            <a:fillRect/>
+          </a:stretch>
+        </p:blipFill>
+        <p:spPr>
+          <a:xfrm>
+            <a:off x="5582194" y="1123249"/>
+            <a:ext cx="2461802" cy="2461802"/>
+          </a:xfrm>
+          <a:prstGeom prst="rect">
+            <a:avLst/>
+          </a:prstGeom>
+        </p:spPr>
+      </p:pic>
     </p:spTree>
     <p:extLst>
       <p:ext uri="{BB962C8B-B14F-4D97-AF65-F5344CB8AC3E}">
@@ -13969,66 +13969,6 @@
           </a:effectLst>
         </p:spPr>
       </p:cxnSp>
-      <p:pic>
-        <p:nvPicPr>
-          <p:cNvPr id="3" name="Immagine 2" descr="Immagine che contiene testo, schermata, Carattere&#10;&#10;Descrizione generata automaticamente">
-            <a:extLst>
-              <a:ext uri="{FF2B5EF4-FFF2-40B4-BE49-F238E27FC236}">
-                <a16:creationId xmlns:a16="http://schemas.microsoft.com/office/drawing/2014/main" id="{D2CADFBD-56C7-B57E-32F3-548C3DD047AD}"/>
-              </a:ext>
-            </a:extLst>
-          </p:cNvPr>
-          <p:cNvPicPr>
-            <a:picLocks noChangeAspect="1"/>
-          </p:cNvPicPr>
-          <p:nvPr/>
-        </p:nvPicPr>
-        <p:blipFill>
-          <a:blip r:embed="rId3"/>
-          <a:stretch>
-            <a:fillRect/>
-          </a:stretch>
-        </p:blipFill>
-        <p:spPr>
-          <a:xfrm>
-            <a:off x="849943" y="1417427"/>
-            <a:ext cx="4059391" cy="2339649"/>
-          </a:xfrm>
-          <a:prstGeom prst="rect">
-            <a:avLst/>
-          </a:prstGeom>
-        </p:spPr>
-      </p:pic>
-      <p:pic>
-        <p:nvPicPr>
-          <p:cNvPr id="5" name="Immagine 4" descr="Immagine che contiene testo, schermata, Carattere&#10;&#10;Descrizione generata automaticamente">
-            <a:extLst>
-              <a:ext uri="{FF2B5EF4-FFF2-40B4-BE49-F238E27FC236}">
-                <a16:creationId xmlns:a16="http://schemas.microsoft.com/office/drawing/2014/main" id="{F5EB547F-ECB6-A63F-94C7-A5DC28BB7ECC}"/>
-              </a:ext>
-            </a:extLst>
-          </p:cNvPr>
-          <p:cNvPicPr>
-            <a:picLocks noChangeAspect="1"/>
-          </p:cNvPicPr>
-          <p:nvPr/>
-        </p:nvPicPr>
-        <p:blipFill>
-          <a:blip r:embed="rId4"/>
-          <a:stretch>
-            <a:fillRect/>
-          </a:stretch>
-        </p:blipFill>
-        <p:spPr>
-          <a:xfrm>
-            <a:off x="5234853" y="1386425"/>
-            <a:ext cx="3059204" cy="2483923"/>
-          </a:xfrm>
-          <a:prstGeom prst="rect">
-            <a:avLst/>
-          </a:prstGeom>
-        </p:spPr>
-      </p:pic>
       <p:sp>
         <p:nvSpPr>
           <p:cNvPr id="6" name="Google Shape;184;p40">
@@ -14360,6 +14300,66 @@
           </a:p>
         </p:txBody>
       </p:sp>
+      <p:pic>
+        <p:nvPicPr>
+          <p:cNvPr id="4" name="Immagine 3" descr="Immagine che contiene testo, schermata, Carattere, software&#10;&#10;Descrizione generata automaticamente">
+            <a:extLst>
+              <a:ext uri="{FF2B5EF4-FFF2-40B4-BE49-F238E27FC236}">
+                <a16:creationId xmlns:a16="http://schemas.microsoft.com/office/drawing/2014/main" id="{AAEC5CCA-21E0-695E-5B98-3502DD453AFB}"/>
+              </a:ext>
+            </a:extLst>
+          </p:cNvPr>
+          <p:cNvPicPr>
+            <a:picLocks noChangeAspect="1"/>
+          </p:cNvPicPr>
+          <p:nvPr/>
+        </p:nvPicPr>
+        <p:blipFill>
+          <a:blip r:embed="rId3"/>
+          <a:stretch>
+            <a:fillRect/>
+          </a:stretch>
+        </p:blipFill>
+        <p:spPr>
+          <a:xfrm>
+            <a:off x="849943" y="1386425"/>
+            <a:ext cx="3666783" cy="2640812"/>
+          </a:xfrm>
+          <a:prstGeom prst="rect">
+            <a:avLst/>
+          </a:prstGeom>
+        </p:spPr>
+      </p:pic>
+      <p:pic>
+        <p:nvPicPr>
+          <p:cNvPr id="8" name="Immagine 7" descr="Immagine che contiene testo, schermata, Carattere&#10;&#10;Descrizione generata automaticamente">
+            <a:extLst>
+              <a:ext uri="{FF2B5EF4-FFF2-40B4-BE49-F238E27FC236}">
+                <a16:creationId xmlns:a16="http://schemas.microsoft.com/office/drawing/2014/main" id="{80A6D509-30EF-5D69-942A-711F15FE8C77}"/>
+              </a:ext>
+            </a:extLst>
+          </p:cNvPr>
+          <p:cNvPicPr>
+            <a:picLocks noChangeAspect="1"/>
+          </p:cNvPicPr>
+          <p:nvPr/>
+        </p:nvPicPr>
+        <p:blipFill>
+          <a:blip r:embed="rId4"/>
+          <a:stretch>
+            <a:fillRect/>
+          </a:stretch>
+        </p:blipFill>
+        <p:spPr>
+          <a:xfrm>
+            <a:off x="4990094" y="1386425"/>
+            <a:ext cx="3215406" cy="2640812"/>
+          </a:xfrm>
+          <a:prstGeom prst="rect">
+            <a:avLst/>
+          </a:prstGeom>
+        </p:spPr>
+      </p:pic>
     </p:spTree>
     <p:extLst>
       <p:ext uri="{BB962C8B-B14F-4D97-AF65-F5344CB8AC3E}">
@@ -14467,10 +14467,10 @@
       </p:cxnSp>
       <p:pic>
         <p:nvPicPr>
-          <p:cNvPr id="3" name="Immagine 2" descr="Immagine che contiene testo, schermata, Carattere&#10;&#10;Descrizione generata automaticamente">
+          <p:cNvPr id="5" name="Immagine 4" descr="Immagine che contiene testo, schermata, Carattere&#10;&#10;Descrizione generata automaticamente">
             <a:extLst>
               <a:ext uri="{FF2B5EF4-FFF2-40B4-BE49-F238E27FC236}">
-                <a16:creationId xmlns:a16="http://schemas.microsoft.com/office/drawing/2014/main" id="{8525BC81-EF9B-2979-68C2-FDB47F0E77B2}"/>
+                <a16:creationId xmlns:a16="http://schemas.microsoft.com/office/drawing/2014/main" id="{815604E9-9F8F-300F-B018-636298B0A242}"/>
               </a:ext>
             </a:extLst>
           </p:cNvPr>
@@ -14487,8 +14487,8 @@
         </p:blipFill>
         <p:spPr>
           <a:xfrm>
-            <a:off x="679124" y="1417427"/>
-            <a:ext cx="3457152" cy="1835460"/>
+            <a:off x="4572000" y="1417427"/>
+            <a:ext cx="4089178" cy="2339649"/>
           </a:xfrm>
           <a:prstGeom prst="rect">
             <a:avLst/>
@@ -14497,10 +14497,10 @@
       </p:pic>
       <p:pic>
         <p:nvPicPr>
-          <p:cNvPr id="5" name="Immagine 4" descr="Immagine che contiene testo, schermata, Carattere&#10;&#10;Descrizione generata automaticamente">
+          <p:cNvPr id="4" name="Immagine 3" descr="Immagine che contiene testo, schermata, Carattere&#10;&#10;Descrizione generata automaticamente">
             <a:extLst>
               <a:ext uri="{FF2B5EF4-FFF2-40B4-BE49-F238E27FC236}">
-                <a16:creationId xmlns:a16="http://schemas.microsoft.com/office/drawing/2014/main" id="{815604E9-9F8F-300F-B018-636298B0A242}"/>
+                <a16:creationId xmlns:a16="http://schemas.microsoft.com/office/drawing/2014/main" id="{AA87AED0-A01A-C0F6-B7DB-D56B87D104B9}"/>
               </a:ext>
             </a:extLst>
           </p:cNvPr>
@@ -14517,8 +14517,8 @@
         </p:blipFill>
         <p:spPr>
           <a:xfrm>
-            <a:off x="4375698" y="1417427"/>
-            <a:ext cx="4089178" cy="2339649"/>
+            <a:off x="479961" y="1401925"/>
+            <a:ext cx="3855477" cy="2339649"/>
           </a:xfrm>
           <a:prstGeom prst="rect">
             <a:avLst/>

--- a/presentation.pptx
+++ b/presentation.pptx
@@ -10419,10 +10419,10 @@
       </p:sp>
       <p:pic>
         <p:nvPicPr>
-          <p:cNvPr id="5" name="Immagine 4" descr="Immagine che contiene testo, schermata, software, Carattere&#10;&#10;Descrizione generata automaticamente">
+          <p:cNvPr id="3" name="Immagine 2" descr="Immagine che contiene testo, schermata, Carattere&#10;&#10;Descrizione generata automaticamente">
             <a:extLst>
               <a:ext uri="{FF2B5EF4-FFF2-40B4-BE49-F238E27FC236}">
-                <a16:creationId xmlns:a16="http://schemas.microsoft.com/office/drawing/2014/main" id="{5D1D16B8-47AE-223E-6916-CBAEA88C8738}"/>
+                <a16:creationId xmlns:a16="http://schemas.microsoft.com/office/drawing/2014/main" id="{5A56FFEE-62E5-1604-5D6D-A0ED227908D1}"/>
               </a:ext>
             </a:extLst>
           </p:cNvPr>
@@ -10439,8 +10439,8 @@
         </p:blipFill>
         <p:spPr>
           <a:xfrm>
-            <a:off x="1333356" y="969819"/>
-            <a:ext cx="3238644" cy="4047087"/>
+            <a:off x="1167982" y="1025235"/>
+            <a:ext cx="3238644" cy="3989292"/>
           </a:xfrm>
           <a:prstGeom prst="rect">
             <a:avLst/>
